--- a/Document/编辑器界面方案.pptx
+++ b/Document/编辑器界面方案.pptx
@@ -7,23 +7,25 @@
   <p:sldIdLst>
     <p:sldId id="256" r:id="rId2"/>
     <p:sldId id="266" r:id="rId3"/>
-    <p:sldId id="273" r:id="rId4"/>
-    <p:sldId id="272" r:id="rId5"/>
-    <p:sldId id="275" r:id="rId6"/>
-    <p:sldId id="276" r:id="rId7"/>
-    <p:sldId id="274" r:id="rId8"/>
-    <p:sldId id="277" r:id="rId9"/>
-    <p:sldId id="258" r:id="rId10"/>
-    <p:sldId id="259" r:id="rId11"/>
-    <p:sldId id="281" r:id="rId12"/>
-    <p:sldId id="280" r:id="rId13"/>
-    <p:sldId id="264" r:id="rId14"/>
-    <p:sldId id="265" r:id="rId15"/>
-    <p:sldId id="263" r:id="rId16"/>
-    <p:sldId id="268" r:id="rId17"/>
-    <p:sldId id="269" r:id="rId18"/>
-    <p:sldId id="270" r:id="rId19"/>
-    <p:sldId id="278" r:id="rId20"/>
+    <p:sldId id="283" r:id="rId4"/>
+    <p:sldId id="273" r:id="rId5"/>
+    <p:sldId id="272" r:id="rId6"/>
+    <p:sldId id="275" r:id="rId7"/>
+    <p:sldId id="276" r:id="rId8"/>
+    <p:sldId id="274" r:id="rId9"/>
+    <p:sldId id="277" r:id="rId10"/>
+    <p:sldId id="258" r:id="rId11"/>
+    <p:sldId id="259" r:id="rId12"/>
+    <p:sldId id="281" r:id="rId13"/>
+    <p:sldId id="280" r:id="rId14"/>
+    <p:sldId id="264" r:id="rId15"/>
+    <p:sldId id="265" r:id="rId16"/>
+    <p:sldId id="263" r:id="rId17"/>
+    <p:sldId id="268" r:id="rId18"/>
+    <p:sldId id="282" r:id="rId19"/>
+    <p:sldId id="269" r:id="rId20"/>
+    <p:sldId id="270" r:id="rId21"/>
+    <p:sldId id="278" r:id="rId22"/>
   </p:sldIdLst>
   <p:sldSz cx="9144000" cy="6858000" type="screen4x3"/>
   <p:notesSz cx="6858000" cy="9144000"/>
@@ -262,7 +264,7 @@
           <a:p>
             <a:fld id="{530820CF-B880-4189-942D-D702A7CBA730}" type="datetimeFigureOut">
               <a:rPr lang="zh-CN" altLang="en-US" smtClean="0"/>
-              <a:t>2014/5/8</a:t>
+              <a:t>2014/5/12</a:t>
             </a:fld>
             <a:endParaRPr lang="zh-CN" altLang="en-US"/>
           </a:p>
@@ -1131,7 +1133,7 @@
           <a:p>
             <a:fld id="{530820CF-B880-4189-942D-D702A7CBA730}" type="datetimeFigureOut">
               <a:rPr lang="zh-CN" altLang="en-US" smtClean="0"/>
-              <a:t>2014/5/8</a:t>
+              <a:t>2014/5/12</a:t>
             </a:fld>
             <a:endParaRPr lang="zh-CN" altLang="en-US"/>
           </a:p>
@@ -1306,7 +1308,7 @@
           <a:p>
             <a:fld id="{530820CF-B880-4189-942D-D702A7CBA730}" type="datetimeFigureOut">
               <a:rPr lang="zh-CN" altLang="en-US" smtClean="0"/>
-              <a:t>2014/5/8</a:t>
+              <a:t>2014/5/12</a:t>
             </a:fld>
             <a:endParaRPr lang="zh-CN" altLang="en-US"/>
           </a:p>
@@ -1476,7 +1478,7 @@
           <a:p>
             <a:fld id="{530820CF-B880-4189-942D-D702A7CBA730}" type="datetimeFigureOut">
               <a:rPr lang="zh-CN" altLang="en-US" smtClean="0"/>
-              <a:t>2014/5/8</a:t>
+              <a:t>2014/5/12</a:t>
             </a:fld>
             <a:endParaRPr lang="zh-CN" altLang="en-US"/>
           </a:p>
@@ -1686,7 +1688,7 @@
           <a:p>
             <a:fld id="{530820CF-B880-4189-942D-D702A7CBA730}" type="datetimeFigureOut">
               <a:rPr lang="zh-CN" altLang="en-US" smtClean="0"/>
-              <a:t>2014/5/8</a:t>
+              <a:t>2014/5/12</a:t>
             </a:fld>
             <a:endParaRPr lang="zh-CN" altLang="en-US"/>
           </a:p>
@@ -2500,7 +2502,7 @@
           <a:p>
             <a:fld id="{530820CF-B880-4189-942D-D702A7CBA730}" type="datetimeFigureOut">
               <a:rPr lang="zh-CN" altLang="en-US" smtClean="0"/>
-              <a:t>2014/5/8</a:t>
+              <a:t>2014/5/12</a:t>
             </a:fld>
             <a:endParaRPr lang="zh-CN" altLang="en-US"/>
           </a:p>
@@ -2736,7 +2738,7 @@
           <a:p>
             <a:fld id="{530820CF-B880-4189-942D-D702A7CBA730}" type="datetimeFigureOut">
               <a:rPr lang="zh-CN" altLang="en-US" smtClean="0"/>
-              <a:t>2014/5/8</a:t>
+              <a:t>2014/5/12</a:t>
             </a:fld>
             <a:endParaRPr lang="zh-CN" altLang="en-US"/>
           </a:p>
@@ -3059,7 +3061,7 @@
           <a:p>
             <a:fld id="{530820CF-B880-4189-942D-D702A7CBA730}" type="datetimeFigureOut">
               <a:rPr lang="zh-CN" altLang="en-US" smtClean="0"/>
-              <a:t>2014/5/8</a:t>
+              <a:t>2014/5/12</a:t>
             </a:fld>
             <a:endParaRPr lang="zh-CN" altLang="en-US"/>
           </a:p>
@@ -3149,7 +3151,7 @@
           <a:p>
             <a:fld id="{530820CF-B880-4189-942D-D702A7CBA730}" type="datetimeFigureOut">
               <a:rPr lang="zh-CN" altLang="en-US" smtClean="0"/>
-              <a:t>2014/5/8</a:t>
+              <a:t>2014/5/12</a:t>
             </a:fld>
             <a:endParaRPr lang="zh-CN" altLang="en-US"/>
           </a:p>
@@ -3666,7 +3668,7 @@
           <a:p>
             <a:fld id="{530820CF-B880-4189-942D-D702A7CBA730}" type="datetimeFigureOut">
               <a:rPr lang="zh-CN" altLang="en-US" smtClean="0"/>
-              <a:t>2014/5/8</a:t>
+              <a:t>2014/5/12</a:t>
             </a:fld>
             <a:endParaRPr lang="zh-CN" altLang="en-US"/>
           </a:p>
@@ -4177,7 +4179,7 @@
           <a:p>
             <a:fld id="{530820CF-B880-4189-942D-D702A7CBA730}" type="datetimeFigureOut">
               <a:rPr lang="zh-CN" altLang="en-US" smtClean="0"/>
-              <a:t>2014/5/8</a:t>
+              <a:t>2014/5/12</a:t>
             </a:fld>
             <a:endParaRPr lang="zh-CN" altLang="en-US"/>
           </a:p>
@@ -4422,7 +4424,7 @@
           <a:p>
             <a:fld id="{530820CF-B880-4189-942D-D702A7CBA730}" type="datetimeFigureOut">
               <a:rPr lang="zh-CN" altLang="en-US" smtClean="0"/>
-              <a:t>2014/5/8</a:t>
+              <a:t>2014/5/12</a:t>
             </a:fld>
             <a:endParaRPr lang="zh-CN" altLang="en-US"/>
           </a:p>
@@ -5126,6 +5128,387 @@
           <a:lstStyle/>
           <a:p>
             <a:r>
+              <a:rPr lang="zh-CN" altLang="en-US" smtClean="0"/>
+              <a:t>资源详细：</a:t>
+            </a:r>
+            <a:r>
+              <a:rPr lang="en-US" altLang="zh-CN" smtClean="0"/>
+              <a:t>Content</a:t>
+            </a:r>
+            <a:r>
+              <a:rPr lang="zh-CN" altLang="en-US"/>
+              <a:t> </a:t>
+            </a:r>
+            <a:r>
+              <a:rPr lang="en-US" altLang="zh-CN" smtClean="0"/>
+              <a:t>Detail</a:t>
+            </a:r>
+            <a:endParaRPr lang="zh-CN" altLang="en-US"/>
+          </a:p>
+        </p:txBody>
+      </p:sp>
+      <p:sp>
+        <p:nvSpPr>
+          <p:cNvPr id="3" name="内容占位符 2"/>
+          <p:cNvSpPr>
+            <a:spLocks noGrp="1"/>
+          </p:cNvSpPr>
+          <p:nvPr>
+            <p:ph sz="quarter" idx="1"/>
+          </p:nvPr>
+        </p:nvSpPr>
+        <p:spPr>
+          <a:xfrm>
+            <a:off x="457200" y="1481328"/>
+            <a:ext cx="8229600" cy="4683976"/>
+          </a:xfrm>
+        </p:spPr>
+        <p:txBody>
+          <a:bodyPr>
+            <a:normAutofit fontScale="85000" lnSpcReduction="20000"/>
+          </a:bodyPr>
+          <a:lstStyle/>
+          <a:p>
+            <a:r>
+              <a:rPr lang="zh-CN" altLang="en-US"/>
+              <a:t>资源资源</a:t>
+            </a:r>
+            <a:r>
+              <a:rPr lang="zh-CN" altLang="en-US" smtClean="0"/>
+              <a:t>：（</a:t>
+            </a:r>
+            <a:r>
+              <a:rPr lang="zh-CN" altLang="en-US" smtClean="0">
+                <a:solidFill>
+                  <a:srgbClr val="FF0000"/>
+                </a:solidFill>
+              </a:rPr>
+              <a:t>现在</a:t>
+            </a:r>
+            <a:r>
+              <a:rPr lang="zh-CN" altLang="en-US">
+                <a:solidFill>
+                  <a:srgbClr val="FF0000"/>
+                </a:solidFill>
+              </a:rPr>
+              <a:t>引擎</a:t>
+            </a:r>
+            <a:r>
+              <a:rPr lang="zh-CN" altLang="en-US" smtClean="0">
+                <a:solidFill>
+                  <a:srgbClr val="FF0000"/>
+                </a:solidFill>
+              </a:rPr>
+              <a:t>已有的部分，如何增强展示效果是关键</a:t>
+            </a:r>
+            <a:r>
+              <a:rPr lang="zh-CN" altLang="en-US" smtClean="0"/>
+              <a:t>）</a:t>
+            </a:r>
+            <a:endParaRPr lang="en-US" altLang="zh-CN"/>
+          </a:p>
+          <a:p>
+            <a:pPr lvl="1"/>
+            <a:r>
+              <a:rPr lang="zh-CN" altLang="en-US" smtClean="0"/>
+              <a:t>纹理：各种图片，用来展示画面用</a:t>
+            </a:r>
+            <a:endParaRPr lang="zh-CN" altLang="en-US"/>
+          </a:p>
+          <a:p>
+            <a:pPr lvl="1"/>
+            <a:r>
+              <a:rPr lang="zh-CN" altLang="en-US" smtClean="0"/>
+              <a:t>材质</a:t>
+            </a:r>
+            <a:r>
+              <a:rPr lang="zh-CN" altLang="en-US"/>
+              <a:t>：</a:t>
+            </a:r>
+            <a:r>
+              <a:rPr lang="zh-CN" altLang="en-US" smtClean="0"/>
+              <a:t>物件</a:t>
+            </a:r>
+            <a:r>
+              <a:rPr lang="zh-CN" altLang="en-US"/>
+              <a:t>外表</a:t>
+            </a:r>
+            <a:r>
+              <a:rPr lang="zh-CN" altLang="en-US" smtClean="0"/>
+              <a:t>的效果</a:t>
+            </a:r>
+            <a:endParaRPr lang="en-US" altLang="zh-CN"/>
+          </a:p>
+          <a:p>
+            <a:pPr lvl="2"/>
+            <a:r>
+              <a:rPr lang="zh-CN" altLang="en-US" sz="1900" smtClean="0"/>
+              <a:t>光照的</a:t>
+            </a:r>
+            <a:r>
+              <a:rPr lang="zh-CN" altLang="en-US" sz="1900"/>
+              <a:t>信息，纹理</a:t>
+            </a:r>
+            <a:r>
+              <a:rPr lang="zh-CN" altLang="en-US" sz="1900" smtClean="0"/>
+              <a:t>构成信息。</a:t>
+            </a:r>
+            <a:endParaRPr lang="en-US" altLang="zh-CN" sz="1900" smtClean="0"/>
+          </a:p>
+          <a:p>
+            <a:pPr lvl="2"/>
+            <a:r>
+              <a:rPr lang="en-US" altLang="zh-CN" sz="1900" smtClean="0"/>
+              <a:t>2D</a:t>
+            </a:r>
+            <a:r>
+              <a:rPr lang="zh-CN" altLang="en-US" sz="1900"/>
+              <a:t>游戏没有这个部分。</a:t>
+            </a:r>
+          </a:p>
+          <a:p>
+            <a:pPr lvl="1"/>
+            <a:r>
+              <a:rPr lang="zh-CN" altLang="en-US" smtClean="0"/>
+              <a:t>模型：三维空间的呈现外观。</a:t>
+            </a:r>
+            <a:endParaRPr lang="en-US" altLang="zh-CN" smtClean="0"/>
+          </a:p>
+          <a:p>
+            <a:pPr lvl="2"/>
+            <a:r>
+              <a:rPr lang="zh-CN" altLang="en-US" sz="1900" smtClean="0"/>
+              <a:t>加上</a:t>
+            </a:r>
+            <a:r>
+              <a:rPr lang="zh-CN" altLang="en-US" sz="1900"/>
+              <a:t>材质后构成完整显示模型</a:t>
+            </a:r>
+          </a:p>
+          <a:p>
+            <a:pPr lvl="2"/>
+            <a:r>
+              <a:rPr lang="zh-CN" altLang="en-US" sz="1900" smtClean="0"/>
+              <a:t>蒙皮</a:t>
+            </a:r>
+            <a:r>
+              <a:rPr lang="zh-CN" altLang="en-US" sz="1900"/>
+              <a:t>：</a:t>
+            </a:r>
+            <a:r>
+              <a:rPr lang="zh-CN" altLang="en-US" sz="1900" smtClean="0"/>
+              <a:t>权重</a:t>
+            </a:r>
+            <a:r>
+              <a:rPr lang="zh-CN" altLang="en-US" sz="1900"/>
+              <a:t>的</a:t>
+            </a:r>
+            <a:r>
+              <a:rPr lang="zh-CN" altLang="en-US" sz="1900" smtClean="0"/>
+              <a:t>定义（不共用的话，可以省略配置）</a:t>
+            </a:r>
+            <a:endParaRPr lang="zh-CN" altLang="en-US" sz="1900"/>
+          </a:p>
+          <a:p>
+            <a:pPr lvl="2"/>
+            <a:r>
+              <a:rPr lang="zh-CN" altLang="en-US" sz="1900" smtClean="0"/>
+              <a:t>动画：物体</a:t>
+            </a:r>
+            <a:r>
+              <a:rPr lang="zh-CN" altLang="en-US" sz="1900"/>
+              <a:t>动画</a:t>
+            </a:r>
+            <a:r>
+              <a:rPr lang="zh-CN" altLang="en-US" sz="1900" smtClean="0"/>
+              <a:t>播放</a:t>
+            </a:r>
+            <a:endParaRPr lang="en-US" altLang="zh-CN" sz="1900" smtClean="0"/>
+          </a:p>
+          <a:p>
+            <a:pPr lvl="1"/>
+            <a:r>
+              <a:rPr lang="zh-CN" altLang="en-US"/>
+              <a:t>其他</a:t>
+            </a:r>
+            <a:r>
+              <a:rPr lang="zh-CN" altLang="en-US" smtClean="0"/>
+              <a:t>资源：声音</a:t>
+            </a:r>
+            <a:r>
+              <a:rPr lang="en-US" altLang="zh-CN" smtClean="0"/>
+              <a:t>/</a:t>
+            </a:r>
+            <a:r>
+              <a:rPr lang="zh-CN" altLang="en-US" smtClean="0"/>
+              <a:t>字体</a:t>
+            </a:r>
+            <a:r>
+              <a:rPr lang="en-US" altLang="zh-CN" smtClean="0"/>
+              <a:t>...</a:t>
+            </a:r>
+            <a:endParaRPr lang="zh-CN" altLang="en-US"/>
+          </a:p>
+          <a:p>
+            <a:r>
+              <a:rPr lang="zh-CN" altLang="en-US" smtClean="0"/>
+              <a:t>实体：模板（</a:t>
+            </a:r>
+            <a:r>
+              <a:rPr lang="en-US" altLang="zh-CN"/>
+              <a:t> Template </a:t>
+            </a:r>
+            <a:r>
+              <a:rPr lang="zh-CN" altLang="en-US" smtClean="0"/>
+              <a:t>），实例（</a:t>
+            </a:r>
+            <a:r>
+              <a:rPr lang="en-US" altLang="zh-CN"/>
+              <a:t> </a:t>
+            </a:r>
+            <a:r>
+              <a:rPr lang="en-US" altLang="zh-CN" smtClean="0"/>
+              <a:t>Instance </a:t>
+            </a:r>
+            <a:r>
+              <a:rPr lang="zh-CN" altLang="en-US" smtClean="0"/>
+              <a:t>）</a:t>
+            </a:r>
+            <a:endParaRPr lang="en-US" altLang="zh-CN"/>
+          </a:p>
+          <a:p>
+            <a:pPr lvl="1"/>
+            <a:r>
+              <a:rPr lang="zh-CN" altLang="en-US" smtClean="0"/>
+              <a:t>属性</a:t>
+            </a:r>
+            <a:r>
+              <a:rPr lang="zh-CN" altLang="en-US"/>
+              <a:t>（</a:t>
+            </a:r>
+            <a:r>
+              <a:rPr lang="en-US" altLang="zh-CN" smtClean="0"/>
+              <a:t>Property</a:t>
+            </a:r>
+            <a:r>
+              <a:rPr lang="zh-CN" altLang="en-US"/>
+              <a:t>）</a:t>
+            </a:r>
+            <a:r>
+              <a:rPr lang="zh-CN" altLang="en-US" smtClean="0"/>
+              <a:t>：属性集合的定义</a:t>
+            </a:r>
+            <a:endParaRPr lang="en-US" altLang="zh-CN"/>
+          </a:p>
+          <a:p>
+            <a:pPr lvl="1"/>
+            <a:r>
+              <a:rPr lang="zh-CN" altLang="en-US" smtClean="0"/>
+              <a:t>行为（</a:t>
+            </a:r>
+            <a:r>
+              <a:rPr lang="en-US" altLang="zh-CN"/>
+              <a:t> Behavior </a:t>
+            </a:r>
+            <a:r>
+              <a:rPr lang="zh-CN" altLang="en-US" smtClean="0"/>
+              <a:t>）：根据事件做出反应（移动，反弹</a:t>
+            </a:r>
+            <a:r>
+              <a:rPr lang="en-US" altLang="zh-CN" smtClean="0"/>
+              <a:t>...</a:t>
+            </a:r>
+            <a:r>
+              <a:rPr lang="zh-CN" altLang="en-US" smtClean="0"/>
+              <a:t>等等）</a:t>
+            </a:r>
+            <a:endParaRPr lang="en-US" altLang="zh-CN" smtClean="0"/>
+          </a:p>
+          <a:p>
+            <a:r>
+              <a:rPr lang="zh-CN" altLang="en-US" smtClean="0"/>
+              <a:t>项目：</a:t>
+            </a:r>
+            <a:r>
+              <a:rPr lang="en-US" altLang="zh-CN" smtClean="0"/>
+              <a:t>Project</a:t>
+            </a:r>
+          </a:p>
+          <a:p>
+            <a:pPr lvl="1"/>
+            <a:r>
+              <a:rPr lang="zh-CN" altLang="en-US" smtClean="0"/>
+              <a:t>场景：</a:t>
+            </a:r>
+            <a:r>
+              <a:rPr lang="en-US" altLang="zh-CN" smtClean="0"/>
+              <a:t>Scene</a:t>
+            </a:r>
+          </a:p>
+          <a:p>
+            <a:pPr lvl="1"/>
+            <a:r>
+              <a:rPr lang="zh-CN" altLang="en-US" smtClean="0"/>
+              <a:t>时间线：</a:t>
+            </a:r>
+            <a:r>
+              <a:rPr lang="en-US" altLang="zh-CN" smtClean="0"/>
+              <a:t>Timeline</a:t>
+            </a:r>
+            <a:r>
+              <a:rPr lang="zh-CN" altLang="en-US" smtClean="0"/>
+              <a:t>（时间序展现）</a:t>
+            </a:r>
+            <a:endParaRPr lang="en-US" altLang="zh-CN"/>
+          </a:p>
+        </p:txBody>
+      </p:sp>
+    </p:spTree>
+    <p:extLst>
+      <p:ext uri="{BB962C8B-B14F-4D97-AF65-F5344CB8AC3E}">
+        <p14:creationId xmlns:p14="http://schemas.microsoft.com/office/powerpoint/2010/main" val="1867866557"/>
+      </p:ext>
+    </p:extLst>
+  </p:cSld>
+  <p:clrMapOvr>
+    <a:masterClrMapping/>
+  </p:clrMapOvr>
+</p:sld>
+</file>
+
+<file path=ppt/slides/slide11.xml><?xml version="1.0" encoding="utf-8"?>
+<p:sld xmlns:a="http://schemas.openxmlformats.org/drawingml/2006/main" xmlns:r="http://schemas.openxmlformats.org/officeDocument/2006/relationships" xmlns:p="http://schemas.openxmlformats.org/presentationml/2006/main">
+  <p:cSld>
+    <p:spTree>
+      <p:nvGrpSpPr>
+        <p:cNvPr id="1" name=""/>
+        <p:cNvGrpSpPr/>
+        <p:nvPr/>
+      </p:nvGrpSpPr>
+      <p:grpSpPr>
+        <a:xfrm>
+          <a:off x="0" y="0"/>
+          <a:ext cx="0" cy="0"/>
+          <a:chOff x="0" y="0"/>
+          <a:chExt cx="0" cy="0"/>
+        </a:xfrm>
+      </p:grpSpPr>
+      <p:sp>
+        <p:nvSpPr>
+          <p:cNvPr id="2" name="标题 1"/>
+          <p:cNvSpPr>
+            <a:spLocks noGrp="1"/>
+          </p:cNvSpPr>
+          <p:nvPr>
+            <p:ph type="title"/>
+          </p:nvPr>
+        </p:nvSpPr>
+        <p:spPr/>
+        <p:txBody>
+          <a:bodyPr/>
+          <a:lstStyle/>
+          <a:p>
+            <a:r>
               <a:rPr lang="zh-CN" altLang="en-US"/>
               <a:t>资源</a:t>
             </a:r>
@@ -6318,7 +6701,7 @@
 </p:sld>
 </file>
 
-<file path=ppt/slides/slide11.xml><?xml version="1.0" encoding="utf-8"?>
+<file path=ppt/slides/slide12.xml><?xml version="1.0" encoding="utf-8"?>
 <p:sld xmlns:a="http://schemas.openxmlformats.org/drawingml/2006/main" xmlns:r="http://schemas.openxmlformats.org/officeDocument/2006/relationships" xmlns:p="http://schemas.openxmlformats.org/presentationml/2006/main">
   <p:cSld>
     <p:spTree>
@@ -6543,7 +6926,7 @@
 </p:sld>
 </file>
 
-<file path=ppt/slides/slide12.xml><?xml version="1.0" encoding="utf-8"?>
+<file path=ppt/slides/slide13.xml><?xml version="1.0" encoding="utf-8"?>
 <p:sld xmlns:a="http://schemas.openxmlformats.org/drawingml/2006/main" xmlns:r="http://schemas.openxmlformats.org/officeDocument/2006/relationships" xmlns:p="http://schemas.openxmlformats.org/presentationml/2006/main">
   <p:cSld>
     <p:spTree>
@@ -6785,7 +7168,7 @@
 </p:sld>
 </file>
 
-<file path=ppt/slides/slide13.xml><?xml version="1.0" encoding="utf-8"?>
+<file path=ppt/slides/slide14.xml><?xml version="1.0" encoding="utf-8"?>
 <p:sld xmlns:a="http://schemas.openxmlformats.org/drawingml/2006/main" xmlns:r="http://schemas.openxmlformats.org/officeDocument/2006/relationships" xmlns:p="http://schemas.openxmlformats.org/presentationml/2006/main">
   <p:cSld>
     <p:spTree>
@@ -6957,7 +7340,7 @@
 </p:sld>
 </file>
 
-<file path=ppt/slides/slide14.xml><?xml version="1.0" encoding="utf-8"?>
+<file path=ppt/slides/slide15.xml><?xml version="1.0" encoding="utf-8"?>
 <p:sld xmlns:a="http://schemas.openxmlformats.org/drawingml/2006/main" xmlns:r="http://schemas.openxmlformats.org/officeDocument/2006/relationships" xmlns:p="http://schemas.openxmlformats.org/presentationml/2006/main">
   <p:cSld>
     <p:spTree>
@@ -7411,7 +7794,7 @@
 </p:sld>
 </file>
 
-<file path=ppt/slides/slide15.xml><?xml version="1.0" encoding="utf-8"?>
+<file path=ppt/slides/slide16.xml><?xml version="1.0" encoding="utf-8"?>
 <p:sld xmlns:a="http://schemas.openxmlformats.org/drawingml/2006/main" xmlns:r="http://schemas.openxmlformats.org/officeDocument/2006/relationships" xmlns:p="http://schemas.openxmlformats.org/presentationml/2006/main">
   <p:cSld>
     <p:spTree>
@@ -7560,11 +7943,7 @@
             </a:pPr>
             <a:r>
               <a:rPr lang="zh-CN" altLang="en-US" sz="1600" smtClean="0"/>
-              <a:t>脚本模块化有有图标，说明等详细信息</a:t>
-            </a:r>
-            <a:r>
-              <a:rPr lang="zh-CN" altLang="en-US" sz="1600" smtClean="0"/>
-              <a:t>。</a:t>
+              <a:t>脚本模块化有有图标，说明等详细信息。</a:t>
             </a:r>
             <a:endParaRPr lang="en-US" altLang="zh-CN" sz="1600" smtClean="0"/>
           </a:p>
@@ -7583,7 +7962,7 @@
 </p:sld>
 </file>
 
-<file path=ppt/slides/slide16.xml><?xml version="1.0" encoding="utf-8"?>
+<file path=ppt/slides/slide17.xml><?xml version="1.0" encoding="utf-8"?>
 <p:sld xmlns:a="http://schemas.openxmlformats.org/drawingml/2006/main" xmlns:r="http://schemas.openxmlformats.org/officeDocument/2006/relationships" xmlns:p="http://schemas.openxmlformats.org/presentationml/2006/main">
   <p:cSld>
     <p:spTree>
@@ -7662,8 +8041,16 @@
               <a:t>GameMaker</a:t>
             </a:r>
             <a:r>
-              <a:rPr lang="zh-CN" altLang="en-US" smtClean="0"/>
-              <a:t>文本定义方式</a:t>
+              <a:rPr lang="zh-CN" altLang="en-US"/>
+              <a:t>事件</a:t>
+            </a:r>
+            <a:r>
+              <a:rPr lang="zh-CN" altLang="en-US" smtClean="0"/>
+              <a:t>定义</a:t>
+            </a:r>
+            <a:r>
+              <a:rPr lang="zh-CN" altLang="en-US" smtClean="0"/>
+              <a:t>方式</a:t>
             </a:r>
             <a:endParaRPr lang="zh-CN" altLang="en-US"/>
           </a:p>
@@ -7746,7 +8133,7 @@
 </p:sld>
 </file>
 
-<file path=ppt/slides/slide17.xml><?xml version="1.0" encoding="utf-8"?>
+<file path=ppt/slides/slide18.xml><?xml version="1.0" encoding="utf-8"?>
 <p:sld xmlns:a="http://schemas.openxmlformats.org/drawingml/2006/main" xmlns:r="http://schemas.openxmlformats.org/officeDocument/2006/relationships" xmlns:p="http://schemas.openxmlformats.org/presentationml/2006/main">
   <p:cSld>
     <p:spTree>
@@ -7779,11 +8166,11 @@
           <a:lstStyle/>
           <a:p>
             <a:r>
-              <a:rPr lang="zh-CN" altLang="en-US"/>
+              <a:rPr lang="zh-CN" altLang="en-US" smtClean="0"/>
               <a:t>逻辑控制 </a:t>
             </a:r>
             <a:r>
-              <a:rPr lang="en-US" altLang="zh-CN"/>
+              <a:rPr lang="en-US" altLang="zh-CN" smtClean="0"/>
               <a:t>– </a:t>
             </a:r>
             <a:r>
@@ -7792,7 +8179,7 @@
             </a:r>
             <a:r>
               <a:rPr lang="en-US" altLang="zh-CN" smtClean="0"/>
-              <a:t>2</a:t>
+              <a:t>1</a:t>
             </a:r>
             <a:endParaRPr lang="zh-CN" altLang="en-US"/>
           </a:p>
@@ -7822,11 +8209,15 @@
           <a:p>
             <a:r>
               <a:rPr lang="en-US" altLang="zh-CN" smtClean="0"/>
-              <a:t>Unity</a:t>
-            </a:r>
-            <a:r>
-              <a:rPr lang="zh-CN" altLang="en-US" smtClean="0"/>
-              <a:t>的状态机可视化方式。</a:t>
+              <a:t>GameMei</a:t>
+            </a:r>
+            <a:r>
+              <a:rPr lang="zh-CN" altLang="en-US" smtClean="0"/>
+              <a:t>事件定义</a:t>
+            </a:r>
+            <a:r>
+              <a:rPr lang="zh-CN" altLang="en-US" smtClean="0"/>
+              <a:t>方式</a:t>
             </a:r>
             <a:endParaRPr lang="zh-CN" altLang="en-US"/>
           </a:p>
@@ -7834,13 +8225,13 @@
       </p:sp>
       <p:pic>
         <p:nvPicPr>
-          <p:cNvPr id="5122" name="Picture 2"/>
+          <p:cNvPr id="1026" name="Picture 2"/>
           <p:cNvPicPr>
             <a:picLocks noChangeAspect="1" noChangeArrowheads="1"/>
           </p:cNvPicPr>
           <p:nvPr/>
         </p:nvPicPr>
-        <p:blipFill>
+        <p:blipFill rotWithShape="1">
           <a:blip r:embed="rId2">
             <a:extLst>
               <a:ext uri="{28A0092B-C50C-407E-A947-70E740481C1C}">
@@ -7848,15 +8239,13 @@
               </a:ext>
             </a:extLst>
           </a:blip>
-          <a:srcRect/>
-          <a:stretch>
-            <a:fillRect/>
-          </a:stretch>
+          <a:srcRect l="13043" t="22869" r="17526" b="14204"/>
+          <a:stretch/>
         </p:blipFill>
         <p:spPr bwMode="auto">
           <a:xfrm>
-            <a:off x="725430" y="2060848"/>
-            <a:ext cx="8250568" cy="4631215"/>
+            <a:off x="1600199" y="1988840"/>
+            <a:ext cx="7085781" cy="4712434"/>
           </a:xfrm>
           <a:prstGeom prst="rect">
             <a:avLst/>
@@ -7899,243 +8288,7 @@
     </p:spTree>
     <p:extLst>
       <p:ext uri="{BB962C8B-B14F-4D97-AF65-F5344CB8AC3E}">
-        <p14:creationId xmlns:p14="http://schemas.microsoft.com/office/powerpoint/2010/main" val="3888977008"/>
-      </p:ext>
-    </p:extLst>
-  </p:cSld>
-  <p:clrMapOvr>
-    <a:masterClrMapping/>
-  </p:clrMapOvr>
-</p:sld>
-</file>
-
-<file path=ppt/slides/slide18.xml><?xml version="1.0" encoding="utf-8"?>
-<p:sld xmlns:a="http://schemas.openxmlformats.org/drawingml/2006/main" xmlns:r="http://schemas.openxmlformats.org/officeDocument/2006/relationships" xmlns:p="http://schemas.openxmlformats.org/presentationml/2006/main">
-  <p:cSld>
-    <p:spTree>
-      <p:nvGrpSpPr>
-        <p:cNvPr id="1" name=""/>
-        <p:cNvGrpSpPr/>
-        <p:nvPr/>
-      </p:nvGrpSpPr>
-      <p:grpSpPr>
-        <a:xfrm>
-          <a:off x="0" y="0"/>
-          <a:ext cx="0" cy="0"/>
-          <a:chOff x="0" y="0"/>
-          <a:chExt cx="0" cy="0"/>
-        </a:xfrm>
-      </p:grpSpPr>
-      <p:sp>
-        <p:nvSpPr>
-          <p:cNvPr id="2" name="标题 1"/>
-          <p:cNvSpPr>
-            <a:spLocks noGrp="1"/>
-          </p:cNvSpPr>
-          <p:nvPr>
-            <p:ph type="title"/>
-          </p:nvPr>
-        </p:nvSpPr>
-        <p:spPr/>
-        <p:txBody>
-          <a:bodyPr/>
-          <a:lstStyle/>
-          <a:p>
-            <a:r>
-              <a:rPr lang="zh-CN" altLang="en-US" smtClean="0"/>
-              <a:t>逻辑控制</a:t>
-            </a:r>
-            <a:r>
-              <a:rPr lang="en-US" altLang="zh-CN" smtClean="0"/>
-              <a:t>-</a:t>
-            </a:r>
-            <a:r>
-              <a:rPr lang="zh-CN" altLang="en-US" smtClean="0"/>
-              <a:t>比较</a:t>
-            </a:r>
-            <a:endParaRPr lang="zh-CN" altLang="en-US"/>
-          </a:p>
-        </p:txBody>
-      </p:sp>
-      <p:sp>
-        <p:nvSpPr>
-          <p:cNvPr id="3" name="内容占位符 2"/>
-          <p:cNvSpPr>
-            <a:spLocks noGrp="1"/>
-          </p:cNvSpPr>
-          <p:nvPr>
-            <p:ph sz="quarter" idx="1"/>
-          </p:nvPr>
-        </p:nvSpPr>
-        <p:spPr>
-          <a:xfrm>
-            <a:off x="457200" y="1481328"/>
-            <a:ext cx="8229600" cy="5116024"/>
-          </a:xfrm>
-        </p:spPr>
-        <p:txBody>
-          <a:bodyPr>
-            <a:normAutofit fontScale="92500" lnSpcReduction="10000"/>
-          </a:bodyPr>
-          <a:lstStyle/>
-          <a:p>
-            <a:r>
-              <a:rPr lang="zh-CN" altLang="en-US" smtClean="0"/>
-              <a:t>两者方案底层基本类似。</a:t>
-            </a:r>
-            <a:endParaRPr lang="en-US" altLang="zh-CN" smtClean="0"/>
-          </a:p>
-          <a:p>
-            <a:pPr lvl="1"/>
-            <a:r>
-              <a:rPr lang="zh-CN" altLang="en-US" smtClean="0"/>
-              <a:t>都需要实现事件流处理方式。</a:t>
-            </a:r>
-            <a:endParaRPr lang="en-US" altLang="zh-CN"/>
-          </a:p>
-          <a:p>
-            <a:pPr lvl="1"/>
-            <a:r>
-              <a:rPr lang="zh-CN" altLang="en-US" smtClean="0"/>
-              <a:t>每个既定行为模块</a:t>
-            </a:r>
-            <a:r>
-              <a:rPr lang="zh-CN" altLang="en-US"/>
-              <a:t>的封装</a:t>
-            </a:r>
-            <a:r>
-              <a:rPr lang="zh-CN" altLang="en-US" smtClean="0"/>
-              <a:t>。</a:t>
-            </a:r>
-            <a:endParaRPr lang="en-US" altLang="zh-CN" smtClean="0"/>
-          </a:p>
-          <a:p>
-            <a:r>
-              <a:rPr lang="zh-CN" altLang="en-US" smtClean="0"/>
-              <a:t>方案</a:t>
-            </a:r>
-            <a:r>
-              <a:rPr lang="en-US" altLang="zh-CN" smtClean="0"/>
-              <a:t>1</a:t>
-            </a:r>
-            <a:r>
-              <a:rPr lang="zh-CN" altLang="en-US" smtClean="0"/>
-              <a:t>：</a:t>
-            </a:r>
-            <a:endParaRPr lang="en-US" altLang="zh-CN" smtClean="0"/>
-          </a:p>
-          <a:p>
-            <a:pPr lvl="1"/>
-            <a:r>
-              <a:rPr lang="zh-CN" altLang="en-US"/>
-              <a:t>表现比较</a:t>
-            </a:r>
-            <a:r>
-              <a:rPr lang="zh-CN" altLang="en-US" smtClean="0"/>
-              <a:t>直接，在各个模板上直接增加触发和行为。</a:t>
-            </a:r>
-            <a:endParaRPr lang="en-US" altLang="zh-CN" smtClean="0"/>
-          </a:p>
-          <a:p>
-            <a:pPr lvl="1"/>
-            <a:r>
-              <a:rPr lang="zh-CN" altLang="en-US"/>
-              <a:t>理解简单，入手容易。</a:t>
-            </a:r>
-            <a:endParaRPr lang="en-US" altLang="zh-CN"/>
-          </a:p>
-          <a:p>
-            <a:pPr lvl="1"/>
-            <a:r>
-              <a:rPr lang="zh-CN" altLang="en-US" smtClean="0"/>
-              <a:t>容易实现简单逻辑，复杂逻辑实现较难。</a:t>
-            </a:r>
-            <a:endParaRPr lang="en-US" altLang="zh-CN" smtClean="0"/>
-          </a:p>
-          <a:p>
-            <a:pPr lvl="1"/>
-            <a:r>
-              <a:rPr lang="zh-CN" altLang="en-US" smtClean="0"/>
-              <a:t>开发相对容易。</a:t>
-            </a:r>
-            <a:endParaRPr lang="en-US" altLang="zh-CN" smtClean="0"/>
-          </a:p>
-          <a:p>
-            <a:r>
-              <a:rPr lang="zh-CN" altLang="en-US" smtClean="0"/>
-              <a:t>方案</a:t>
-            </a:r>
-            <a:r>
-              <a:rPr lang="en-US" altLang="zh-CN" smtClean="0"/>
-              <a:t>2</a:t>
-            </a:r>
-            <a:r>
-              <a:rPr lang="zh-CN" altLang="en-US" smtClean="0"/>
-              <a:t>：</a:t>
-            </a:r>
-            <a:endParaRPr lang="en-US" altLang="zh-CN" smtClean="0"/>
-          </a:p>
-          <a:p>
-            <a:pPr lvl="1"/>
-            <a:r>
-              <a:rPr lang="zh-CN" altLang="en-US" smtClean="0"/>
-              <a:t>表现方式图形化，通过线方向表示流向。</a:t>
-            </a:r>
-            <a:endParaRPr lang="en-US" altLang="zh-CN" smtClean="0"/>
-          </a:p>
-          <a:p>
-            <a:pPr lvl="1"/>
-            <a:r>
-              <a:rPr lang="zh-CN" altLang="en-US" smtClean="0"/>
-              <a:t>理解复杂，入手难度相对方案一要高。</a:t>
-            </a:r>
-            <a:endParaRPr lang="en-US" altLang="zh-CN" smtClean="0"/>
-          </a:p>
-          <a:p>
-            <a:pPr lvl="1"/>
-            <a:r>
-              <a:rPr lang="zh-CN" altLang="en-US" smtClean="0"/>
-              <a:t>能够实现复杂逻辑，理解起来比方案一容易。</a:t>
-            </a:r>
-            <a:endParaRPr lang="en-US" altLang="zh-CN" smtClean="0"/>
-          </a:p>
-          <a:p>
-            <a:pPr lvl="1"/>
-            <a:r>
-              <a:rPr lang="zh-CN" altLang="en-US"/>
-              <a:t>开发</a:t>
-            </a:r>
-            <a:r>
-              <a:rPr lang="zh-CN" altLang="en-US" smtClean="0"/>
-              <a:t>相对</a:t>
-            </a:r>
-            <a:r>
-              <a:rPr lang="zh-CN" altLang="en-US"/>
-              <a:t>方案一</a:t>
-            </a:r>
-            <a:r>
-              <a:rPr lang="zh-CN" altLang="en-US" smtClean="0"/>
-              <a:t>困难。</a:t>
-            </a:r>
-            <a:endParaRPr lang="en-US" altLang="zh-CN" smtClean="0"/>
-          </a:p>
-          <a:p>
-            <a:r>
-              <a:rPr lang="zh-CN" altLang="en-US"/>
-              <a:t>这个</a:t>
-            </a:r>
-            <a:r>
-              <a:rPr lang="zh-CN" altLang="en-US" smtClean="0"/>
-              <a:t>可以根据客户调查，确认方案。</a:t>
-            </a:r>
-            <a:endParaRPr lang="en-US" altLang="zh-CN" smtClean="0"/>
-          </a:p>
-        </p:txBody>
-      </p:sp>
-    </p:spTree>
-    <p:extLst>
-      <p:ext uri="{BB962C8B-B14F-4D97-AF65-F5344CB8AC3E}">
-        <p14:creationId xmlns:p14="http://schemas.microsoft.com/office/powerpoint/2010/main" val="1076989571"/>
+        <p14:creationId xmlns:p14="http://schemas.microsoft.com/office/powerpoint/2010/main" val="1444349888"/>
       </p:ext>
     </p:extLst>
   </p:cSld>
@@ -8178,8 +8331,20 @@
           <a:lstStyle/>
           <a:p>
             <a:r>
-              <a:rPr lang="zh-CN" altLang="en-US" smtClean="0"/>
-              <a:t>总计</a:t>
+              <a:rPr lang="zh-CN" altLang="en-US"/>
+              <a:t>逻辑控制 </a:t>
+            </a:r>
+            <a:r>
+              <a:rPr lang="en-US" altLang="zh-CN"/>
+              <a:t>– </a:t>
+            </a:r>
+            <a:r>
+              <a:rPr lang="zh-CN" altLang="en-US" smtClean="0"/>
+              <a:t>参考</a:t>
+            </a:r>
+            <a:r>
+              <a:rPr lang="en-US" altLang="zh-CN" smtClean="0"/>
+              <a:t>2</a:t>
             </a:r>
             <a:endParaRPr lang="zh-CN" altLang="en-US"/>
           </a:p>
@@ -8187,7 +8352,7 @@
       </p:sp>
       <p:sp>
         <p:nvSpPr>
-          <p:cNvPr id="3" name="内容占位符 2"/>
+          <p:cNvPr id="4" name="内容占位符 3"/>
           <p:cNvSpPr>
             <a:spLocks noGrp="1"/>
           </p:cNvSpPr>
@@ -8198,376 +8363,37 @@
         <p:spPr>
           <a:xfrm>
             <a:off x="457200" y="1600200"/>
-            <a:ext cx="7859216" cy="4997152"/>
+            <a:ext cx="8003232" cy="388640"/>
           </a:xfrm>
         </p:spPr>
         <p:txBody>
           <a:bodyPr>
-            <a:normAutofit/>
+            <a:normAutofit fontScale="92500" lnSpcReduction="20000"/>
           </a:bodyPr>
           <a:lstStyle/>
           <a:p>
             <a:r>
-              <a:rPr lang="zh-CN" altLang="en-US"/>
-              <a:t>系统</a:t>
-            </a:r>
-            <a:r>
-              <a:rPr lang="zh-CN" altLang="en-US" smtClean="0"/>
-              <a:t>一直在做底层，界面缺少客户使用方面的关怀。</a:t>
-            </a:r>
-            <a:endParaRPr lang="en-US" altLang="zh-CN" smtClean="0"/>
-          </a:p>
-          <a:p>
-            <a:pPr lvl="1"/>
-            <a:r>
-              <a:rPr lang="zh-CN" altLang="en-US"/>
-              <a:t>界面</a:t>
-            </a:r>
-            <a:r>
-              <a:rPr lang="zh-CN" altLang="en-US" smtClean="0"/>
-              <a:t>设计更偏向教育化，简单来说就是如何</a:t>
-            </a:r>
-            <a:r>
-              <a:rPr lang="zh-CN" altLang="en-US"/>
-              <a:t>操作</a:t>
-            </a:r>
-            <a:r>
-              <a:rPr lang="zh-CN" altLang="en-US" smtClean="0"/>
-              <a:t>简化是方向。</a:t>
-            </a:r>
-            <a:endParaRPr lang="en-US" altLang="zh-CN" smtClean="0"/>
-          </a:p>
-          <a:p>
-            <a:pPr lvl="1"/>
-            <a:r>
-              <a:rPr lang="zh-CN" altLang="en-US"/>
-              <a:t>隐藏</a:t>
-            </a:r>
-            <a:r>
-              <a:rPr lang="zh-CN" altLang="en-US" smtClean="0"/>
-              <a:t>一些复杂操作。</a:t>
-            </a:r>
-            <a:r>
               <a:rPr lang="en-US" altLang="zh-CN" smtClean="0"/>
-              <a:t/>
-            </a:r>
-            <a:br>
-              <a:rPr lang="en-US" altLang="zh-CN" smtClean="0"/>
-            </a:br>
-            <a:r>
-              <a:rPr lang="zh-CN" altLang="en-US" smtClean="0"/>
-              <a:t>（比如材质</a:t>
-            </a:r>
-            <a:r>
-              <a:rPr lang="en-US" altLang="zh-CN" smtClean="0"/>
-              <a:t>/</a:t>
-            </a:r>
-            <a:r>
-              <a:rPr lang="zh-CN" altLang="en-US" smtClean="0"/>
-              <a:t>效果器等等，完全可以很简单达到相同目的）</a:t>
-            </a:r>
-            <a:endParaRPr lang="en-US" altLang="zh-CN" smtClean="0"/>
-          </a:p>
-          <a:p>
-            <a:r>
-              <a:rPr lang="zh-CN" altLang="en-US" smtClean="0"/>
-              <a:t>在网络资源方面有很多优势（资源</a:t>
-            </a:r>
-            <a:r>
-              <a:rPr lang="en-US" altLang="zh-CN" smtClean="0"/>
-              <a:t>/</a:t>
-            </a:r>
-            <a:r>
-              <a:rPr lang="zh-CN" altLang="en-US" smtClean="0"/>
-              <a:t>论坛），怎么能让编辑器结合这些功能是一个关键。</a:t>
-            </a:r>
-            <a:endParaRPr lang="en-US" altLang="zh-CN" smtClean="0"/>
-          </a:p>
-          <a:p>
-            <a:r>
-              <a:rPr lang="zh-CN" altLang="en-US" smtClean="0"/>
-              <a:t>成品怎样能够网络发布，能共享化。</a:t>
-            </a:r>
-            <a:endParaRPr lang="en-US" altLang="zh-CN" smtClean="0"/>
-          </a:p>
-          <a:p>
-            <a:endParaRPr lang="en-US" altLang="zh-CN"/>
-          </a:p>
-          <a:p>
-            <a:r>
-              <a:rPr lang="zh-CN" altLang="en-US" smtClean="0"/>
-              <a:t>美图秀秀口号是：</a:t>
-            </a:r>
-            <a:r>
-              <a:rPr lang="zh-CN" altLang="en-US" u="sng" smtClean="0">
-                <a:hlinkClick r:id="rId2"/>
-              </a:rPr>
-              <a:t>很好</a:t>
-            </a:r>
-            <a:r>
-              <a:rPr lang="zh-CN" altLang="en-US" u="sng">
-                <a:hlinkClick r:id="rId2"/>
-              </a:rPr>
-              <a:t>用又好玩的图片处理</a:t>
-            </a:r>
-            <a:r>
-              <a:rPr lang="zh-CN" altLang="en-US" u="sng" smtClean="0">
-                <a:hlinkClick r:id="rId2"/>
-              </a:rPr>
-              <a:t>软件</a:t>
-            </a:r>
-            <a:endParaRPr lang="en-US" altLang="zh-CN" u="sng" smtClean="0"/>
-          </a:p>
-          <a:p>
-            <a:r>
-              <a:rPr lang="zh-CN" altLang="en-US" smtClean="0"/>
-              <a:t>如果</a:t>
-            </a:r>
-            <a:r>
-              <a:rPr lang="en-US" altLang="zh-CN" smtClean="0"/>
-              <a:t>G3D</a:t>
-            </a:r>
-            <a:r>
-              <a:rPr lang="zh-CN" altLang="en-US" smtClean="0"/>
-              <a:t>想成为创意工厂，最重要的两条路就是</a:t>
-            </a:r>
-            <a:r>
-              <a:rPr lang="zh-CN" altLang="en-US" b="1" smtClean="0">
-                <a:solidFill>
-                  <a:srgbClr val="FF0000"/>
-                </a:solidFill>
-              </a:rPr>
-              <a:t>操作简化</a:t>
-            </a:r>
-            <a:r>
-              <a:rPr lang="zh-CN" altLang="en-US" smtClean="0"/>
-              <a:t>和</a:t>
-            </a:r>
-            <a:r>
-              <a:rPr lang="zh-CN" altLang="en-US" b="1" smtClean="0">
-                <a:solidFill>
-                  <a:srgbClr val="FF0000"/>
-                </a:solidFill>
-              </a:rPr>
-              <a:t>网络化</a:t>
-            </a:r>
-            <a:r>
-              <a:rPr lang="zh-CN" altLang="en-US" smtClean="0"/>
-              <a:t>。现在市面上还没有这样的工具，如果能做好这</a:t>
-            </a:r>
-            <a:r>
-              <a:rPr lang="zh-CN" altLang="en-US"/>
-              <a:t>两点</a:t>
-            </a:r>
-            <a:r>
-              <a:rPr lang="zh-CN" altLang="en-US" smtClean="0"/>
-              <a:t>会非常好的前景。</a:t>
-            </a:r>
-            <a:endParaRPr lang="en-US" altLang="zh-CN" smtClean="0"/>
-          </a:p>
-          <a:p>
-            <a:endParaRPr lang="en-US" altLang="zh-CN" smtClean="0"/>
-          </a:p>
-        </p:txBody>
-      </p:sp>
-    </p:spTree>
-    <p:extLst>
-      <p:ext uri="{BB962C8B-B14F-4D97-AF65-F5344CB8AC3E}">
-        <p14:creationId xmlns:p14="http://schemas.microsoft.com/office/powerpoint/2010/main" val="3602835779"/>
-      </p:ext>
-    </p:extLst>
-  </p:cSld>
-  <p:clrMapOvr>
-    <a:masterClrMapping/>
-  </p:clrMapOvr>
-</p:sld>
-</file>
-
-<file path=ppt/slides/slide2.xml><?xml version="1.0" encoding="utf-8"?>
-<p:sld xmlns:a="http://schemas.openxmlformats.org/drawingml/2006/main" xmlns:r="http://schemas.openxmlformats.org/officeDocument/2006/relationships" xmlns:p="http://schemas.openxmlformats.org/presentationml/2006/main">
-  <p:cSld>
-    <p:spTree>
-      <p:nvGrpSpPr>
-        <p:cNvPr id="1" name=""/>
-        <p:cNvGrpSpPr/>
-        <p:nvPr/>
-      </p:nvGrpSpPr>
-      <p:grpSpPr>
-        <a:xfrm>
-          <a:off x="0" y="0"/>
-          <a:ext cx="0" cy="0"/>
-          <a:chOff x="0" y="0"/>
-          <a:chExt cx="0" cy="0"/>
-        </a:xfrm>
-      </p:grpSpPr>
-      <p:sp>
-        <p:nvSpPr>
-          <p:cNvPr id="2" name="标题 1"/>
-          <p:cNvSpPr>
-            <a:spLocks noGrp="1"/>
-          </p:cNvSpPr>
-          <p:nvPr>
-            <p:ph type="title"/>
-          </p:nvPr>
-        </p:nvSpPr>
-        <p:spPr/>
-        <p:txBody>
-          <a:bodyPr/>
-          <a:lstStyle/>
-          <a:p>
-            <a:r>
-              <a:rPr lang="zh-CN" altLang="en-US" smtClean="0"/>
-              <a:t>简化的定义</a:t>
+              <a:t>Unity</a:t>
+            </a:r>
+            <a:r>
+              <a:rPr lang="zh-CN" altLang="en-US" smtClean="0"/>
+              <a:t>的状态机可视化方式。</a:t>
             </a:r>
             <a:endParaRPr lang="zh-CN" altLang="en-US"/>
-          </a:p>
-        </p:txBody>
-      </p:sp>
-      <p:sp>
-        <p:nvSpPr>
-          <p:cNvPr id="3" name="内容占位符 2"/>
-          <p:cNvSpPr>
-            <a:spLocks noGrp="1"/>
-          </p:cNvSpPr>
-          <p:nvPr>
-            <p:ph sz="quarter" idx="1"/>
-          </p:nvPr>
-        </p:nvSpPr>
-        <p:spPr>
-          <a:xfrm>
-            <a:off x="457200" y="1600200"/>
-            <a:ext cx="7859216" cy="4997152"/>
-          </a:xfrm>
-        </p:spPr>
-        <p:txBody>
-          <a:bodyPr>
-            <a:normAutofit lnSpcReduction="10000"/>
-          </a:bodyPr>
-          <a:lstStyle/>
-          <a:p>
-            <a:r>
-              <a:rPr lang="zh-CN" altLang="en-US" smtClean="0"/>
-              <a:t>意义：略去</a:t>
-            </a:r>
-            <a:r>
-              <a:rPr lang="zh-CN" altLang="en-US"/>
-              <a:t>具体细节而抓住主干，形神兼备地传达出形象或意念的大致轮廓与内在精髓的构思方式</a:t>
-            </a:r>
-            <a:r>
-              <a:rPr lang="zh-CN" altLang="en-US" smtClean="0"/>
-              <a:t>。</a:t>
-            </a:r>
-            <a:endParaRPr lang="en-US" altLang="zh-CN" smtClean="0"/>
-          </a:p>
-          <a:p>
-            <a:endParaRPr lang="en-US" altLang="zh-CN" smtClean="0"/>
-          </a:p>
-          <a:p>
-            <a:endParaRPr lang="en-US" altLang="zh-CN"/>
-          </a:p>
-          <a:p>
-            <a:endParaRPr lang="en-US" altLang="zh-CN" smtClean="0"/>
-          </a:p>
-          <a:p>
-            <a:endParaRPr lang="en-US" altLang="zh-CN"/>
-          </a:p>
-          <a:p>
-            <a:endParaRPr lang="en-US" altLang="zh-CN" smtClean="0"/>
-          </a:p>
-          <a:p>
-            <a:endParaRPr lang="en-US" altLang="zh-CN" smtClean="0"/>
-          </a:p>
-          <a:p>
-            <a:r>
-              <a:rPr lang="zh-CN" altLang="en-US" smtClean="0"/>
-              <a:t>基础：</a:t>
-            </a:r>
-            <a:endParaRPr lang="en-US" altLang="zh-CN" smtClean="0"/>
-          </a:p>
-          <a:p>
-            <a:pPr lvl="1"/>
-            <a:r>
-              <a:rPr lang="zh-CN" altLang="en-US" smtClean="0"/>
-              <a:t>基本功能</a:t>
-            </a:r>
-            <a:r>
-              <a:rPr lang="zh-CN" altLang="en-US"/>
-              <a:t>：</a:t>
-            </a:r>
-            <a:r>
-              <a:rPr lang="zh-CN" altLang="en-US" smtClean="0"/>
-              <a:t>用来</a:t>
-            </a:r>
-            <a:r>
-              <a:rPr lang="zh-CN" altLang="en-US"/>
-              <a:t>满足人们对该物品的共同需要的功能</a:t>
-            </a:r>
-            <a:r>
-              <a:rPr lang="zh-CN" altLang="en-US" smtClean="0"/>
-              <a:t>。</a:t>
-            </a:r>
-            <a:endParaRPr lang="zh-CN" altLang="en-US"/>
-          </a:p>
-          <a:p>
-            <a:pPr lvl="1"/>
-            <a:r>
-              <a:rPr lang="zh-CN" altLang="en-US" smtClean="0"/>
-              <a:t>条件功能</a:t>
-            </a:r>
-            <a:r>
-              <a:rPr lang="zh-CN" altLang="en-US"/>
-              <a:t>：</a:t>
-            </a:r>
-            <a:r>
-              <a:rPr lang="zh-CN" altLang="en-US" smtClean="0"/>
-              <a:t>即使</a:t>
-            </a:r>
-            <a:r>
-              <a:rPr lang="zh-CN" altLang="en-US"/>
-              <a:t>基本功能得以充分发挥的功能</a:t>
-            </a:r>
-            <a:r>
-              <a:rPr lang="zh-CN" altLang="en-US" smtClean="0"/>
-              <a:t>。</a:t>
-            </a:r>
-            <a:endParaRPr lang="zh-CN" altLang="en-US"/>
-          </a:p>
-          <a:p>
-            <a:pPr lvl="1"/>
-            <a:r>
-              <a:rPr lang="zh-CN" altLang="en-US" smtClean="0"/>
-              <a:t>附加功能</a:t>
-            </a:r>
-            <a:r>
-              <a:rPr lang="zh-CN" altLang="en-US"/>
-              <a:t>：</a:t>
-            </a:r>
-            <a:r>
-              <a:rPr lang="zh-CN" altLang="en-US" smtClean="0"/>
-              <a:t>用来</a:t>
-            </a:r>
-            <a:r>
-              <a:rPr lang="zh-CN" altLang="en-US"/>
-              <a:t>满足不同的人们对物品的特殊需要</a:t>
-            </a:r>
-            <a:r>
-              <a:rPr lang="zh-CN" altLang="en-US" smtClean="0"/>
-              <a:t>的功能。</a:t>
-            </a:r>
-            <a:endParaRPr lang="en-US" altLang="zh-CN" smtClean="0"/>
           </a:p>
         </p:txBody>
       </p:sp>
       <p:pic>
         <p:nvPicPr>
-          <p:cNvPr id="1026" name="Picture 2"/>
+          <p:cNvPr id="5122" name="Picture 2"/>
           <p:cNvPicPr>
             <a:picLocks noChangeAspect="1" noChangeArrowheads="1"/>
           </p:cNvPicPr>
           <p:nvPr/>
         </p:nvPicPr>
         <p:blipFill>
-          <a:blip r:embed="rId2" cstate="print">
+          <a:blip r:embed="rId2">
             <a:extLst>
               <a:ext uri="{28A0092B-C50C-407E-A947-70E740481C1C}">
                 <a14:useLocalDpi xmlns:a14="http://schemas.microsoft.com/office/drawing/2010/main" val="0"/>
@@ -8581,8 +8407,8 @@
         </p:blipFill>
         <p:spPr bwMode="auto">
           <a:xfrm>
-            <a:off x="1691680" y="2420888"/>
-            <a:ext cx="3702954" cy="2592068"/>
+            <a:off x="725430" y="2060848"/>
+            <a:ext cx="8095042" cy="4543915"/>
           </a:xfrm>
           <a:prstGeom prst="rect">
             <a:avLst/>
@@ -8622,16 +8448,862 @@
           </a:extLst>
         </p:spPr>
       </p:pic>
+    </p:spTree>
+    <p:extLst>
+      <p:ext uri="{BB962C8B-B14F-4D97-AF65-F5344CB8AC3E}">
+        <p14:creationId xmlns:p14="http://schemas.microsoft.com/office/powerpoint/2010/main" val="3888977008"/>
+      </p:ext>
+    </p:extLst>
+  </p:cSld>
+  <p:clrMapOvr>
+    <a:masterClrMapping/>
+  </p:clrMapOvr>
+</p:sld>
+</file>
+
+<file path=ppt/slides/slide2.xml><?xml version="1.0" encoding="utf-8"?>
+<p:sld xmlns:a="http://schemas.openxmlformats.org/drawingml/2006/main" xmlns:r="http://schemas.openxmlformats.org/officeDocument/2006/relationships" xmlns:p="http://schemas.openxmlformats.org/presentationml/2006/main">
+  <p:cSld>
+    <p:spTree>
+      <p:nvGrpSpPr>
+        <p:cNvPr id="1" name=""/>
+        <p:cNvGrpSpPr/>
+        <p:nvPr/>
+      </p:nvGrpSpPr>
+      <p:grpSpPr>
+        <a:xfrm>
+          <a:off x="0" y="0"/>
+          <a:ext cx="0" cy="0"/>
+          <a:chOff x="0" y="0"/>
+          <a:chExt cx="0" cy="0"/>
+        </a:xfrm>
+      </p:grpSpPr>
+      <p:sp>
+        <p:nvSpPr>
+          <p:cNvPr id="2" name="标题 1"/>
+          <p:cNvSpPr>
+            <a:spLocks noGrp="1"/>
+          </p:cNvSpPr>
+          <p:nvPr>
+            <p:ph type="title"/>
+          </p:nvPr>
+        </p:nvSpPr>
+        <p:spPr/>
+        <p:txBody>
+          <a:bodyPr/>
+          <a:lstStyle/>
+          <a:p>
+            <a:r>
+              <a:rPr lang="zh-CN" altLang="en-US" smtClean="0"/>
+              <a:t>总结</a:t>
+            </a:r>
+            <a:endParaRPr lang="zh-CN" altLang="en-US"/>
+          </a:p>
+        </p:txBody>
+      </p:sp>
+      <p:sp>
+        <p:nvSpPr>
+          <p:cNvPr id="3" name="内容占位符 2"/>
+          <p:cNvSpPr>
+            <a:spLocks noGrp="1"/>
+          </p:cNvSpPr>
+          <p:nvPr>
+            <p:ph sz="quarter" idx="1"/>
+          </p:nvPr>
+        </p:nvSpPr>
+        <p:spPr>
+          <a:xfrm>
+            <a:off x="457200" y="1600200"/>
+            <a:ext cx="7859216" cy="4997152"/>
+          </a:xfrm>
+        </p:spPr>
+        <p:txBody>
+          <a:bodyPr>
+            <a:normAutofit/>
+          </a:bodyPr>
+          <a:lstStyle/>
+          <a:p>
+            <a:r>
+              <a:rPr lang="zh-CN" altLang="en-US" smtClean="0"/>
+              <a:t>后边细节比较多，先把大的结论</a:t>
+            </a:r>
+            <a:r>
+              <a:rPr lang="zh-CN" altLang="en-US" smtClean="0"/>
+              <a:t>。</a:t>
+            </a:r>
+            <a:endParaRPr lang="en-US" altLang="zh-CN" smtClean="0"/>
+          </a:p>
+          <a:p>
+            <a:endParaRPr lang="en-US" altLang="zh-CN" smtClean="0"/>
+          </a:p>
+          <a:p>
+            <a:endParaRPr lang="en-US" altLang="zh-CN"/>
+          </a:p>
+          <a:p>
+            <a:endParaRPr lang="en-US" altLang="zh-CN" smtClean="0"/>
+          </a:p>
+          <a:p>
+            <a:endParaRPr lang="en-US" altLang="zh-CN"/>
+          </a:p>
+          <a:p>
+            <a:endParaRPr lang="en-US" altLang="zh-CN" smtClean="0"/>
+          </a:p>
+          <a:p>
+            <a:endParaRPr lang="en-US" altLang="zh-CN" smtClean="0"/>
+          </a:p>
+          <a:p>
+            <a:r>
+              <a:rPr lang="zh-CN" altLang="en-US" smtClean="0"/>
+              <a:t>基础：</a:t>
+            </a:r>
+            <a:endParaRPr lang="en-US" altLang="zh-CN" smtClean="0"/>
+          </a:p>
+          <a:p>
+            <a:pPr lvl="1"/>
+            <a:r>
+              <a:rPr lang="zh-CN" altLang="en-US" smtClean="0"/>
+              <a:t>基本功能</a:t>
+            </a:r>
+            <a:r>
+              <a:rPr lang="zh-CN" altLang="en-US"/>
+              <a:t>：</a:t>
+            </a:r>
+            <a:r>
+              <a:rPr lang="zh-CN" altLang="en-US" smtClean="0"/>
+              <a:t>用来</a:t>
+            </a:r>
+            <a:r>
+              <a:rPr lang="zh-CN" altLang="en-US"/>
+              <a:t>满足人们对该物品的共同需要的功能</a:t>
+            </a:r>
+            <a:r>
+              <a:rPr lang="zh-CN" altLang="en-US" smtClean="0"/>
+              <a:t>。</a:t>
+            </a:r>
+            <a:endParaRPr lang="zh-CN" altLang="en-US"/>
+          </a:p>
+          <a:p>
+            <a:pPr lvl="1"/>
+            <a:r>
+              <a:rPr lang="zh-CN" altLang="en-US" smtClean="0"/>
+              <a:t>条件功能</a:t>
+            </a:r>
+            <a:r>
+              <a:rPr lang="zh-CN" altLang="en-US"/>
+              <a:t>：</a:t>
+            </a:r>
+            <a:r>
+              <a:rPr lang="zh-CN" altLang="en-US" smtClean="0"/>
+              <a:t>即使</a:t>
+            </a:r>
+            <a:r>
+              <a:rPr lang="zh-CN" altLang="en-US"/>
+              <a:t>基本功能得以充分发挥的功能</a:t>
+            </a:r>
+            <a:r>
+              <a:rPr lang="zh-CN" altLang="en-US" smtClean="0"/>
+              <a:t>。</a:t>
+            </a:r>
+            <a:endParaRPr lang="zh-CN" altLang="en-US"/>
+          </a:p>
+          <a:p>
+            <a:pPr lvl="1"/>
+            <a:r>
+              <a:rPr lang="zh-CN" altLang="en-US" smtClean="0"/>
+              <a:t>附加功能</a:t>
+            </a:r>
+            <a:r>
+              <a:rPr lang="zh-CN" altLang="en-US"/>
+              <a:t>：</a:t>
+            </a:r>
+            <a:r>
+              <a:rPr lang="zh-CN" altLang="en-US" smtClean="0"/>
+              <a:t>用来</a:t>
+            </a:r>
+            <a:r>
+              <a:rPr lang="zh-CN" altLang="en-US"/>
+              <a:t>满足不同的人们对物品的特殊需要</a:t>
+            </a:r>
+            <a:r>
+              <a:rPr lang="zh-CN" altLang="en-US" smtClean="0"/>
+              <a:t>的功能。</a:t>
+            </a:r>
+            <a:endParaRPr lang="en-US" altLang="zh-CN" smtClean="0"/>
+          </a:p>
+        </p:txBody>
+      </p:sp>
+    </p:spTree>
+    <p:extLst>
+      <p:ext uri="{BB962C8B-B14F-4D97-AF65-F5344CB8AC3E}">
+        <p14:creationId xmlns:p14="http://schemas.microsoft.com/office/powerpoint/2010/main" val="3643390001"/>
+      </p:ext>
+    </p:extLst>
+  </p:cSld>
+  <p:clrMapOvr>
+    <a:masterClrMapping/>
+  </p:clrMapOvr>
+</p:sld>
+</file>
+
+<file path=ppt/slides/slide20.xml><?xml version="1.0" encoding="utf-8"?>
+<p:sld xmlns:a="http://schemas.openxmlformats.org/drawingml/2006/main" xmlns:r="http://schemas.openxmlformats.org/officeDocument/2006/relationships" xmlns:p="http://schemas.openxmlformats.org/presentationml/2006/main">
+  <p:cSld>
+    <p:spTree>
+      <p:nvGrpSpPr>
+        <p:cNvPr id="1" name=""/>
+        <p:cNvGrpSpPr/>
+        <p:nvPr/>
+      </p:nvGrpSpPr>
+      <p:grpSpPr>
+        <a:xfrm>
+          <a:off x="0" y="0"/>
+          <a:ext cx="0" cy="0"/>
+          <a:chOff x="0" y="0"/>
+          <a:chExt cx="0" cy="0"/>
+        </a:xfrm>
+      </p:grpSpPr>
+      <p:sp>
+        <p:nvSpPr>
+          <p:cNvPr id="2" name="标题 1"/>
+          <p:cNvSpPr>
+            <a:spLocks noGrp="1"/>
+          </p:cNvSpPr>
+          <p:nvPr>
+            <p:ph type="title"/>
+          </p:nvPr>
+        </p:nvSpPr>
+        <p:spPr/>
+        <p:txBody>
+          <a:bodyPr/>
+          <a:lstStyle/>
+          <a:p>
+            <a:r>
+              <a:rPr lang="zh-CN" altLang="en-US" smtClean="0"/>
+              <a:t>逻辑控制</a:t>
+            </a:r>
+            <a:r>
+              <a:rPr lang="en-US" altLang="zh-CN" smtClean="0"/>
+              <a:t>-</a:t>
+            </a:r>
+            <a:r>
+              <a:rPr lang="zh-CN" altLang="en-US" smtClean="0"/>
+              <a:t>比较</a:t>
+            </a:r>
+            <a:endParaRPr lang="zh-CN" altLang="en-US"/>
+          </a:p>
+        </p:txBody>
+      </p:sp>
+      <p:sp>
+        <p:nvSpPr>
+          <p:cNvPr id="3" name="内容占位符 2"/>
+          <p:cNvSpPr>
+            <a:spLocks noGrp="1"/>
+          </p:cNvSpPr>
+          <p:nvPr>
+            <p:ph sz="quarter" idx="1"/>
+          </p:nvPr>
+        </p:nvSpPr>
+        <p:spPr>
+          <a:xfrm>
+            <a:off x="457200" y="1481328"/>
+            <a:ext cx="8229600" cy="5116024"/>
+          </a:xfrm>
+        </p:spPr>
+        <p:txBody>
+          <a:bodyPr>
+            <a:normAutofit fontScale="92500" lnSpcReduction="10000"/>
+          </a:bodyPr>
+          <a:lstStyle/>
+          <a:p>
+            <a:r>
+              <a:rPr lang="zh-CN" altLang="en-US" smtClean="0"/>
+              <a:t>两者方案底层基本类似。</a:t>
+            </a:r>
+            <a:endParaRPr lang="en-US" altLang="zh-CN" smtClean="0"/>
+          </a:p>
+          <a:p>
+            <a:pPr lvl="1"/>
+            <a:r>
+              <a:rPr lang="zh-CN" altLang="en-US" smtClean="0"/>
+              <a:t>都需要实现事件流处理方式。</a:t>
+            </a:r>
+            <a:endParaRPr lang="en-US" altLang="zh-CN"/>
+          </a:p>
+          <a:p>
+            <a:pPr lvl="1"/>
+            <a:r>
+              <a:rPr lang="zh-CN" altLang="en-US" smtClean="0"/>
+              <a:t>每个既定行为模块</a:t>
+            </a:r>
+            <a:r>
+              <a:rPr lang="zh-CN" altLang="en-US"/>
+              <a:t>的封装</a:t>
+            </a:r>
+            <a:r>
+              <a:rPr lang="zh-CN" altLang="en-US" smtClean="0"/>
+              <a:t>。</a:t>
+            </a:r>
+            <a:endParaRPr lang="en-US" altLang="zh-CN" smtClean="0"/>
+          </a:p>
+          <a:p>
+            <a:r>
+              <a:rPr lang="zh-CN" altLang="en-US" smtClean="0"/>
+              <a:t>方案</a:t>
+            </a:r>
+            <a:r>
+              <a:rPr lang="en-US" altLang="zh-CN" smtClean="0"/>
+              <a:t>1</a:t>
+            </a:r>
+            <a:r>
+              <a:rPr lang="zh-CN" altLang="en-US" smtClean="0"/>
+              <a:t>：</a:t>
+            </a:r>
+            <a:endParaRPr lang="en-US" altLang="zh-CN" smtClean="0"/>
+          </a:p>
+          <a:p>
+            <a:pPr lvl="1"/>
+            <a:r>
+              <a:rPr lang="zh-CN" altLang="en-US"/>
+              <a:t>表现比较</a:t>
+            </a:r>
+            <a:r>
+              <a:rPr lang="zh-CN" altLang="en-US" smtClean="0"/>
+              <a:t>直接，在各个模板上直接增加触发和行为。</a:t>
+            </a:r>
+            <a:endParaRPr lang="en-US" altLang="zh-CN" smtClean="0"/>
+          </a:p>
+          <a:p>
+            <a:pPr lvl="1"/>
+            <a:r>
+              <a:rPr lang="zh-CN" altLang="en-US"/>
+              <a:t>理解简单，入手容易。</a:t>
+            </a:r>
+            <a:endParaRPr lang="en-US" altLang="zh-CN"/>
+          </a:p>
+          <a:p>
+            <a:pPr lvl="1"/>
+            <a:r>
+              <a:rPr lang="zh-CN" altLang="en-US" smtClean="0"/>
+              <a:t>容易实现简单逻辑，复杂逻辑实现较难。</a:t>
+            </a:r>
+            <a:endParaRPr lang="en-US" altLang="zh-CN" smtClean="0"/>
+          </a:p>
+          <a:p>
+            <a:pPr lvl="1"/>
+            <a:r>
+              <a:rPr lang="zh-CN" altLang="en-US" smtClean="0"/>
+              <a:t>开发相对容易。</a:t>
+            </a:r>
+            <a:endParaRPr lang="en-US" altLang="zh-CN" smtClean="0"/>
+          </a:p>
+          <a:p>
+            <a:r>
+              <a:rPr lang="zh-CN" altLang="en-US" smtClean="0"/>
+              <a:t>方案</a:t>
+            </a:r>
+            <a:r>
+              <a:rPr lang="en-US" altLang="zh-CN" smtClean="0"/>
+              <a:t>2</a:t>
+            </a:r>
+            <a:r>
+              <a:rPr lang="zh-CN" altLang="en-US" smtClean="0"/>
+              <a:t>：</a:t>
+            </a:r>
+            <a:endParaRPr lang="en-US" altLang="zh-CN" smtClean="0"/>
+          </a:p>
+          <a:p>
+            <a:pPr lvl="1"/>
+            <a:r>
+              <a:rPr lang="zh-CN" altLang="en-US" smtClean="0"/>
+              <a:t>表现方式图形化，通过线方向表示流向。</a:t>
+            </a:r>
+            <a:endParaRPr lang="en-US" altLang="zh-CN" smtClean="0"/>
+          </a:p>
+          <a:p>
+            <a:pPr lvl="1"/>
+            <a:r>
+              <a:rPr lang="zh-CN" altLang="en-US" smtClean="0"/>
+              <a:t>理解复杂，入手难度相对方案一要高。</a:t>
+            </a:r>
+            <a:endParaRPr lang="en-US" altLang="zh-CN" smtClean="0"/>
+          </a:p>
+          <a:p>
+            <a:pPr lvl="1"/>
+            <a:r>
+              <a:rPr lang="zh-CN" altLang="en-US" smtClean="0"/>
+              <a:t>能够实现复杂逻辑，理解起来比方案一容易。</a:t>
+            </a:r>
+            <a:endParaRPr lang="en-US" altLang="zh-CN" smtClean="0"/>
+          </a:p>
+          <a:p>
+            <a:pPr lvl="1"/>
+            <a:r>
+              <a:rPr lang="zh-CN" altLang="en-US"/>
+              <a:t>开发</a:t>
+            </a:r>
+            <a:r>
+              <a:rPr lang="zh-CN" altLang="en-US" smtClean="0"/>
+              <a:t>相对</a:t>
+            </a:r>
+            <a:r>
+              <a:rPr lang="zh-CN" altLang="en-US"/>
+              <a:t>方案一</a:t>
+            </a:r>
+            <a:r>
+              <a:rPr lang="zh-CN" altLang="en-US" smtClean="0"/>
+              <a:t>困难。</a:t>
+            </a:r>
+            <a:endParaRPr lang="en-US" altLang="zh-CN" smtClean="0"/>
+          </a:p>
+          <a:p>
+            <a:r>
+              <a:rPr lang="zh-CN" altLang="en-US"/>
+              <a:t>这个</a:t>
+            </a:r>
+            <a:r>
+              <a:rPr lang="zh-CN" altLang="en-US" smtClean="0"/>
+              <a:t>可以根据客户调查，确认方案。</a:t>
+            </a:r>
+            <a:endParaRPr lang="en-US" altLang="zh-CN" smtClean="0"/>
+          </a:p>
+        </p:txBody>
+      </p:sp>
+    </p:spTree>
+    <p:extLst>
+      <p:ext uri="{BB962C8B-B14F-4D97-AF65-F5344CB8AC3E}">
+        <p14:creationId xmlns:p14="http://schemas.microsoft.com/office/powerpoint/2010/main" val="1076989571"/>
+      </p:ext>
+    </p:extLst>
+  </p:cSld>
+  <p:clrMapOvr>
+    <a:masterClrMapping/>
+  </p:clrMapOvr>
+</p:sld>
+</file>
+
+<file path=ppt/slides/slide21.xml><?xml version="1.0" encoding="utf-8"?>
+<p:sld xmlns:a="http://schemas.openxmlformats.org/drawingml/2006/main" xmlns:r="http://schemas.openxmlformats.org/officeDocument/2006/relationships" xmlns:p="http://schemas.openxmlformats.org/presentationml/2006/main">
+  <p:cSld>
+    <p:spTree>
+      <p:nvGrpSpPr>
+        <p:cNvPr id="1" name=""/>
+        <p:cNvGrpSpPr/>
+        <p:nvPr/>
+      </p:nvGrpSpPr>
+      <p:grpSpPr>
+        <a:xfrm>
+          <a:off x="0" y="0"/>
+          <a:ext cx="0" cy="0"/>
+          <a:chOff x="0" y="0"/>
+          <a:chExt cx="0" cy="0"/>
+        </a:xfrm>
+      </p:grpSpPr>
+      <p:sp>
+        <p:nvSpPr>
+          <p:cNvPr id="2" name="标题 1"/>
+          <p:cNvSpPr>
+            <a:spLocks noGrp="1"/>
+          </p:cNvSpPr>
+          <p:nvPr>
+            <p:ph type="title"/>
+          </p:nvPr>
+        </p:nvSpPr>
+        <p:spPr/>
+        <p:txBody>
+          <a:bodyPr/>
+          <a:lstStyle/>
+          <a:p>
+            <a:r>
+              <a:rPr lang="zh-CN" altLang="en-US" smtClean="0"/>
+              <a:t>总计</a:t>
+            </a:r>
+            <a:endParaRPr lang="zh-CN" altLang="en-US"/>
+          </a:p>
+        </p:txBody>
+      </p:sp>
+      <p:sp>
+        <p:nvSpPr>
+          <p:cNvPr id="3" name="内容占位符 2"/>
+          <p:cNvSpPr>
+            <a:spLocks noGrp="1"/>
+          </p:cNvSpPr>
+          <p:nvPr>
+            <p:ph sz="quarter" idx="1"/>
+          </p:nvPr>
+        </p:nvSpPr>
+        <p:spPr>
+          <a:xfrm>
+            <a:off x="457200" y="1600200"/>
+            <a:ext cx="7859216" cy="4997152"/>
+          </a:xfrm>
+        </p:spPr>
+        <p:txBody>
+          <a:bodyPr>
+            <a:normAutofit/>
+          </a:bodyPr>
+          <a:lstStyle/>
+          <a:p>
+            <a:r>
+              <a:rPr lang="zh-CN" altLang="en-US"/>
+              <a:t>系统</a:t>
+            </a:r>
+            <a:r>
+              <a:rPr lang="zh-CN" altLang="en-US" smtClean="0"/>
+              <a:t>一直在做底层，界面缺少客户使用方面的关怀。</a:t>
+            </a:r>
+            <a:endParaRPr lang="en-US" altLang="zh-CN" smtClean="0"/>
+          </a:p>
+          <a:p>
+            <a:pPr lvl="1"/>
+            <a:r>
+              <a:rPr lang="zh-CN" altLang="en-US"/>
+              <a:t>界面</a:t>
+            </a:r>
+            <a:r>
+              <a:rPr lang="zh-CN" altLang="en-US" smtClean="0"/>
+              <a:t>设计更偏向教育化，简单来说就是如何</a:t>
+            </a:r>
+            <a:r>
+              <a:rPr lang="zh-CN" altLang="en-US"/>
+              <a:t>操作</a:t>
+            </a:r>
+            <a:r>
+              <a:rPr lang="zh-CN" altLang="en-US" smtClean="0"/>
+              <a:t>简化是方向。</a:t>
+            </a:r>
+            <a:endParaRPr lang="en-US" altLang="zh-CN" smtClean="0"/>
+          </a:p>
+          <a:p>
+            <a:pPr lvl="1"/>
+            <a:r>
+              <a:rPr lang="zh-CN" altLang="en-US"/>
+              <a:t>隐藏</a:t>
+            </a:r>
+            <a:r>
+              <a:rPr lang="zh-CN" altLang="en-US" smtClean="0"/>
+              <a:t>一些复杂操作。</a:t>
+            </a:r>
+            <a:r>
+              <a:rPr lang="en-US" altLang="zh-CN" smtClean="0"/>
+              <a:t/>
+            </a:r>
+            <a:br>
+              <a:rPr lang="en-US" altLang="zh-CN" smtClean="0"/>
+            </a:br>
+            <a:r>
+              <a:rPr lang="zh-CN" altLang="en-US" smtClean="0"/>
+              <a:t>（比如材质</a:t>
+            </a:r>
+            <a:r>
+              <a:rPr lang="en-US" altLang="zh-CN" smtClean="0"/>
+              <a:t>/</a:t>
+            </a:r>
+            <a:r>
+              <a:rPr lang="zh-CN" altLang="en-US" smtClean="0"/>
+              <a:t>效果器等等，完全可以很简单达到相同目的）</a:t>
+            </a:r>
+            <a:endParaRPr lang="en-US" altLang="zh-CN" smtClean="0"/>
+          </a:p>
+          <a:p>
+            <a:r>
+              <a:rPr lang="zh-CN" altLang="en-US" smtClean="0"/>
+              <a:t>在网络资源方面有很多优势（资源</a:t>
+            </a:r>
+            <a:r>
+              <a:rPr lang="en-US" altLang="zh-CN" smtClean="0"/>
+              <a:t>/</a:t>
+            </a:r>
+            <a:r>
+              <a:rPr lang="zh-CN" altLang="en-US" smtClean="0"/>
+              <a:t>论坛），怎么能让编辑器结合这些功能是一个关键。</a:t>
+            </a:r>
+            <a:endParaRPr lang="en-US" altLang="zh-CN" smtClean="0"/>
+          </a:p>
+          <a:p>
+            <a:r>
+              <a:rPr lang="zh-CN" altLang="en-US" smtClean="0"/>
+              <a:t>成品怎样能够网络发布，能共享化。</a:t>
+            </a:r>
+            <a:endParaRPr lang="en-US" altLang="zh-CN" smtClean="0"/>
+          </a:p>
+          <a:p>
+            <a:endParaRPr lang="en-US" altLang="zh-CN"/>
+          </a:p>
+          <a:p>
+            <a:r>
+              <a:rPr lang="zh-CN" altLang="en-US" smtClean="0"/>
+              <a:t>美图秀秀口号是：</a:t>
+            </a:r>
+            <a:r>
+              <a:rPr lang="zh-CN" altLang="en-US" u="sng" smtClean="0">
+                <a:hlinkClick r:id="rId2"/>
+              </a:rPr>
+              <a:t>很好</a:t>
+            </a:r>
+            <a:r>
+              <a:rPr lang="zh-CN" altLang="en-US" u="sng">
+                <a:hlinkClick r:id="rId2"/>
+              </a:rPr>
+              <a:t>用又好玩的图片处理</a:t>
+            </a:r>
+            <a:r>
+              <a:rPr lang="zh-CN" altLang="en-US" u="sng" smtClean="0">
+                <a:hlinkClick r:id="rId2"/>
+              </a:rPr>
+              <a:t>软件</a:t>
+            </a:r>
+            <a:endParaRPr lang="en-US" altLang="zh-CN" u="sng" smtClean="0"/>
+          </a:p>
+          <a:p>
+            <a:r>
+              <a:rPr lang="zh-CN" altLang="en-US" smtClean="0"/>
+              <a:t>如果</a:t>
+            </a:r>
+            <a:r>
+              <a:rPr lang="en-US" altLang="zh-CN" smtClean="0"/>
+              <a:t>G3D</a:t>
+            </a:r>
+            <a:r>
+              <a:rPr lang="zh-CN" altLang="en-US" smtClean="0"/>
+              <a:t>想成为创意工厂，最重要的两条路就是</a:t>
+            </a:r>
+            <a:r>
+              <a:rPr lang="zh-CN" altLang="en-US" b="1" smtClean="0">
+                <a:solidFill>
+                  <a:srgbClr val="FF0000"/>
+                </a:solidFill>
+              </a:rPr>
+              <a:t>操作简化</a:t>
+            </a:r>
+            <a:r>
+              <a:rPr lang="zh-CN" altLang="en-US" smtClean="0"/>
+              <a:t>和</a:t>
+            </a:r>
+            <a:r>
+              <a:rPr lang="zh-CN" altLang="en-US" b="1" smtClean="0">
+                <a:solidFill>
+                  <a:srgbClr val="FF0000"/>
+                </a:solidFill>
+              </a:rPr>
+              <a:t>网络化</a:t>
+            </a:r>
+            <a:r>
+              <a:rPr lang="zh-CN" altLang="en-US" smtClean="0"/>
+              <a:t>。现在市面上还没有这样的工具，如果能做好这</a:t>
+            </a:r>
+            <a:r>
+              <a:rPr lang="zh-CN" altLang="en-US"/>
+              <a:t>两点</a:t>
+            </a:r>
+            <a:r>
+              <a:rPr lang="zh-CN" altLang="en-US" smtClean="0"/>
+              <a:t>会非常好的前景。</a:t>
+            </a:r>
+            <a:endParaRPr lang="en-US" altLang="zh-CN" smtClean="0"/>
+          </a:p>
+          <a:p>
+            <a:endParaRPr lang="en-US" altLang="zh-CN" smtClean="0"/>
+          </a:p>
+        </p:txBody>
+      </p:sp>
+    </p:spTree>
+    <p:extLst>
+      <p:ext uri="{BB962C8B-B14F-4D97-AF65-F5344CB8AC3E}">
+        <p14:creationId xmlns:p14="http://schemas.microsoft.com/office/powerpoint/2010/main" val="3602835779"/>
+      </p:ext>
+    </p:extLst>
+  </p:cSld>
+  <p:clrMapOvr>
+    <a:masterClrMapping/>
+  </p:clrMapOvr>
+</p:sld>
+</file>
+
+<file path=ppt/slides/slide3.xml><?xml version="1.0" encoding="utf-8"?>
+<p:sld xmlns:a="http://schemas.openxmlformats.org/drawingml/2006/main" xmlns:r="http://schemas.openxmlformats.org/officeDocument/2006/relationships" xmlns:p="http://schemas.openxmlformats.org/presentationml/2006/main">
+  <p:cSld>
+    <p:spTree>
+      <p:nvGrpSpPr>
+        <p:cNvPr id="1" name=""/>
+        <p:cNvGrpSpPr/>
+        <p:nvPr/>
+      </p:nvGrpSpPr>
+      <p:grpSpPr>
+        <a:xfrm>
+          <a:off x="0" y="0"/>
+          <a:ext cx="0" cy="0"/>
+          <a:chOff x="0" y="0"/>
+          <a:chExt cx="0" cy="0"/>
+        </a:xfrm>
+      </p:grpSpPr>
+      <p:sp>
+        <p:nvSpPr>
+          <p:cNvPr id="2" name="标题 1"/>
+          <p:cNvSpPr>
+            <a:spLocks noGrp="1"/>
+          </p:cNvSpPr>
+          <p:nvPr>
+            <p:ph type="title"/>
+          </p:nvPr>
+        </p:nvSpPr>
+        <p:spPr/>
+        <p:txBody>
+          <a:bodyPr/>
+          <a:lstStyle/>
+          <a:p>
+            <a:r>
+              <a:rPr lang="zh-CN" altLang="en-US" smtClean="0"/>
+              <a:t>简化的定义</a:t>
+            </a:r>
+            <a:endParaRPr lang="zh-CN" altLang="en-US"/>
+          </a:p>
+        </p:txBody>
+      </p:sp>
+      <p:sp>
+        <p:nvSpPr>
+          <p:cNvPr id="3" name="内容占位符 2"/>
+          <p:cNvSpPr>
+            <a:spLocks noGrp="1"/>
+          </p:cNvSpPr>
+          <p:nvPr>
+            <p:ph sz="quarter" idx="1"/>
+          </p:nvPr>
+        </p:nvSpPr>
+        <p:spPr>
+          <a:xfrm>
+            <a:off x="457200" y="1600200"/>
+            <a:ext cx="7859216" cy="4997152"/>
+          </a:xfrm>
+        </p:spPr>
+        <p:txBody>
+          <a:bodyPr>
+            <a:normAutofit lnSpcReduction="10000"/>
+          </a:bodyPr>
+          <a:lstStyle/>
+          <a:p>
+            <a:r>
+              <a:rPr lang="zh-CN" altLang="en-US" smtClean="0"/>
+              <a:t>意义：略去</a:t>
+            </a:r>
+            <a:r>
+              <a:rPr lang="zh-CN" altLang="en-US"/>
+              <a:t>具体细节而抓住主干，形神兼备地传达出形象或意念的大致轮廓与内在精髓的构思方式</a:t>
+            </a:r>
+            <a:r>
+              <a:rPr lang="zh-CN" altLang="en-US" smtClean="0"/>
+              <a:t>。</a:t>
+            </a:r>
+            <a:endParaRPr lang="en-US" altLang="zh-CN" smtClean="0"/>
+          </a:p>
+          <a:p>
+            <a:endParaRPr lang="en-US" altLang="zh-CN" smtClean="0"/>
+          </a:p>
+          <a:p>
+            <a:endParaRPr lang="en-US" altLang="zh-CN"/>
+          </a:p>
+          <a:p>
+            <a:endParaRPr lang="en-US" altLang="zh-CN" smtClean="0"/>
+          </a:p>
+          <a:p>
+            <a:endParaRPr lang="en-US" altLang="zh-CN"/>
+          </a:p>
+          <a:p>
+            <a:endParaRPr lang="en-US" altLang="zh-CN" smtClean="0"/>
+          </a:p>
+          <a:p>
+            <a:endParaRPr lang="en-US" altLang="zh-CN" smtClean="0"/>
+          </a:p>
+          <a:p>
+            <a:r>
+              <a:rPr lang="zh-CN" altLang="en-US" smtClean="0"/>
+              <a:t>基础：</a:t>
+            </a:r>
+            <a:endParaRPr lang="en-US" altLang="zh-CN" smtClean="0"/>
+          </a:p>
+          <a:p>
+            <a:pPr lvl="1"/>
+            <a:r>
+              <a:rPr lang="zh-CN" altLang="en-US" smtClean="0"/>
+              <a:t>基本功能</a:t>
+            </a:r>
+            <a:r>
+              <a:rPr lang="zh-CN" altLang="en-US"/>
+              <a:t>：</a:t>
+            </a:r>
+            <a:r>
+              <a:rPr lang="zh-CN" altLang="en-US" smtClean="0"/>
+              <a:t>用来</a:t>
+            </a:r>
+            <a:r>
+              <a:rPr lang="zh-CN" altLang="en-US"/>
+              <a:t>满足人们对该物品的共同需要的功能</a:t>
+            </a:r>
+            <a:r>
+              <a:rPr lang="zh-CN" altLang="en-US" smtClean="0"/>
+              <a:t>。</a:t>
+            </a:r>
+            <a:endParaRPr lang="zh-CN" altLang="en-US"/>
+          </a:p>
+          <a:p>
+            <a:pPr lvl="1"/>
+            <a:r>
+              <a:rPr lang="zh-CN" altLang="en-US" smtClean="0"/>
+              <a:t>条件功能</a:t>
+            </a:r>
+            <a:r>
+              <a:rPr lang="zh-CN" altLang="en-US"/>
+              <a:t>：</a:t>
+            </a:r>
+            <a:r>
+              <a:rPr lang="zh-CN" altLang="en-US" smtClean="0"/>
+              <a:t>即使</a:t>
+            </a:r>
+            <a:r>
+              <a:rPr lang="zh-CN" altLang="en-US"/>
+              <a:t>基本功能得以充分发挥的功能</a:t>
+            </a:r>
+            <a:r>
+              <a:rPr lang="zh-CN" altLang="en-US" smtClean="0"/>
+              <a:t>。</a:t>
+            </a:r>
+            <a:endParaRPr lang="zh-CN" altLang="en-US"/>
+          </a:p>
+          <a:p>
+            <a:pPr lvl="1"/>
+            <a:r>
+              <a:rPr lang="zh-CN" altLang="en-US" smtClean="0"/>
+              <a:t>附加功能</a:t>
+            </a:r>
+            <a:r>
+              <a:rPr lang="zh-CN" altLang="en-US"/>
+              <a:t>：</a:t>
+            </a:r>
+            <a:r>
+              <a:rPr lang="zh-CN" altLang="en-US" smtClean="0"/>
+              <a:t>用来</a:t>
+            </a:r>
+            <a:r>
+              <a:rPr lang="zh-CN" altLang="en-US"/>
+              <a:t>满足不同的人们对物品的特殊需要</a:t>
+            </a:r>
+            <a:r>
+              <a:rPr lang="zh-CN" altLang="en-US" smtClean="0"/>
+              <a:t>的功能。</a:t>
+            </a:r>
+            <a:endParaRPr lang="en-US" altLang="zh-CN" smtClean="0"/>
+          </a:p>
+        </p:txBody>
+      </p:sp>
       <p:pic>
         <p:nvPicPr>
-          <p:cNvPr id="1027" name="Picture 3"/>
+          <p:cNvPr id="1026" name="Picture 2"/>
           <p:cNvPicPr>
             <a:picLocks noChangeAspect="1" noChangeArrowheads="1"/>
           </p:cNvPicPr>
           <p:nvPr/>
         </p:nvPicPr>
         <p:blipFill>
-          <a:blip r:embed="rId3">
+          <a:blip r:embed="rId2" cstate="print">
             <a:extLst>
               <a:ext uri="{28A0092B-C50C-407E-A947-70E740481C1C}">
                 <a14:useLocalDpi xmlns:a14="http://schemas.microsoft.com/office/drawing/2010/main" val="0"/>
@@ -8645,8 +9317,8 @@
         </p:blipFill>
         <p:spPr bwMode="auto">
           <a:xfrm>
-            <a:off x="5652120" y="2700105"/>
-            <a:ext cx="2550962" cy="2033634"/>
+            <a:off x="1691680" y="2420888"/>
+            <a:ext cx="3702954" cy="2592068"/>
           </a:xfrm>
           <a:prstGeom prst="rect">
             <a:avLst/>
@@ -8686,1118 +9358,16 @@
           </a:extLst>
         </p:spPr>
       </p:pic>
-    </p:spTree>
-    <p:extLst>
-      <p:ext uri="{BB962C8B-B14F-4D97-AF65-F5344CB8AC3E}">
-        <p14:creationId xmlns:p14="http://schemas.microsoft.com/office/powerpoint/2010/main" val="3643390001"/>
-      </p:ext>
-    </p:extLst>
-  </p:cSld>
-  <p:clrMapOvr>
-    <a:masterClrMapping/>
-  </p:clrMapOvr>
-</p:sld>
-</file>
-
-<file path=ppt/slides/slide3.xml><?xml version="1.0" encoding="utf-8"?>
-<p:sld xmlns:a="http://schemas.openxmlformats.org/drawingml/2006/main" xmlns:r="http://schemas.openxmlformats.org/officeDocument/2006/relationships" xmlns:p="http://schemas.openxmlformats.org/presentationml/2006/main">
-  <p:cSld>
-    <p:spTree>
-      <p:nvGrpSpPr>
-        <p:cNvPr id="1" name=""/>
-        <p:cNvGrpSpPr/>
-        <p:nvPr/>
-      </p:nvGrpSpPr>
-      <p:grpSpPr>
-        <a:xfrm>
-          <a:off x="0" y="0"/>
-          <a:ext cx="0" cy="0"/>
-          <a:chOff x="0" y="0"/>
-          <a:chExt cx="0" cy="0"/>
-        </a:xfrm>
-      </p:grpSpPr>
-      <p:sp>
-        <p:nvSpPr>
-          <p:cNvPr id="2" name="标题 1"/>
-          <p:cNvSpPr>
-            <a:spLocks noGrp="1"/>
-          </p:cNvSpPr>
-          <p:nvPr>
-            <p:ph type="title"/>
-          </p:nvPr>
-        </p:nvSpPr>
-        <p:spPr/>
-        <p:txBody>
-          <a:bodyPr/>
-          <a:lstStyle/>
-          <a:p>
-            <a:r>
-              <a:rPr lang="zh-CN" altLang="en-US" smtClean="0"/>
-              <a:t>客户行为</a:t>
-            </a:r>
-            <a:endParaRPr lang="zh-CN" altLang="en-US"/>
-          </a:p>
-        </p:txBody>
-      </p:sp>
-      <p:sp>
-        <p:nvSpPr>
-          <p:cNvPr id="3" name="内容占位符 2"/>
-          <p:cNvSpPr>
-            <a:spLocks noGrp="1"/>
-          </p:cNvSpPr>
-          <p:nvPr>
-            <p:ph sz="quarter" idx="1"/>
-          </p:nvPr>
-        </p:nvSpPr>
-        <p:spPr>
-          <a:xfrm>
-            <a:off x="457200" y="1600200"/>
-            <a:ext cx="8147248" cy="4997152"/>
-          </a:xfrm>
-        </p:spPr>
-        <p:txBody>
-          <a:bodyPr>
-            <a:normAutofit/>
-          </a:bodyPr>
-          <a:lstStyle/>
-          <a:p>
-            <a:r>
-              <a:rPr lang="zh-CN" altLang="en-US" smtClean="0"/>
-              <a:t>使用</a:t>
-            </a:r>
-            <a:r>
-              <a:rPr lang="en-US" altLang="zh-CN" smtClean="0"/>
-              <a:t>G3D</a:t>
-            </a:r>
-            <a:r>
-              <a:rPr lang="zh-CN" altLang="en-US" smtClean="0"/>
-              <a:t>工具过程。</a:t>
-            </a:r>
-            <a:endParaRPr lang="en-US" altLang="zh-CN" smtClean="0"/>
-          </a:p>
-          <a:p>
-            <a:r>
-              <a:rPr lang="zh-CN" altLang="en-US" smtClean="0"/>
-              <a:t>行为分解</a:t>
-            </a:r>
-            <a:endParaRPr lang="en-US" altLang="zh-CN" smtClean="0"/>
-          </a:p>
-          <a:p>
-            <a:pPr lvl="1"/>
-            <a:r>
-              <a:rPr lang="zh-CN" altLang="en-US" smtClean="0"/>
-              <a:t>根据每个行为和期望</a:t>
-            </a:r>
-            <a:r>
-              <a:rPr lang="en-US" altLang="zh-CN" smtClean="0"/>
-              <a:t/>
-            </a:r>
-            <a:br>
-              <a:rPr lang="en-US" altLang="zh-CN" smtClean="0"/>
-            </a:br>
-            <a:r>
-              <a:rPr lang="zh-CN" altLang="en-US" smtClean="0"/>
-              <a:t>确定界面布局方式和好的操作的方案。</a:t>
-            </a:r>
-            <a:endParaRPr lang="en-US" altLang="zh-CN" smtClean="0"/>
-          </a:p>
-          <a:p>
-            <a:pPr lvl="1"/>
-            <a:endParaRPr lang="en-US" altLang="zh-CN" smtClean="0"/>
-          </a:p>
-        </p:txBody>
-      </p:sp>
-      <p:sp>
-        <p:nvSpPr>
-          <p:cNvPr id="4" name="圆角矩形 3"/>
-          <p:cNvSpPr/>
-          <p:nvPr/>
-        </p:nvSpPr>
-        <p:spPr>
-          <a:xfrm>
-            <a:off x="708695" y="3972111"/>
-            <a:ext cx="1440160" cy="432048"/>
-          </a:xfrm>
-          <a:prstGeom prst="roundRect">
-            <a:avLst/>
-          </a:prstGeom>
-        </p:spPr>
-        <p:style>
-          <a:lnRef idx="1">
-            <a:schemeClr val="accent5"/>
-          </a:lnRef>
-          <a:fillRef idx="2">
-            <a:schemeClr val="accent5"/>
-          </a:fillRef>
-          <a:effectRef idx="1">
-            <a:schemeClr val="accent5"/>
-          </a:effectRef>
-          <a:fontRef idx="minor">
-            <a:schemeClr val="dk1"/>
-          </a:fontRef>
-        </p:style>
-        <p:txBody>
-          <a:bodyPr rtlCol="0" anchor="ctr"/>
-          <a:lstStyle/>
-          <a:p>
-            <a:pPr algn="ctr"/>
-            <a:r>
-              <a:rPr lang="zh-CN" altLang="en-US"/>
-              <a:t>获得</a:t>
-            </a:r>
-          </a:p>
-        </p:txBody>
-      </p:sp>
-      <p:sp>
-        <p:nvSpPr>
-          <p:cNvPr id="5" name="圆角矩形 4"/>
-          <p:cNvSpPr/>
-          <p:nvPr/>
-        </p:nvSpPr>
-        <p:spPr>
-          <a:xfrm>
-            <a:off x="2796927" y="3972111"/>
-            <a:ext cx="1440160" cy="432048"/>
-          </a:xfrm>
-          <a:prstGeom prst="roundRect">
-            <a:avLst/>
-          </a:prstGeom>
-        </p:spPr>
-        <p:style>
-          <a:lnRef idx="1">
-            <a:schemeClr val="accent5"/>
-          </a:lnRef>
-          <a:fillRef idx="2">
-            <a:schemeClr val="accent5"/>
-          </a:fillRef>
-          <a:effectRef idx="1">
-            <a:schemeClr val="accent5"/>
-          </a:effectRef>
-          <a:fontRef idx="minor">
-            <a:schemeClr val="dk1"/>
-          </a:fontRef>
-        </p:style>
-        <p:txBody>
-          <a:bodyPr rtlCol="0" anchor="ctr"/>
-          <a:lstStyle/>
-          <a:p>
-            <a:pPr algn="ctr"/>
-            <a:r>
-              <a:rPr lang="zh-CN" altLang="en-US" smtClean="0"/>
-              <a:t>运行</a:t>
-            </a:r>
-            <a:endParaRPr lang="zh-CN" altLang="en-US"/>
-          </a:p>
-        </p:txBody>
-      </p:sp>
-      <p:sp>
-        <p:nvSpPr>
-          <p:cNvPr id="6" name="圆角矩形 5"/>
-          <p:cNvSpPr/>
-          <p:nvPr/>
-        </p:nvSpPr>
-        <p:spPr>
-          <a:xfrm>
-            <a:off x="4813151" y="3972111"/>
-            <a:ext cx="1440160" cy="432048"/>
-          </a:xfrm>
-          <a:prstGeom prst="roundRect">
-            <a:avLst/>
-          </a:prstGeom>
-        </p:spPr>
-        <p:style>
-          <a:lnRef idx="1">
-            <a:schemeClr val="accent5"/>
-          </a:lnRef>
-          <a:fillRef idx="2">
-            <a:schemeClr val="accent5"/>
-          </a:fillRef>
-          <a:effectRef idx="1">
-            <a:schemeClr val="accent5"/>
-          </a:effectRef>
-          <a:fontRef idx="minor">
-            <a:schemeClr val="dk1"/>
-          </a:fontRef>
-        </p:style>
-        <p:txBody>
-          <a:bodyPr rtlCol="0" anchor="ctr"/>
-          <a:lstStyle/>
-          <a:p>
-            <a:pPr algn="ctr"/>
-            <a:r>
-              <a:rPr lang="zh-CN" altLang="en-US"/>
-              <a:t>编辑</a:t>
-            </a:r>
-          </a:p>
-        </p:txBody>
-      </p:sp>
-      <p:sp>
-        <p:nvSpPr>
-          <p:cNvPr id="7" name="圆角矩形 6"/>
-          <p:cNvSpPr/>
-          <p:nvPr/>
-        </p:nvSpPr>
-        <p:spPr>
-          <a:xfrm>
-            <a:off x="6829375" y="3972111"/>
-            <a:ext cx="1440160" cy="432048"/>
-          </a:xfrm>
-          <a:prstGeom prst="roundRect">
-            <a:avLst/>
-          </a:prstGeom>
-        </p:spPr>
-        <p:style>
-          <a:lnRef idx="1">
-            <a:schemeClr val="accent5"/>
-          </a:lnRef>
-          <a:fillRef idx="2">
-            <a:schemeClr val="accent5"/>
-          </a:fillRef>
-          <a:effectRef idx="1">
-            <a:schemeClr val="accent5"/>
-          </a:effectRef>
-          <a:fontRef idx="minor">
-            <a:schemeClr val="dk1"/>
-          </a:fontRef>
-        </p:style>
-        <p:txBody>
-          <a:bodyPr rtlCol="0" anchor="ctr"/>
-          <a:lstStyle/>
-          <a:p>
-            <a:pPr algn="ctr"/>
-            <a:r>
-              <a:rPr lang="zh-CN" altLang="en-US" smtClean="0"/>
-              <a:t>发布</a:t>
-            </a:r>
-            <a:endParaRPr lang="zh-CN" altLang="en-US"/>
-          </a:p>
-        </p:txBody>
-      </p:sp>
-      <p:cxnSp>
-        <p:nvCxnSpPr>
-          <p:cNvPr id="9" name="直接箭头连接符 8"/>
-          <p:cNvCxnSpPr>
-            <a:stCxn id="4" idx="3"/>
-            <a:endCxn id="5" idx="1"/>
-          </p:cNvCxnSpPr>
-          <p:nvPr/>
-        </p:nvCxnSpPr>
-        <p:spPr>
-          <a:xfrm>
-            <a:off x="2148855" y="4188135"/>
-            <a:ext cx="648072" cy="0"/>
-          </a:xfrm>
-          <a:prstGeom prst="straightConnector1">
-            <a:avLst/>
-          </a:prstGeom>
-          <a:ln w="38100">
-            <a:solidFill>
-              <a:schemeClr val="accent3">
-                <a:lumMod val="75000"/>
-              </a:schemeClr>
-            </a:solidFill>
-            <a:tailEnd type="triangle" w="med" len="lg"/>
-          </a:ln>
-        </p:spPr>
-        <p:style>
-          <a:lnRef idx="1">
-            <a:schemeClr val="accent1"/>
-          </a:lnRef>
-          <a:fillRef idx="0">
-            <a:schemeClr val="accent1"/>
-          </a:fillRef>
-          <a:effectRef idx="0">
-            <a:schemeClr val="accent1"/>
-          </a:effectRef>
-          <a:fontRef idx="minor">
-            <a:schemeClr val="tx1"/>
-          </a:fontRef>
-        </p:style>
-      </p:cxnSp>
-      <p:cxnSp>
-        <p:nvCxnSpPr>
-          <p:cNvPr id="11" name="直接箭头连接符 10"/>
-          <p:cNvCxnSpPr>
-            <a:stCxn id="5" idx="3"/>
-            <a:endCxn id="6" idx="1"/>
-          </p:cNvCxnSpPr>
-          <p:nvPr/>
-        </p:nvCxnSpPr>
-        <p:spPr>
-          <a:xfrm>
-            <a:off x="4237087" y="4188135"/>
-            <a:ext cx="576064" cy="0"/>
-          </a:xfrm>
-          <a:prstGeom prst="straightConnector1">
-            <a:avLst/>
-          </a:prstGeom>
-          <a:ln w="38100">
-            <a:solidFill>
-              <a:schemeClr val="accent3">
-                <a:lumMod val="75000"/>
-              </a:schemeClr>
-            </a:solidFill>
-            <a:tailEnd type="triangle" w="med" len="lg"/>
-          </a:ln>
-        </p:spPr>
-        <p:style>
-          <a:lnRef idx="1">
-            <a:schemeClr val="accent1"/>
-          </a:lnRef>
-          <a:fillRef idx="0">
-            <a:schemeClr val="accent1"/>
-          </a:fillRef>
-          <a:effectRef idx="0">
-            <a:schemeClr val="accent1"/>
-          </a:effectRef>
-          <a:fontRef idx="minor">
-            <a:schemeClr val="tx1"/>
-          </a:fontRef>
-        </p:style>
-      </p:cxnSp>
-      <p:cxnSp>
-        <p:nvCxnSpPr>
-          <p:cNvPr id="14" name="直接箭头连接符 13"/>
-          <p:cNvCxnSpPr>
-            <a:stCxn id="6" idx="3"/>
-            <a:endCxn id="7" idx="1"/>
-          </p:cNvCxnSpPr>
-          <p:nvPr/>
-        </p:nvCxnSpPr>
-        <p:spPr>
-          <a:xfrm>
-            <a:off x="6253311" y="4188135"/>
-            <a:ext cx="576064" cy="0"/>
-          </a:xfrm>
-          <a:prstGeom prst="straightConnector1">
-            <a:avLst/>
-          </a:prstGeom>
-          <a:ln w="38100">
-            <a:solidFill>
-              <a:schemeClr val="accent3">
-                <a:lumMod val="75000"/>
-              </a:schemeClr>
-            </a:solidFill>
-            <a:tailEnd type="triangle" w="med" len="lg"/>
-          </a:ln>
-        </p:spPr>
-        <p:style>
-          <a:lnRef idx="1">
-            <a:schemeClr val="accent1"/>
-          </a:lnRef>
-          <a:fillRef idx="0">
-            <a:schemeClr val="accent1"/>
-          </a:fillRef>
-          <a:effectRef idx="0">
-            <a:schemeClr val="accent1"/>
-          </a:effectRef>
-          <a:fontRef idx="minor">
-            <a:schemeClr val="tx1"/>
-          </a:fontRef>
-        </p:style>
-      </p:cxnSp>
-      <p:cxnSp>
-        <p:nvCxnSpPr>
-          <p:cNvPr id="18" name="直接箭头连接符 17"/>
-          <p:cNvCxnSpPr>
-            <a:stCxn id="6" idx="2"/>
-            <a:endCxn id="27" idx="0"/>
-          </p:cNvCxnSpPr>
-          <p:nvPr/>
-        </p:nvCxnSpPr>
-        <p:spPr>
-          <a:xfrm>
-            <a:off x="5533231" y="4404159"/>
-            <a:ext cx="0" cy="792088"/>
-          </a:xfrm>
-          <a:prstGeom prst="straightConnector1">
-            <a:avLst/>
-          </a:prstGeom>
-          <a:ln w="38100">
-            <a:solidFill>
-              <a:schemeClr val="accent3">
-                <a:lumMod val="75000"/>
-              </a:schemeClr>
-            </a:solidFill>
-            <a:tailEnd type="triangle" w="med" len="lg"/>
-          </a:ln>
-        </p:spPr>
-        <p:style>
-          <a:lnRef idx="1">
-            <a:schemeClr val="accent1"/>
-          </a:lnRef>
-          <a:fillRef idx="0">
-            <a:schemeClr val="accent1"/>
-          </a:fillRef>
-          <a:effectRef idx="0">
-            <a:schemeClr val="accent1"/>
-          </a:effectRef>
-          <a:fontRef idx="minor">
-            <a:schemeClr val="tx1"/>
-          </a:fontRef>
-        </p:style>
-      </p:cxnSp>
-      <p:sp>
-        <p:nvSpPr>
-          <p:cNvPr id="27" name="圆角矩形 26"/>
-          <p:cNvSpPr/>
-          <p:nvPr/>
-        </p:nvSpPr>
-        <p:spPr>
-          <a:xfrm>
-            <a:off x="4813151" y="5196247"/>
-            <a:ext cx="1440160" cy="432048"/>
-          </a:xfrm>
-          <a:prstGeom prst="roundRect">
-            <a:avLst/>
-          </a:prstGeom>
-        </p:spPr>
-        <p:style>
-          <a:lnRef idx="1">
-            <a:schemeClr val="accent5"/>
-          </a:lnRef>
-          <a:fillRef idx="2">
-            <a:schemeClr val="accent5"/>
-          </a:fillRef>
-          <a:effectRef idx="1">
-            <a:schemeClr val="accent5"/>
-          </a:effectRef>
-          <a:fontRef idx="minor">
-            <a:schemeClr val="dk1"/>
-          </a:fontRef>
-        </p:style>
-        <p:txBody>
-          <a:bodyPr rtlCol="0" anchor="ctr"/>
-          <a:lstStyle/>
-          <a:p>
-            <a:pPr algn="ctr"/>
-            <a:r>
-              <a:rPr lang="zh-CN" altLang="en-US"/>
-              <a:t>暂存</a:t>
-            </a:r>
-          </a:p>
-        </p:txBody>
-      </p:sp>
-      <p:cxnSp>
-        <p:nvCxnSpPr>
-          <p:cNvPr id="28" name="直接箭头连接符 27"/>
-          <p:cNvCxnSpPr>
-            <a:stCxn id="27" idx="1"/>
-            <a:endCxn id="5" idx="2"/>
-          </p:cNvCxnSpPr>
-          <p:nvPr/>
-        </p:nvCxnSpPr>
-        <p:spPr>
-          <a:xfrm rot="10800000">
-            <a:off x="3517007" y="4404159"/>
-            <a:ext cx="1296144" cy="1008112"/>
-          </a:xfrm>
-          <a:prstGeom prst="bentConnector2">
-            <a:avLst/>
-          </a:prstGeom>
-          <a:ln w="38100">
-            <a:solidFill>
-              <a:schemeClr val="accent3">
-                <a:lumMod val="75000"/>
-              </a:schemeClr>
-            </a:solidFill>
-            <a:tailEnd type="triangle" w="med" len="lg"/>
-          </a:ln>
-        </p:spPr>
-        <p:style>
-          <a:lnRef idx="1">
-            <a:schemeClr val="accent1"/>
-          </a:lnRef>
-          <a:fillRef idx="0">
-            <a:schemeClr val="accent1"/>
-          </a:fillRef>
-          <a:effectRef idx="0">
-            <a:schemeClr val="accent1"/>
-          </a:effectRef>
-          <a:fontRef idx="minor">
-            <a:schemeClr val="tx1"/>
-          </a:fontRef>
-        </p:style>
-      </p:cxnSp>
-    </p:spTree>
-    <p:extLst>
-      <p:ext uri="{BB962C8B-B14F-4D97-AF65-F5344CB8AC3E}">
-        <p14:creationId xmlns:p14="http://schemas.microsoft.com/office/powerpoint/2010/main" val="1023721056"/>
-      </p:ext>
-    </p:extLst>
-  </p:cSld>
-  <p:clrMapOvr>
-    <a:masterClrMapping/>
-  </p:clrMapOvr>
-</p:sld>
-</file>
-
-<file path=ppt/slides/slide4.xml><?xml version="1.0" encoding="utf-8"?>
-<p:sld xmlns:a="http://schemas.openxmlformats.org/drawingml/2006/main" xmlns:r="http://schemas.openxmlformats.org/officeDocument/2006/relationships" xmlns:p="http://schemas.openxmlformats.org/presentationml/2006/main">
-  <p:cSld>
-    <p:spTree>
-      <p:nvGrpSpPr>
-        <p:cNvPr id="1" name=""/>
-        <p:cNvGrpSpPr/>
-        <p:nvPr/>
-      </p:nvGrpSpPr>
-      <p:grpSpPr>
-        <a:xfrm>
-          <a:off x="0" y="0"/>
-          <a:ext cx="0" cy="0"/>
-          <a:chOff x="0" y="0"/>
-          <a:chExt cx="0" cy="0"/>
-        </a:xfrm>
-      </p:grpSpPr>
-      <p:sp>
-        <p:nvSpPr>
-          <p:cNvPr id="2" name="标题 1"/>
-          <p:cNvSpPr>
-            <a:spLocks noGrp="1"/>
-          </p:cNvSpPr>
-          <p:nvPr>
-            <p:ph type="title"/>
-          </p:nvPr>
-        </p:nvSpPr>
-        <p:spPr/>
-        <p:txBody>
-          <a:bodyPr/>
-          <a:lstStyle/>
-          <a:p>
-            <a:r>
-              <a:rPr lang="zh-CN" altLang="en-US" smtClean="0"/>
-              <a:t>客户行为 </a:t>
-            </a:r>
-            <a:r>
-              <a:rPr lang="en-US" altLang="zh-CN" smtClean="0"/>
-              <a:t>– </a:t>
-            </a:r>
-            <a:r>
-              <a:rPr lang="zh-CN" altLang="en-US" smtClean="0"/>
-              <a:t>获得</a:t>
-            </a:r>
-            <a:endParaRPr lang="zh-CN" altLang="en-US"/>
-          </a:p>
-        </p:txBody>
-      </p:sp>
-      <p:sp>
-        <p:nvSpPr>
-          <p:cNvPr id="3" name="内容占位符 2"/>
-          <p:cNvSpPr>
-            <a:spLocks noGrp="1"/>
-          </p:cNvSpPr>
-          <p:nvPr>
-            <p:ph sz="quarter" idx="1"/>
-          </p:nvPr>
-        </p:nvSpPr>
-        <p:spPr>
-          <a:xfrm>
-            <a:off x="457200" y="1600200"/>
-            <a:ext cx="7859216" cy="4997152"/>
-          </a:xfrm>
-        </p:spPr>
-        <p:txBody>
-          <a:bodyPr>
-            <a:normAutofit/>
-          </a:bodyPr>
-          <a:lstStyle/>
-          <a:p>
-            <a:r>
-              <a:rPr lang="zh-CN" altLang="en-US" smtClean="0"/>
-              <a:t>获得软件和更新：</a:t>
-            </a:r>
-            <a:endParaRPr lang="en-US" altLang="zh-CN" smtClean="0"/>
-          </a:p>
-          <a:p>
-            <a:pPr lvl="1"/>
-            <a:r>
-              <a:rPr lang="zh-CN" altLang="en-US" smtClean="0"/>
-              <a:t>获得：通过推广，兴趣，教育等方式，使用户安装软件。</a:t>
-            </a:r>
-            <a:endParaRPr lang="en-US" altLang="zh-CN" smtClean="0"/>
-          </a:p>
-          <a:p>
-            <a:pPr lvl="2"/>
-            <a:r>
-              <a:rPr lang="zh-CN" altLang="en-US"/>
-              <a:t>能让</a:t>
-            </a:r>
-            <a:r>
-              <a:rPr lang="zh-CN" altLang="en-US" smtClean="0"/>
-              <a:t>用户安装，是很关键的一大步。</a:t>
-            </a:r>
-            <a:endParaRPr lang="en-US" altLang="zh-CN" smtClean="0"/>
-          </a:p>
-          <a:p>
-            <a:pPr lvl="1"/>
-            <a:r>
-              <a:rPr lang="zh-CN" altLang="en-US" smtClean="0"/>
-              <a:t>更新：是持续维护与客户联系的关键。（</a:t>
-            </a:r>
-            <a:r>
-              <a:rPr lang="zh-CN" altLang="en-US" smtClean="0">
-                <a:solidFill>
-                  <a:srgbClr val="FF0000"/>
-                </a:solidFill>
-              </a:rPr>
-              <a:t>未支持</a:t>
-            </a:r>
-            <a:r>
-              <a:rPr lang="zh-CN" altLang="en-US" smtClean="0"/>
-              <a:t>）</a:t>
-            </a:r>
-            <a:endParaRPr lang="en-US" altLang="zh-CN" smtClean="0"/>
-          </a:p>
-          <a:p>
-            <a:pPr lvl="2"/>
-            <a:r>
-              <a:rPr lang="zh-CN" altLang="en-US" smtClean="0"/>
-              <a:t>自动更新：</a:t>
-            </a:r>
-            <a:endParaRPr lang="en-US" altLang="zh-CN" smtClean="0"/>
-          </a:p>
-          <a:p>
-            <a:pPr lvl="3"/>
-            <a:r>
-              <a:rPr lang="zh-CN" altLang="en-US" smtClean="0"/>
-              <a:t>自动安装下个发布版本，预告近期功能。</a:t>
-            </a:r>
-            <a:endParaRPr lang="en-US" altLang="zh-CN" smtClean="0"/>
-          </a:p>
-          <a:p>
-            <a:pPr lvl="2"/>
-            <a:r>
-              <a:rPr lang="zh-CN" altLang="en-US"/>
-              <a:t>内置</a:t>
-            </a:r>
-            <a:r>
-              <a:rPr lang="zh-CN" altLang="en-US" smtClean="0"/>
-              <a:t>论坛：提供快速分享机制。</a:t>
-            </a:r>
-            <a:endParaRPr lang="en-US" altLang="zh-CN" smtClean="0"/>
-          </a:p>
-          <a:p>
-            <a:pPr lvl="3"/>
-            <a:r>
-              <a:rPr lang="zh-CN" altLang="en-US" smtClean="0"/>
-              <a:t>让客户感觉是在一个群体中，而不是就自己一个人在用。</a:t>
-            </a:r>
-            <a:endParaRPr lang="en-US" altLang="zh-CN" smtClean="0"/>
-          </a:p>
-          <a:p>
-            <a:pPr lvl="3"/>
-            <a:r>
-              <a:rPr lang="zh-CN" altLang="en-US" smtClean="0"/>
-              <a:t>帮助解决一些相关技术问题。</a:t>
-            </a:r>
-            <a:endParaRPr lang="en-US" altLang="zh-CN" smtClean="0"/>
-          </a:p>
-          <a:p>
-            <a:pPr marL="0" indent="0">
-              <a:buNone/>
-            </a:pPr>
-            <a:endParaRPr lang="en-US" altLang="zh-CN" smtClean="0"/>
-          </a:p>
-        </p:txBody>
-      </p:sp>
-      <p:sp>
-        <p:nvSpPr>
-          <p:cNvPr id="13" name="圆角矩形 12"/>
-          <p:cNvSpPr/>
-          <p:nvPr/>
-        </p:nvSpPr>
-        <p:spPr>
-          <a:xfrm>
-            <a:off x="6399212" y="4569612"/>
-            <a:ext cx="1440160" cy="432048"/>
-          </a:xfrm>
-          <a:prstGeom prst="roundRect">
-            <a:avLst/>
-          </a:prstGeom>
-        </p:spPr>
-        <p:style>
-          <a:lnRef idx="1">
-            <a:schemeClr val="accent1"/>
-          </a:lnRef>
-          <a:fillRef idx="2">
-            <a:schemeClr val="accent1"/>
-          </a:fillRef>
-          <a:effectRef idx="1">
-            <a:schemeClr val="accent1"/>
-          </a:effectRef>
-          <a:fontRef idx="minor">
-            <a:schemeClr val="dk1"/>
-          </a:fontRef>
-        </p:style>
-        <p:txBody>
-          <a:bodyPr rtlCol="0" anchor="ctr"/>
-          <a:lstStyle/>
-          <a:p>
-            <a:pPr algn="ctr"/>
-            <a:r>
-              <a:rPr lang="zh-CN" altLang="en-US"/>
-              <a:t>推广</a:t>
-            </a:r>
-          </a:p>
-        </p:txBody>
-      </p:sp>
-      <p:sp>
-        <p:nvSpPr>
-          <p:cNvPr id="14" name="圆角矩形 13"/>
-          <p:cNvSpPr/>
-          <p:nvPr/>
-        </p:nvSpPr>
-        <p:spPr>
-          <a:xfrm>
-            <a:off x="6399212" y="5333547"/>
-            <a:ext cx="1440160" cy="432048"/>
-          </a:xfrm>
-          <a:prstGeom prst="roundRect">
-            <a:avLst/>
-          </a:prstGeom>
-        </p:spPr>
-        <p:style>
-          <a:lnRef idx="1">
-            <a:schemeClr val="accent1"/>
-          </a:lnRef>
-          <a:fillRef idx="2">
-            <a:schemeClr val="accent1"/>
-          </a:fillRef>
-          <a:effectRef idx="1">
-            <a:schemeClr val="accent1"/>
-          </a:effectRef>
-          <a:fontRef idx="minor">
-            <a:schemeClr val="dk1"/>
-          </a:fontRef>
-        </p:style>
-        <p:txBody>
-          <a:bodyPr rtlCol="0" anchor="ctr"/>
-          <a:lstStyle/>
-          <a:p>
-            <a:pPr algn="ctr"/>
-            <a:r>
-              <a:rPr lang="zh-CN" altLang="en-US"/>
-              <a:t>兴趣</a:t>
-            </a:r>
-          </a:p>
-        </p:txBody>
-      </p:sp>
-      <p:sp>
-        <p:nvSpPr>
-          <p:cNvPr id="15" name="圆角矩形 14"/>
-          <p:cNvSpPr/>
-          <p:nvPr/>
-        </p:nvSpPr>
-        <p:spPr>
-          <a:xfrm>
-            <a:off x="6399212" y="6126826"/>
-            <a:ext cx="1440160" cy="432048"/>
-          </a:xfrm>
-          <a:prstGeom prst="roundRect">
-            <a:avLst/>
-          </a:prstGeom>
-        </p:spPr>
-        <p:style>
-          <a:lnRef idx="1">
-            <a:schemeClr val="accent1"/>
-          </a:lnRef>
-          <a:fillRef idx="2">
-            <a:schemeClr val="accent1"/>
-          </a:fillRef>
-          <a:effectRef idx="1">
-            <a:schemeClr val="accent1"/>
-          </a:effectRef>
-          <a:fontRef idx="minor">
-            <a:schemeClr val="dk1"/>
-          </a:fontRef>
-        </p:style>
-        <p:txBody>
-          <a:bodyPr rtlCol="0" anchor="ctr"/>
-          <a:lstStyle/>
-          <a:p>
-            <a:pPr algn="ctr"/>
-            <a:r>
-              <a:rPr lang="zh-CN" altLang="en-US" smtClean="0"/>
-              <a:t>教育</a:t>
-            </a:r>
-            <a:endParaRPr lang="zh-CN" altLang="en-US"/>
-          </a:p>
-        </p:txBody>
-      </p:sp>
-      <p:cxnSp>
-        <p:nvCxnSpPr>
-          <p:cNvPr id="16" name="直接箭头连接符 15"/>
-          <p:cNvCxnSpPr>
-            <a:stCxn id="13" idx="1"/>
-          </p:cNvCxnSpPr>
-          <p:nvPr/>
-        </p:nvCxnSpPr>
-        <p:spPr>
-          <a:xfrm flipH="1">
-            <a:off x="4932040" y="4785636"/>
-            <a:ext cx="1467172" cy="547911"/>
-          </a:xfrm>
-          <a:prstGeom prst="straightConnector1">
-            <a:avLst/>
-          </a:prstGeom>
-          <a:ln w="38100">
-            <a:solidFill>
-              <a:schemeClr val="accent3">
-                <a:lumMod val="60000"/>
-                <a:lumOff val="40000"/>
-              </a:schemeClr>
-            </a:solidFill>
-            <a:tailEnd type="triangle" w="med" len="lg"/>
-          </a:ln>
-        </p:spPr>
-        <p:style>
-          <a:lnRef idx="1">
-            <a:schemeClr val="accent1"/>
-          </a:lnRef>
-          <a:fillRef idx="0">
-            <a:schemeClr val="accent1"/>
-          </a:fillRef>
-          <a:effectRef idx="0">
-            <a:schemeClr val="accent1"/>
-          </a:effectRef>
-          <a:fontRef idx="minor">
-            <a:schemeClr val="tx1"/>
-          </a:fontRef>
-        </p:style>
-      </p:cxnSp>
-      <p:cxnSp>
-        <p:nvCxnSpPr>
-          <p:cNvPr id="19" name="直接箭头连接符 18"/>
-          <p:cNvCxnSpPr>
-            <a:stCxn id="14" idx="1"/>
-          </p:cNvCxnSpPr>
-          <p:nvPr/>
-        </p:nvCxnSpPr>
-        <p:spPr>
-          <a:xfrm flipH="1">
-            <a:off x="4932040" y="5549571"/>
-            <a:ext cx="1467172" cy="0"/>
-          </a:xfrm>
-          <a:prstGeom prst="straightConnector1">
-            <a:avLst/>
-          </a:prstGeom>
-          <a:ln w="38100">
-            <a:solidFill>
-              <a:schemeClr val="accent3">
-                <a:lumMod val="60000"/>
-                <a:lumOff val="40000"/>
-              </a:schemeClr>
-            </a:solidFill>
-            <a:tailEnd type="triangle" w="med" len="lg"/>
-          </a:ln>
-        </p:spPr>
-        <p:style>
-          <a:lnRef idx="1">
-            <a:schemeClr val="accent1"/>
-          </a:lnRef>
-          <a:fillRef idx="0">
-            <a:schemeClr val="accent1"/>
-          </a:fillRef>
-          <a:effectRef idx="0">
-            <a:schemeClr val="accent1"/>
-          </a:effectRef>
-          <a:fontRef idx="minor">
-            <a:schemeClr val="tx1"/>
-          </a:fontRef>
-        </p:style>
-      </p:cxnSp>
-      <p:cxnSp>
-        <p:nvCxnSpPr>
-          <p:cNvPr id="22" name="直接箭头连接符 21"/>
-          <p:cNvCxnSpPr>
-            <a:stCxn id="15" idx="1"/>
-          </p:cNvCxnSpPr>
-          <p:nvPr/>
-        </p:nvCxnSpPr>
-        <p:spPr>
-          <a:xfrm flipH="1" flipV="1">
-            <a:off x="4932040" y="5765595"/>
-            <a:ext cx="1467172" cy="577255"/>
-          </a:xfrm>
-          <a:prstGeom prst="straightConnector1">
-            <a:avLst/>
-          </a:prstGeom>
-          <a:ln w="38100">
-            <a:solidFill>
-              <a:schemeClr val="accent3">
-                <a:lumMod val="60000"/>
-                <a:lumOff val="40000"/>
-              </a:schemeClr>
-            </a:solidFill>
-            <a:tailEnd type="triangle" w="med" len="lg"/>
-          </a:ln>
-        </p:spPr>
-        <p:style>
-          <a:lnRef idx="1">
-            <a:schemeClr val="accent1"/>
-          </a:lnRef>
-          <a:fillRef idx="0">
-            <a:schemeClr val="accent1"/>
-          </a:fillRef>
-          <a:effectRef idx="0">
-            <a:schemeClr val="accent1"/>
-          </a:effectRef>
-          <a:fontRef idx="minor">
-            <a:schemeClr val="tx1"/>
-          </a:fontRef>
-        </p:style>
-      </p:cxnSp>
-      <p:sp>
-        <p:nvSpPr>
-          <p:cNvPr id="17" name="TextBox 16"/>
-          <p:cNvSpPr txBox="1"/>
-          <p:nvPr/>
-        </p:nvSpPr>
-        <p:spPr>
-          <a:xfrm>
-            <a:off x="5652120" y="5148881"/>
-            <a:ext cx="646331" cy="369332"/>
-          </a:xfrm>
-          <a:prstGeom prst="rect">
-            <a:avLst/>
-          </a:prstGeom>
-          <a:noFill/>
-        </p:spPr>
-        <p:txBody>
-          <a:bodyPr wrap="none" rtlCol="0">
-            <a:spAutoFit/>
-          </a:bodyPr>
-          <a:lstStyle/>
-          <a:p>
-            <a:r>
-              <a:rPr lang="zh-CN" altLang="en-US" smtClean="0"/>
-              <a:t>安装</a:t>
-            </a:r>
-            <a:endParaRPr lang="zh-CN" altLang="en-US"/>
-          </a:p>
-        </p:txBody>
-      </p:sp>
-      <p:sp>
-        <p:nvSpPr>
-          <p:cNvPr id="27" name="圆角矩形 26"/>
-          <p:cNvSpPr/>
-          <p:nvPr/>
-        </p:nvSpPr>
-        <p:spPr>
-          <a:xfrm>
-            <a:off x="640432" y="5422353"/>
-            <a:ext cx="1440160" cy="432048"/>
-          </a:xfrm>
-          <a:prstGeom prst="roundRect">
-            <a:avLst/>
-          </a:prstGeom>
-        </p:spPr>
-        <p:style>
-          <a:lnRef idx="1">
-            <a:schemeClr val="accent1"/>
-          </a:lnRef>
-          <a:fillRef idx="2">
-            <a:schemeClr val="accent1"/>
-          </a:fillRef>
-          <a:effectRef idx="1">
-            <a:schemeClr val="accent1"/>
-          </a:effectRef>
-          <a:fontRef idx="minor">
-            <a:schemeClr val="dk1"/>
-          </a:fontRef>
-        </p:style>
-        <p:txBody>
-          <a:bodyPr rtlCol="0" anchor="ctr"/>
-          <a:lstStyle/>
-          <a:p>
-            <a:pPr algn="ctr"/>
-            <a:r>
-              <a:rPr lang="zh-CN" altLang="en-US"/>
-              <a:t>更新</a:t>
-            </a:r>
-          </a:p>
-        </p:txBody>
-      </p:sp>
-      <p:cxnSp>
-        <p:nvCxnSpPr>
-          <p:cNvPr id="28" name="直接箭头连接符 27"/>
-          <p:cNvCxnSpPr>
-            <a:stCxn id="27" idx="3"/>
-          </p:cNvCxnSpPr>
-          <p:nvPr/>
-        </p:nvCxnSpPr>
-        <p:spPr>
-          <a:xfrm>
-            <a:off x="2080592" y="5638377"/>
-            <a:ext cx="1411288" cy="0"/>
-          </a:xfrm>
-          <a:prstGeom prst="straightConnector1">
-            <a:avLst/>
-          </a:prstGeom>
-          <a:ln w="38100">
-            <a:solidFill>
-              <a:schemeClr val="accent3">
-                <a:lumMod val="60000"/>
-                <a:lumOff val="40000"/>
-              </a:schemeClr>
-            </a:solidFill>
-            <a:tailEnd type="triangle" w="med" len="lg"/>
-          </a:ln>
-        </p:spPr>
-        <p:style>
-          <a:lnRef idx="1">
-            <a:schemeClr val="accent1"/>
-          </a:lnRef>
-          <a:fillRef idx="0">
-            <a:schemeClr val="accent1"/>
-          </a:fillRef>
-          <a:effectRef idx="0">
-            <a:schemeClr val="accent1"/>
-          </a:effectRef>
-          <a:fontRef idx="minor">
-            <a:schemeClr val="tx1"/>
-          </a:fontRef>
-        </p:style>
-      </p:cxnSp>
-      <p:sp>
-        <p:nvSpPr>
-          <p:cNvPr id="32" name="TextBox 31"/>
-          <p:cNvSpPr txBox="1"/>
-          <p:nvPr/>
-        </p:nvSpPr>
-        <p:spPr>
-          <a:xfrm>
-            <a:off x="2162080" y="5148881"/>
-            <a:ext cx="1107996" cy="369332"/>
-          </a:xfrm>
-          <a:prstGeom prst="rect">
-            <a:avLst/>
-          </a:prstGeom>
-          <a:noFill/>
-        </p:spPr>
-        <p:txBody>
-          <a:bodyPr wrap="none" rtlCol="0">
-            <a:spAutoFit/>
-          </a:bodyPr>
-          <a:lstStyle/>
-          <a:p>
-            <a:r>
-              <a:rPr lang="zh-CN" altLang="en-US"/>
-              <a:t>维护联系</a:t>
-            </a:r>
-          </a:p>
-        </p:txBody>
-      </p:sp>
       <p:pic>
         <p:nvPicPr>
-          <p:cNvPr id="2055" name="Picture 7" descr="C:\Users\maochunyang\AppData\Local\Microsoft\Windows\Temporary Internet Files\Content.IE5\6AJX1CLY\MC900434601[1].wmf"/>
+          <p:cNvPr id="1027" name="Picture 3"/>
           <p:cNvPicPr>
             <a:picLocks noChangeAspect="1" noChangeArrowheads="1"/>
           </p:cNvPicPr>
           <p:nvPr/>
         </p:nvPicPr>
         <p:blipFill>
-          <a:blip r:embed="rId2" cstate="print">
+          <a:blip r:embed="rId3">
             <a:extLst>
               <a:ext uri="{28A0092B-C50C-407E-A947-70E740481C1C}">
                 <a14:useLocalDpi xmlns:a14="http://schemas.microsoft.com/office/drawing/2010/main" val="0"/>
@@ -9811,513 +9381,8 @@
         </p:blipFill>
         <p:spPr bwMode="auto">
           <a:xfrm>
-            <a:off x="3591434" y="4797672"/>
-            <a:ext cx="1274588" cy="1733773"/>
-          </a:xfrm>
-          <a:prstGeom prst="rect">
-            <a:avLst/>
-          </a:prstGeom>
-          <a:noFill/>
-          <a:extLst>
-            <a:ext uri="{909E8E84-426E-40DD-AFC4-6F175D3DCCD1}">
-              <a14:hiddenFill xmlns:a14="http://schemas.microsoft.com/office/drawing/2010/main">
-                <a:solidFill>
-                  <a:srgbClr val="FFFFFF"/>
-                </a:solidFill>
-              </a14:hiddenFill>
-            </a:ext>
-          </a:extLst>
-        </p:spPr>
-      </p:pic>
-    </p:spTree>
-    <p:extLst>
-      <p:ext uri="{BB962C8B-B14F-4D97-AF65-F5344CB8AC3E}">
-        <p14:creationId xmlns:p14="http://schemas.microsoft.com/office/powerpoint/2010/main" val="3201538388"/>
-      </p:ext>
-    </p:extLst>
-  </p:cSld>
-  <p:clrMapOvr>
-    <a:masterClrMapping/>
-  </p:clrMapOvr>
-  <p:timing>
-    <p:tnLst>
-      <p:par>
-        <p:cTn id="1" dur="indefinite" restart="never" nodeType="tmRoot"/>
-      </p:par>
-    </p:tnLst>
-  </p:timing>
-</p:sld>
-</file>
-
-<file path=ppt/slides/slide5.xml><?xml version="1.0" encoding="utf-8"?>
-<p:sld xmlns:a="http://schemas.openxmlformats.org/drawingml/2006/main" xmlns:r="http://schemas.openxmlformats.org/officeDocument/2006/relationships" xmlns:p="http://schemas.openxmlformats.org/presentationml/2006/main">
-  <p:cSld>
-    <p:spTree>
-      <p:nvGrpSpPr>
-        <p:cNvPr id="1" name=""/>
-        <p:cNvGrpSpPr/>
-        <p:nvPr/>
-      </p:nvGrpSpPr>
-      <p:grpSpPr>
-        <a:xfrm>
-          <a:off x="0" y="0"/>
-          <a:ext cx="0" cy="0"/>
-          <a:chOff x="0" y="0"/>
-          <a:chExt cx="0" cy="0"/>
-        </a:xfrm>
-      </p:grpSpPr>
-      <p:sp>
-        <p:nvSpPr>
-          <p:cNvPr id="2" name="标题 1"/>
-          <p:cNvSpPr>
-            <a:spLocks noGrp="1"/>
-          </p:cNvSpPr>
-          <p:nvPr>
-            <p:ph type="title"/>
-          </p:nvPr>
-        </p:nvSpPr>
-        <p:spPr/>
-        <p:txBody>
-          <a:bodyPr/>
-          <a:lstStyle/>
-          <a:p>
-            <a:r>
-              <a:rPr lang="zh-CN" altLang="en-US" smtClean="0"/>
-              <a:t>客户行为 </a:t>
-            </a:r>
-            <a:r>
-              <a:rPr lang="en-US" altLang="zh-CN" smtClean="0"/>
-              <a:t>– </a:t>
-            </a:r>
-            <a:r>
-              <a:rPr lang="zh-CN" altLang="en-US" smtClean="0"/>
-              <a:t>运行</a:t>
-            </a:r>
-            <a:endParaRPr lang="zh-CN" altLang="en-US"/>
-          </a:p>
-        </p:txBody>
-      </p:sp>
-      <p:sp>
-        <p:nvSpPr>
-          <p:cNvPr id="3" name="内容占位符 2"/>
-          <p:cNvSpPr>
-            <a:spLocks noGrp="1"/>
-          </p:cNvSpPr>
-          <p:nvPr>
-            <p:ph sz="quarter" idx="1"/>
-          </p:nvPr>
-        </p:nvSpPr>
-        <p:spPr>
-          <a:xfrm>
-            <a:off x="457200" y="1600200"/>
-            <a:ext cx="7859216" cy="4997152"/>
-          </a:xfrm>
-        </p:spPr>
-        <p:txBody>
-          <a:bodyPr>
-            <a:normAutofit/>
-          </a:bodyPr>
-          <a:lstStyle/>
-          <a:p>
-            <a:r>
-              <a:rPr lang="zh-CN" altLang="en-US" smtClean="0"/>
-              <a:t>运行软件期望：</a:t>
-            </a:r>
-            <a:endParaRPr lang="en-US" altLang="zh-CN" smtClean="0"/>
-          </a:p>
-          <a:p>
-            <a:pPr lvl="1"/>
-            <a:r>
-              <a:rPr lang="zh-CN" altLang="en-US" smtClean="0"/>
-              <a:t>非熟悉者：打开现有一个或多个项目，快速查看运行效果，看是否能够引起自己兴趣，然后决定是否继续使用。</a:t>
-            </a:r>
-            <a:endParaRPr lang="en-US" altLang="zh-CN" smtClean="0"/>
-          </a:p>
-          <a:p>
-            <a:pPr lvl="2"/>
-            <a:r>
-              <a:rPr lang="zh-CN" altLang="en-US">
-                <a:solidFill>
-                  <a:srgbClr val="FF0000"/>
-                </a:solidFill>
-              </a:rPr>
-              <a:t>关注</a:t>
-            </a:r>
-            <a:r>
-              <a:rPr lang="zh-CN" altLang="en-US" smtClean="0">
-                <a:solidFill>
-                  <a:srgbClr val="FF0000"/>
-                </a:solidFill>
-              </a:rPr>
-              <a:t>点：调查放弃原因。</a:t>
-            </a:r>
-            <a:r>
-              <a:rPr lang="en-US" altLang="zh-CN" smtClean="0"/>
-              <a:t/>
-            </a:r>
-            <a:br>
-              <a:rPr lang="en-US" altLang="zh-CN" smtClean="0"/>
-            </a:br>
-            <a:r>
-              <a:rPr lang="zh-CN" altLang="en-US" smtClean="0"/>
-              <a:t>（卸载等操作填写调查报告，很多软件都会有这个调查）</a:t>
-            </a:r>
-            <a:endParaRPr lang="en-US" altLang="zh-CN"/>
-          </a:p>
-          <a:p>
-            <a:pPr lvl="1"/>
-            <a:r>
-              <a:rPr lang="zh-CN" altLang="en-US"/>
-              <a:t>如果想继续使用</a:t>
-            </a:r>
-            <a:r>
-              <a:rPr lang="zh-CN" altLang="en-US" smtClean="0"/>
-              <a:t>：创建空项目或修改范例，自己动手</a:t>
-            </a:r>
-            <a:r>
-              <a:rPr lang="zh-CN" altLang="en-US"/>
-              <a:t>实践</a:t>
-            </a:r>
-            <a:r>
-              <a:rPr lang="zh-CN" altLang="en-US" smtClean="0"/>
-              <a:t>。</a:t>
-            </a:r>
-            <a:endParaRPr lang="en-US" altLang="zh-CN" smtClean="0"/>
-          </a:p>
-          <a:p>
-            <a:pPr lvl="2"/>
-            <a:r>
-              <a:rPr lang="zh-CN" altLang="en-US" smtClean="0">
-                <a:solidFill>
-                  <a:srgbClr val="FF0000"/>
-                </a:solidFill>
-              </a:rPr>
-              <a:t>关注点：如何能方便的获得相关</a:t>
-            </a:r>
-            <a:r>
-              <a:rPr lang="zh-CN" altLang="en-US">
-                <a:solidFill>
-                  <a:srgbClr val="FF0000"/>
-                </a:solidFill>
-              </a:rPr>
-              <a:t>资料</a:t>
-            </a:r>
-            <a:r>
-              <a:rPr lang="zh-CN" altLang="en-US" smtClean="0">
-                <a:solidFill>
-                  <a:srgbClr val="FF0000"/>
-                </a:solidFill>
-              </a:rPr>
-              <a:t>。</a:t>
-            </a:r>
-            <a:r>
-              <a:rPr lang="en-US" altLang="zh-CN" smtClean="0">
-                <a:solidFill>
-                  <a:srgbClr val="FF0000"/>
-                </a:solidFill>
-              </a:rPr>
-              <a:t/>
-            </a:r>
-            <a:br>
-              <a:rPr lang="en-US" altLang="zh-CN" smtClean="0">
-                <a:solidFill>
-                  <a:srgbClr val="FF0000"/>
-                </a:solidFill>
-              </a:rPr>
-            </a:br>
-            <a:r>
-              <a:rPr lang="zh-CN" altLang="en-US" smtClean="0"/>
-              <a:t>（怎样提供快速的帮助界面，如何快速获得教材是关键）</a:t>
-            </a:r>
-            <a:endParaRPr lang="en-US" altLang="zh-CN" smtClean="0"/>
-          </a:p>
-          <a:p>
-            <a:pPr lvl="1"/>
-            <a:r>
-              <a:rPr lang="zh-CN" altLang="en-US" smtClean="0"/>
-              <a:t>制作者：打开自己的历史项目，继续</a:t>
-            </a:r>
-            <a:r>
-              <a:rPr lang="zh-CN" altLang="en-US"/>
-              <a:t>未</a:t>
-            </a:r>
-            <a:r>
-              <a:rPr lang="zh-CN" altLang="en-US" smtClean="0"/>
-              <a:t>完成的操作。</a:t>
-            </a:r>
-            <a:endParaRPr lang="en-US" altLang="zh-CN" smtClean="0"/>
-          </a:p>
-          <a:p>
-            <a:pPr lvl="2"/>
-            <a:r>
-              <a:rPr lang="zh-CN" altLang="en-US" smtClean="0">
-                <a:solidFill>
-                  <a:srgbClr val="FF0000"/>
-                </a:solidFill>
-              </a:rPr>
-              <a:t>关注点：如何展现项目布局和工具集合，方便修改。</a:t>
-            </a:r>
-            <a:r>
-              <a:rPr lang="en-US" altLang="zh-CN" smtClean="0">
-                <a:solidFill>
-                  <a:srgbClr val="FF0000"/>
-                </a:solidFill>
-              </a:rPr>
-              <a:t/>
-            </a:r>
-            <a:br>
-              <a:rPr lang="en-US" altLang="zh-CN" smtClean="0">
-                <a:solidFill>
-                  <a:srgbClr val="FF0000"/>
-                </a:solidFill>
-              </a:rPr>
-            </a:br>
-            <a:r>
-              <a:rPr lang="zh-CN" altLang="en-US" smtClean="0"/>
-              <a:t>（界面设计，需要的工具能够马上显示）</a:t>
-            </a:r>
-            <a:endParaRPr lang="en-US" altLang="zh-CN" smtClean="0"/>
-          </a:p>
-          <a:p>
-            <a:pPr lvl="1"/>
-            <a:r>
-              <a:rPr lang="zh-CN" altLang="en-US" smtClean="0"/>
-              <a:t>发布者：发布自己的项目。</a:t>
-            </a:r>
-            <a:endParaRPr lang="en-US" altLang="zh-CN" smtClean="0"/>
-          </a:p>
-          <a:p>
-            <a:pPr lvl="2"/>
-            <a:r>
-              <a:rPr lang="zh-CN" altLang="en-US">
-                <a:solidFill>
-                  <a:srgbClr val="FF0000"/>
-                </a:solidFill>
-              </a:rPr>
-              <a:t>关注</a:t>
-            </a:r>
-            <a:r>
-              <a:rPr lang="zh-CN" altLang="en-US" smtClean="0">
-                <a:solidFill>
-                  <a:srgbClr val="FF0000"/>
-                </a:solidFill>
-              </a:rPr>
-              <a:t>点：</a:t>
-            </a:r>
-            <a:r>
-              <a:rPr lang="zh-CN" altLang="en-US">
-                <a:solidFill>
-                  <a:srgbClr val="FF0000"/>
-                </a:solidFill>
-              </a:rPr>
-              <a:t>如何快速发布，能和别人</a:t>
-            </a:r>
-            <a:r>
-              <a:rPr lang="zh-CN" altLang="en-US" smtClean="0">
-                <a:solidFill>
-                  <a:srgbClr val="FF0000"/>
-                </a:solidFill>
-              </a:rPr>
-              <a:t>共享</a:t>
-            </a:r>
-            <a:r>
-              <a:rPr lang="zh-CN" altLang="en-US">
-                <a:solidFill>
-                  <a:srgbClr val="FF0000"/>
-                </a:solidFill>
-              </a:rPr>
-              <a:t>成果</a:t>
-            </a:r>
-            <a:r>
-              <a:rPr lang="zh-CN" altLang="en-US" smtClean="0">
-                <a:solidFill>
-                  <a:srgbClr val="FF0000"/>
-                </a:solidFill>
-              </a:rPr>
-              <a:t>。</a:t>
-            </a:r>
-            <a:r>
-              <a:rPr lang="en-US" altLang="zh-CN">
-                <a:solidFill>
-                  <a:srgbClr val="FF0000"/>
-                </a:solidFill>
-              </a:rPr>
-              <a:t/>
-            </a:r>
-            <a:br>
-              <a:rPr lang="en-US" altLang="zh-CN">
-                <a:solidFill>
-                  <a:srgbClr val="FF0000"/>
-                </a:solidFill>
-              </a:rPr>
-            </a:br>
-            <a:r>
-              <a:rPr lang="zh-CN" altLang="en-US" smtClean="0"/>
-              <a:t>（并非所有项目都是为了盈利，有些只是分享目的）</a:t>
-            </a:r>
-            <a:endParaRPr lang="en-US" altLang="zh-CN" smtClean="0"/>
-          </a:p>
-          <a:p>
-            <a:pPr marL="0" indent="0">
-              <a:buNone/>
-            </a:pPr>
-            <a:endParaRPr lang="en-US" altLang="zh-CN" smtClean="0"/>
-          </a:p>
-        </p:txBody>
-      </p:sp>
-    </p:spTree>
-    <p:extLst>
-      <p:ext uri="{BB962C8B-B14F-4D97-AF65-F5344CB8AC3E}">
-        <p14:creationId xmlns:p14="http://schemas.microsoft.com/office/powerpoint/2010/main" val="1821234753"/>
-      </p:ext>
-    </p:extLst>
-  </p:cSld>
-  <p:clrMapOvr>
-    <a:masterClrMapping/>
-  </p:clrMapOvr>
-</p:sld>
-</file>
-
-<file path=ppt/slides/slide6.xml><?xml version="1.0" encoding="utf-8"?>
-<p:sld xmlns:a="http://schemas.openxmlformats.org/drawingml/2006/main" xmlns:r="http://schemas.openxmlformats.org/officeDocument/2006/relationships" xmlns:p="http://schemas.openxmlformats.org/presentationml/2006/main">
-  <p:cSld>
-    <p:spTree>
-      <p:nvGrpSpPr>
-        <p:cNvPr id="1" name=""/>
-        <p:cNvGrpSpPr/>
-        <p:nvPr/>
-      </p:nvGrpSpPr>
-      <p:grpSpPr>
-        <a:xfrm>
-          <a:off x="0" y="0"/>
-          <a:ext cx="0" cy="0"/>
-          <a:chOff x="0" y="0"/>
-          <a:chExt cx="0" cy="0"/>
-        </a:xfrm>
-      </p:grpSpPr>
-      <p:sp>
-        <p:nvSpPr>
-          <p:cNvPr id="2" name="标题 1"/>
-          <p:cNvSpPr>
-            <a:spLocks noGrp="1"/>
-          </p:cNvSpPr>
-          <p:nvPr>
-            <p:ph type="title"/>
-          </p:nvPr>
-        </p:nvSpPr>
-        <p:spPr/>
-        <p:txBody>
-          <a:bodyPr/>
-          <a:lstStyle/>
-          <a:p>
-            <a:r>
-              <a:rPr lang="zh-CN" altLang="en-US" smtClean="0"/>
-              <a:t>客户行为 </a:t>
-            </a:r>
-            <a:r>
-              <a:rPr lang="en-US" altLang="zh-CN" smtClean="0"/>
-              <a:t>– </a:t>
-            </a:r>
-            <a:r>
-              <a:rPr lang="zh-CN" altLang="en-US" smtClean="0"/>
-              <a:t>运行</a:t>
-            </a:r>
-            <a:endParaRPr lang="zh-CN" altLang="en-US"/>
-          </a:p>
-        </p:txBody>
-      </p:sp>
-      <p:sp>
-        <p:nvSpPr>
-          <p:cNvPr id="3" name="内容占位符 2"/>
-          <p:cNvSpPr>
-            <a:spLocks noGrp="1"/>
-          </p:cNvSpPr>
-          <p:nvPr>
-            <p:ph sz="quarter" idx="1"/>
-          </p:nvPr>
-        </p:nvSpPr>
-        <p:spPr>
-          <a:xfrm>
-            <a:off x="457200" y="1600200"/>
-            <a:ext cx="7859216" cy="4997152"/>
-          </a:xfrm>
-        </p:spPr>
-        <p:txBody>
-          <a:bodyPr>
-            <a:normAutofit/>
-          </a:bodyPr>
-          <a:lstStyle/>
-          <a:p>
-            <a:r>
-              <a:rPr lang="zh-CN" altLang="en-US"/>
-              <a:t>快捷</a:t>
-            </a:r>
-            <a:r>
-              <a:rPr lang="zh-CN" altLang="en-US" smtClean="0"/>
-              <a:t>，漂亮的展现</a:t>
-            </a:r>
-            <a:r>
-              <a:rPr lang="zh-CN" altLang="en-US"/>
-              <a:t>本地</a:t>
-            </a:r>
-            <a:r>
-              <a:rPr lang="en-US" altLang="zh-CN"/>
-              <a:t>/</a:t>
-            </a:r>
-            <a:r>
-              <a:rPr lang="zh-CN" altLang="en-US"/>
-              <a:t>在线</a:t>
-            </a:r>
-            <a:r>
-              <a:rPr lang="zh-CN" altLang="en-US" smtClean="0"/>
-              <a:t>项目是界面的关键。</a:t>
-            </a:r>
-            <a:endParaRPr lang="en-US" altLang="zh-CN" smtClean="0"/>
-          </a:p>
-          <a:p>
-            <a:r>
-              <a:rPr lang="zh-CN" altLang="en-US"/>
-              <a:t>界面能够</a:t>
-            </a:r>
-            <a:r>
-              <a:rPr lang="zh-CN" altLang="en-US" smtClean="0"/>
-              <a:t>吸引人，找到自己需要的是关键。</a:t>
-            </a:r>
-            <a:endParaRPr lang="en-US" altLang="zh-CN" smtClean="0"/>
-          </a:p>
-          <a:p>
-            <a:pPr marL="0" indent="0">
-              <a:buNone/>
-            </a:pPr>
-            <a:endParaRPr lang="en-US" altLang="zh-CN" smtClean="0"/>
-          </a:p>
-        </p:txBody>
-      </p:sp>
-      <p:pic>
-        <p:nvPicPr>
-          <p:cNvPr id="4" name="Picture 2"/>
-          <p:cNvPicPr>
-            <a:picLocks noChangeAspect="1" noChangeArrowheads="1"/>
-          </p:cNvPicPr>
-          <p:nvPr/>
-        </p:nvPicPr>
-        <p:blipFill>
-          <a:blip r:embed="rId2">
-            <a:extLst>
-              <a:ext uri="{28A0092B-C50C-407E-A947-70E740481C1C}">
-                <a14:useLocalDpi xmlns:a14="http://schemas.microsoft.com/office/drawing/2010/main" val="0"/>
-              </a:ext>
-            </a:extLst>
-          </a:blip>
-          <a:srcRect/>
-          <a:stretch>
-            <a:fillRect/>
-          </a:stretch>
-        </p:blipFill>
-        <p:spPr bwMode="auto">
-          <a:xfrm>
-            <a:off x="1619672" y="2492896"/>
-            <a:ext cx="7074363" cy="4244618"/>
+            <a:off x="5652120" y="2700105"/>
+            <a:ext cx="2550962" cy="2033634"/>
           </a:xfrm>
           <a:prstGeom prst="rect">
             <a:avLst/>
@@ -10360,7 +9425,1486 @@
     </p:spTree>
     <p:extLst>
       <p:ext uri="{BB962C8B-B14F-4D97-AF65-F5344CB8AC3E}">
-        <p14:creationId xmlns:p14="http://schemas.microsoft.com/office/powerpoint/2010/main" val="2291188887"/>
+        <p14:creationId xmlns:p14="http://schemas.microsoft.com/office/powerpoint/2010/main" val="2410294602"/>
+      </p:ext>
+    </p:extLst>
+  </p:cSld>
+  <p:clrMapOvr>
+    <a:masterClrMapping/>
+  </p:clrMapOvr>
+</p:sld>
+</file>
+
+<file path=ppt/slides/slide4.xml><?xml version="1.0" encoding="utf-8"?>
+<p:sld xmlns:a="http://schemas.openxmlformats.org/drawingml/2006/main" xmlns:r="http://schemas.openxmlformats.org/officeDocument/2006/relationships" xmlns:p="http://schemas.openxmlformats.org/presentationml/2006/main">
+  <p:cSld>
+    <p:spTree>
+      <p:nvGrpSpPr>
+        <p:cNvPr id="1" name=""/>
+        <p:cNvGrpSpPr/>
+        <p:nvPr/>
+      </p:nvGrpSpPr>
+      <p:grpSpPr>
+        <a:xfrm>
+          <a:off x="0" y="0"/>
+          <a:ext cx="0" cy="0"/>
+          <a:chOff x="0" y="0"/>
+          <a:chExt cx="0" cy="0"/>
+        </a:xfrm>
+      </p:grpSpPr>
+      <p:sp>
+        <p:nvSpPr>
+          <p:cNvPr id="2" name="标题 1"/>
+          <p:cNvSpPr>
+            <a:spLocks noGrp="1"/>
+          </p:cNvSpPr>
+          <p:nvPr>
+            <p:ph type="title"/>
+          </p:nvPr>
+        </p:nvSpPr>
+        <p:spPr/>
+        <p:txBody>
+          <a:bodyPr/>
+          <a:lstStyle/>
+          <a:p>
+            <a:r>
+              <a:rPr lang="zh-CN" altLang="en-US" smtClean="0"/>
+              <a:t>客户行为</a:t>
+            </a:r>
+            <a:endParaRPr lang="zh-CN" altLang="en-US"/>
+          </a:p>
+        </p:txBody>
+      </p:sp>
+      <p:sp>
+        <p:nvSpPr>
+          <p:cNvPr id="3" name="内容占位符 2"/>
+          <p:cNvSpPr>
+            <a:spLocks noGrp="1"/>
+          </p:cNvSpPr>
+          <p:nvPr>
+            <p:ph sz="quarter" idx="1"/>
+          </p:nvPr>
+        </p:nvSpPr>
+        <p:spPr>
+          <a:xfrm>
+            <a:off x="457200" y="1600200"/>
+            <a:ext cx="8147248" cy="4997152"/>
+          </a:xfrm>
+        </p:spPr>
+        <p:txBody>
+          <a:bodyPr>
+            <a:normAutofit/>
+          </a:bodyPr>
+          <a:lstStyle/>
+          <a:p>
+            <a:r>
+              <a:rPr lang="zh-CN" altLang="en-US" smtClean="0"/>
+              <a:t>使用</a:t>
+            </a:r>
+            <a:r>
+              <a:rPr lang="en-US" altLang="zh-CN" smtClean="0"/>
+              <a:t>G3D</a:t>
+            </a:r>
+            <a:r>
+              <a:rPr lang="zh-CN" altLang="en-US" smtClean="0"/>
+              <a:t>工具过程。</a:t>
+            </a:r>
+            <a:endParaRPr lang="en-US" altLang="zh-CN" smtClean="0"/>
+          </a:p>
+          <a:p>
+            <a:r>
+              <a:rPr lang="zh-CN" altLang="en-US" smtClean="0"/>
+              <a:t>行为分解</a:t>
+            </a:r>
+            <a:endParaRPr lang="en-US" altLang="zh-CN" smtClean="0"/>
+          </a:p>
+          <a:p>
+            <a:pPr lvl="1"/>
+            <a:r>
+              <a:rPr lang="zh-CN" altLang="en-US" smtClean="0"/>
+              <a:t>根据每个行为和期望</a:t>
+            </a:r>
+            <a:r>
+              <a:rPr lang="en-US" altLang="zh-CN" smtClean="0"/>
+              <a:t/>
+            </a:r>
+            <a:br>
+              <a:rPr lang="en-US" altLang="zh-CN" smtClean="0"/>
+            </a:br>
+            <a:r>
+              <a:rPr lang="zh-CN" altLang="en-US" smtClean="0"/>
+              <a:t>确定界面布局方式和好的操作的方案。</a:t>
+            </a:r>
+            <a:endParaRPr lang="en-US" altLang="zh-CN" smtClean="0"/>
+          </a:p>
+          <a:p>
+            <a:pPr lvl="1"/>
+            <a:endParaRPr lang="en-US" altLang="zh-CN" smtClean="0"/>
+          </a:p>
+        </p:txBody>
+      </p:sp>
+      <p:sp>
+        <p:nvSpPr>
+          <p:cNvPr id="4" name="圆角矩形 3"/>
+          <p:cNvSpPr/>
+          <p:nvPr/>
+        </p:nvSpPr>
+        <p:spPr>
+          <a:xfrm>
+            <a:off x="708695" y="3972111"/>
+            <a:ext cx="1440160" cy="432048"/>
+          </a:xfrm>
+          <a:prstGeom prst="roundRect">
+            <a:avLst/>
+          </a:prstGeom>
+        </p:spPr>
+        <p:style>
+          <a:lnRef idx="1">
+            <a:schemeClr val="accent5"/>
+          </a:lnRef>
+          <a:fillRef idx="2">
+            <a:schemeClr val="accent5"/>
+          </a:fillRef>
+          <a:effectRef idx="1">
+            <a:schemeClr val="accent5"/>
+          </a:effectRef>
+          <a:fontRef idx="minor">
+            <a:schemeClr val="dk1"/>
+          </a:fontRef>
+        </p:style>
+        <p:txBody>
+          <a:bodyPr rtlCol="0" anchor="ctr"/>
+          <a:lstStyle/>
+          <a:p>
+            <a:pPr algn="ctr"/>
+            <a:r>
+              <a:rPr lang="zh-CN" altLang="en-US"/>
+              <a:t>获得</a:t>
+            </a:r>
+          </a:p>
+        </p:txBody>
+      </p:sp>
+      <p:sp>
+        <p:nvSpPr>
+          <p:cNvPr id="5" name="圆角矩形 4"/>
+          <p:cNvSpPr/>
+          <p:nvPr/>
+        </p:nvSpPr>
+        <p:spPr>
+          <a:xfrm>
+            <a:off x="2796927" y="3972111"/>
+            <a:ext cx="1440160" cy="432048"/>
+          </a:xfrm>
+          <a:prstGeom prst="roundRect">
+            <a:avLst/>
+          </a:prstGeom>
+        </p:spPr>
+        <p:style>
+          <a:lnRef idx="1">
+            <a:schemeClr val="accent5"/>
+          </a:lnRef>
+          <a:fillRef idx="2">
+            <a:schemeClr val="accent5"/>
+          </a:fillRef>
+          <a:effectRef idx="1">
+            <a:schemeClr val="accent5"/>
+          </a:effectRef>
+          <a:fontRef idx="minor">
+            <a:schemeClr val="dk1"/>
+          </a:fontRef>
+        </p:style>
+        <p:txBody>
+          <a:bodyPr rtlCol="0" anchor="ctr"/>
+          <a:lstStyle/>
+          <a:p>
+            <a:pPr algn="ctr"/>
+            <a:r>
+              <a:rPr lang="zh-CN" altLang="en-US" smtClean="0"/>
+              <a:t>运行</a:t>
+            </a:r>
+            <a:endParaRPr lang="zh-CN" altLang="en-US"/>
+          </a:p>
+        </p:txBody>
+      </p:sp>
+      <p:sp>
+        <p:nvSpPr>
+          <p:cNvPr id="6" name="圆角矩形 5"/>
+          <p:cNvSpPr/>
+          <p:nvPr/>
+        </p:nvSpPr>
+        <p:spPr>
+          <a:xfrm>
+            <a:off x="4813151" y="3972111"/>
+            <a:ext cx="1440160" cy="432048"/>
+          </a:xfrm>
+          <a:prstGeom prst="roundRect">
+            <a:avLst/>
+          </a:prstGeom>
+        </p:spPr>
+        <p:style>
+          <a:lnRef idx="1">
+            <a:schemeClr val="accent5"/>
+          </a:lnRef>
+          <a:fillRef idx="2">
+            <a:schemeClr val="accent5"/>
+          </a:fillRef>
+          <a:effectRef idx="1">
+            <a:schemeClr val="accent5"/>
+          </a:effectRef>
+          <a:fontRef idx="minor">
+            <a:schemeClr val="dk1"/>
+          </a:fontRef>
+        </p:style>
+        <p:txBody>
+          <a:bodyPr rtlCol="0" anchor="ctr"/>
+          <a:lstStyle/>
+          <a:p>
+            <a:pPr algn="ctr"/>
+            <a:r>
+              <a:rPr lang="zh-CN" altLang="en-US"/>
+              <a:t>编辑</a:t>
+            </a:r>
+          </a:p>
+        </p:txBody>
+      </p:sp>
+      <p:sp>
+        <p:nvSpPr>
+          <p:cNvPr id="7" name="圆角矩形 6"/>
+          <p:cNvSpPr/>
+          <p:nvPr/>
+        </p:nvSpPr>
+        <p:spPr>
+          <a:xfrm>
+            <a:off x="6829375" y="3972111"/>
+            <a:ext cx="1440160" cy="432048"/>
+          </a:xfrm>
+          <a:prstGeom prst="roundRect">
+            <a:avLst/>
+          </a:prstGeom>
+        </p:spPr>
+        <p:style>
+          <a:lnRef idx="1">
+            <a:schemeClr val="accent5"/>
+          </a:lnRef>
+          <a:fillRef idx="2">
+            <a:schemeClr val="accent5"/>
+          </a:fillRef>
+          <a:effectRef idx="1">
+            <a:schemeClr val="accent5"/>
+          </a:effectRef>
+          <a:fontRef idx="minor">
+            <a:schemeClr val="dk1"/>
+          </a:fontRef>
+        </p:style>
+        <p:txBody>
+          <a:bodyPr rtlCol="0" anchor="ctr"/>
+          <a:lstStyle/>
+          <a:p>
+            <a:pPr algn="ctr"/>
+            <a:r>
+              <a:rPr lang="zh-CN" altLang="en-US" smtClean="0"/>
+              <a:t>发布</a:t>
+            </a:r>
+            <a:endParaRPr lang="zh-CN" altLang="en-US"/>
+          </a:p>
+        </p:txBody>
+      </p:sp>
+      <p:cxnSp>
+        <p:nvCxnSpPr>
+          <p:cNvPr id="9" name="直接箭头连接符 8"/>
+          <p:cNvCxnSpPr>
+            <a:stCxn id="4" idx="3"/>
+            <a:endCxn id="5" idx="1"/>
+          </p:cNvCxnSpPr>
+          <p:nvPr/>
+        </p:nvCxnSpPr>
+        <p:spPr>
+          <a:xfrm>
+            <a:off x="2148855" y="4188135"/>
+            <a:ext cx="648072" cy="0"/>
+          </a:xfrm>
+          <a:prstGeom prst="straightConnector1">
+            <a:avLst/>
+          </a:prstGeom>
+          <a:ln w="38100">
+            <a:solidFill>
+              <a:schemeClr val="accent3">
+                <a:lumMod val="75000"/>
+              </a:schemeClr>
+            </a:solidFill>
+            <a:tailEnd type="triangle" w="med" len="lg"/>
+          </a:ln>
+        </p:spPr>
+        <p:style>
+          <a:lnRef idx="1">
+            <a:schemeClr val="accent1"/>
+          </a:lnRef>
+          <a:fillRef idx="0">
+            <a:schemeClr val="accent1"/>
+          </a:fillRef>
+          <a:effectRef idx="0">
+            <a:schemeClr val="accent1"/>
+          </a:effectRef>
+          <a:fontRef idx="minor">
+            <a:schemeClr val="tx1"/>
+          </a:fontRef>
+        </p:style>
+      </p:cxnSp>
+      <p:cxnSp>
+        <p:nvCxnSpPr>
+          <p:cNvPr id="11" name="直接箭头连接符 10"/>
+          <p:cNvCxnSpPr>
+            <a:stCxn id="5" idx="3"/>
+            <a:endCxn id="6" idx="1"/>
+          </p:cNvCxnSpPr>
+          <p:nvPr/>
+        </p:nvCxnSpPr>
+        <p:spPr>
+          <a:xfrm>
+            <a:off x="4237087" y="4188135"/>
+            <a:ext cx="576064" cy="0"/>
+          </a:xfrm>
+          <a:prstGeom prst="straightConnector1">
+            <a:avLst/>
+          </a:prstGeom>
+          <a:ln w="38100">
+            <a:solidFill>
+              <a:schemeClr val="accent3">
+                <a:lumMod val="75000"/>
+              </a:schemeClr>
+            </a:solidFill>
+            <a:tailEnd type="triangle" w="med" len="lg"/>
+          </a:ln>
+        </p:spPr>
+        <p:style>
+          <a:lnRef idx="1">
+            <a:schemeClr val="accent1"/>
+          </a:lnRef>
+          <a:fillRef idx="0">
+            <a:schemeClr val="accent1"/>
+          </a:fillRef>
+          <a:effectRef idx="0">
+            <a:schemeClr val="accent1"/>
+          </a:effectRef>
+          <a:fontRef idx="minor">
+            <a:schemeClr val="tx1"/>
+          </a:fontRef>
+        </p:style>
+      </p:cxnSp>
+      <p:cxnSp>
+        <p:nvCxnSpPr>
+          <p:cNvPr id="14" name="直接箭头连接符 13"/>
+          <p:cNvCxnSpPr>
+            <a:stCxn id="6" idx="3"/>
+            <a:endCxn id="7" idx="1"/>
+          </p:cNvCxnSpPr>
+          <p:nvPr/>
+        </p:nvCxnSpPr>
+        <p:spPr>
+          <a:xfrm>
+            <a:off x="6253311" y="4188135"/>
+            <a:ext cx="576064" cy="0"/>
+          </a:xfrm>
+          <a:prstGeom prst="straightConnector1">
+            <a:avLst/>
+          </a:prstGeom>
+          <a:ln w="38100">
+            <a:solidFill>
+              <a:schemeClr val="accent3">
+                <a:lumMod val="75000"/>
+              </a:schemeClr>
+            </a:solidFill>
+            <a:tailEnd type="triangle" w="med" len="lg"/>
+          </a:ln>
+        </p:spPr>
+        <p:style>
+          <a:lnRef idx="1">
+            <a:schemeClr val="accent1"/>
+          </a:lnRef>
+          <a:fillRef idx="0">
+            <a:schemeClr val="accent1"/>
+          </a:fillRef>
+          <a:effectRef idx="0">
+            <a:schemeClr val="accent1"/>
+          </a:effectRef>
+          <a:fontRef idx="minor">
+            <a:schemeClr val="tx1"/>
+          </a:fontRef>
+        </p:style>
+      </p:cxnSp>
+      <p:cxnSp>
+        <p:nvCxnSpPr>
+          <p:cNvPr id="18" name="直接箭头连接符 17"/>
+          <p:cNvCxnSpPr>
+            <a:stCxn id="6" idx="2"/>
+            <a:endCxn id="27" idx="0"/>
+          </p:cNvCxnSpPr>
+          <p:nvPr/>
+        </p:nvCxnSpPr>
+        <p:spPr>
+          <a:xfrm>
+            <a:off x="5533231" y="4404159"/>
+            <a:ext cx="0" cy="792088"/>
+          </a:xfrm>
+          <a:prstGeom prst="straightConnector1">
+            <a:avLst/>
+          </a:prstGeom>
+          <a:ln w="38100">
+            <a:solidFill>
+              <a:schemeClr val="accent3">
+                <a:lumMod val="75000"/>
+              </a:schemeClr>
+            </a:solidFill>
+            <a:tailEnd type="triangle" w="med" len="lg"/>
+          </a:ln>
+        </p:spPr>
+        <p:style>
+          <a:lnRef idx="1">
+            <a:schemeClr val="accent1"/>
+          </a:lnRef>
+          <a:fillRef idx="0">
+            <a:schemeClr val="accent1"/>
+          </a:fillRef>
+          <a:effectRef idx="0">
+            <a:schemeClr val="accent1"/>
+          </a:effectRef>
+          <a:fontRef idx="minor">
+            <a:schemeClr val="tx1"/>
+          </a:fontRef>
+        </p:style>
+      </p:cxnSp>
+      <p:sp>
+        <p:nvSpPr>
+          <p:cNvPr id="27" name="圆角矩形 26"/>
+          <p:cNvSpPr/>
+          <p:nvPr/>
+        </p:nvSpPr>
+        <p:spPr>
+          <a:xfrm>
+            <a:off x="4813151" y="5196247"/>
+            <a:ext cx="1440160" cy="432048"/>
+          </a:xfrm>
+          <a:prstGeom prst="roundRect">
+            <a:avLst/>
+          </a:prstGeom>
+        </p:spPr>
+        <p:style>
+          <a:lnRef idx="1">
+            <a:schemeClr val="accent5"/>
+          </a:lnRef>
+          <a:fillRef idx="2">
+            <a:schemeClr val="accent5"/>
+          </a:fillRef>
+          <a:effectRef idx="1">
+            <a:schemeClr val="accent5"/>
+          </a:effectRef>
+          <a:fontRef idx="minor">
+            <a:schemeClr val="dk1"/>
+          </a:fontRef>
+        </p:style>
+        <p:txBody>
+          <a:bodyPr rtlCol="0" anchor="ctr"/>
+          <a:lstStyle/>
+          <a:p>
+            <a:pPr algn="ctr"/>
+            <a:r>
+              <a:rPr lang="zh-CN" altLang="en-US"/>
+              <a:t>暂存</a:t>
+            </a:r>
+          </a:p>
+        </p:txBody>
+      </p:sp>
+      <p:cxnSp>
+        <p:nvCxnSpPr>
+          <p:cNvPr id="28" name="直接箭头连接符 27"/>
+          <p:cNvCxnSpPr>
+            <a:stCxn id="27" idx="1"/>
+            <a:endCxn id="5" idx="2"/>
+          </p:cNvCxnSpPr>
+          <p:nvPr/>
+        </p:nvCxnSpPr>
+        <p:spPr>
+          <a:xfrm rot="10800000">
+            <a:off x="3517007" y="4404159"/>
+            <a:ext cx="1296144" cy="1008112"/>
+          </a:xfrm>
+          <a:prstGeom prst="bentConnector2">
+            <a:avLst/>
+          </a:prstGeom>
+          <a:ln w="38100">
+            <a:solidFill>
+              <a:schemeClr val="accent3">
+                <a:lumMod val="75000"/>
+              </a:schemeClr>
+            </a:solidFill>
+            <a:tailEnd type="triangle" w="med" len="lg"/>
+          </a:ln>
+        </p:spPr>
+        <p:style>
+          <a:lnRef idx="1">
+            <a:schemeClr val="accent1"/>
+          </a:lnRef>
+          <a:fillRef idx="0">
+            <a:schemeClr val="accent1"/>
+          </a:fillRef>
+          <a:effectRef idx="0">
+            <a:schemeClr val="accent1"/>
+          </a:effectRef>
+          <a:fontRef idx="minor">
+            <a:schemeClr val="tx1"/>
+          </a:fontRef>
+        </p:style>
+      </p:cxnSp>
+    </p:spTree>
+    <p:extLst>
+      <p:ext uri="{BB962C8B-B14F-4D97-AF65-F5344CB8AC3E}">
+        <p14:creationId xmlns:p14="http://schemas.microsoft.com/office/powerpoint/2010/main" val="1023721056"/>
+      </p:ext>
+    </p:extLst>
+  </p:cSld>
+  <p:clrMapOvr>
+    <a:masterClrMapping/>
+  </p:clrMapOvr>
+</p:sld>
+</file>
+
+<file path=ppt/slides/slide5.xml><?xml version="1.0" encoding="utf-8"?>
+<p:sld xmlns:a="http://schemas.openxmlformats.org/drawingml/2006/main" xmlns:r="http://schemas.openxmlformats.org/officeDocument/2006/relationships" xmlns:p="http://schemas.openxmlformats.org/presentationml/2006/main">
+  <p:cSld>
+    <p:spTree>
+      <p:nvGrpSpPr>
+        <p:cNvPr id="1" name=""/>
+        <p:cNvGrpSpPr/>
+        <p:nvPr/>
+      </p:nvGrpSpPr>
+      <p:grpSpPr>
+        <a:xfrm>
+          <a:off x="0" y="0"/>
+          <a:ext cx="0" cy="0"/>
+          <a:chOff x="0" y="0"/>
+          <a:chExt cx="0" cy="0"/>
+        </a:xfrm>
+      </p:grpSpPr>
+      <p:sp>
+        <p:nvSpPr>
+          <p:cNvPr id="2" name="标题 1"/>
+          <p:cNvSpPr>
+            <a:spLocks noGrp="1"/>
+          </p:cNvSpPr>
+          <p:nvPr>
+            <p:ph type="title"/>
+          </p:nvPr>
+        </p:nvSpPr>
+        <p:spPr/>
+        <p:txBody>
+          <a:bodyPr/>
+          <a:lstStyle/>
+          <a:p>
+            <a:r>
+              <a:rPr lang="zh-CN" altLang="en-US" smtClean="0"/>
+              <a:t>客户行为 </a:t>
+            </a:r>
+            <a:r>
+              <a:rPr lang="en-US" altLang="zh-CN" smtClean="0"/>
+              <a:t>– </a:t>
+            </a:r>
+            <a:r>
+              <a:rPr lang="zh-CN" altLang="en-US" smtClean="0"/>
+              <a:t>获得</a:t>
+            </a:r>
+            <a:endParaRPr lang="zh-CN" altLang="en-US"/>
+          </a:p>
+        </p:txBody>
+      </p:sp>
+      <p:sp>
+        <p:nvSpPr>
+          <p:cNvPr id="3" name="内容占位符 2"/>
+          <p:cNvSpPr>
+            <a:spLocks noGrp="1"/>
+          </p:cNvSpPr>
+          <p:nvPr>
+            <p:ph sz="quarter" idx="1"/>
+          </p:nvPr>
+        </p:nvSpPr>
+        <p:spPr>
+          <a:xfrm>
+            <a:off x="457200" y="1600200"/>
+            <a:ext cx="7859216" cy="4997152"/>
+          </a:xfrm>
+        </p:spPr>
+        <p:txBody>
+          <a:bodyPr>
+            <a:normAutofit/>
+          </a:bodyPr>
+          <a:lstStyle/>
+          <a:p>
+            <a:r>
+              <a:rPr lang="zh-CN" altLang="en-US" smtClean="0"/>
+              <a:t>获得软件和更新：</a:t>
+            </a:r>
+            <a:endParaRPr lang="en-US" altLang="zh-CN" smtClean="0"/>
+          </a:p>
+          <a:p>
+            <a:pPr lvl="1"/>
+            <a:r>
+              <a:rPr lang="zh-CN" altLang="en-US" smtClean="0"/>
+              <a:t>获得：通过推广，兴趣，教育等方式，使用户安装软件。</a:t>
+            </a:r>
+            <a:endParaRPr lang="en-US" altLang="zh-CN" smtClean="0"/>
+          </a:p>
+          <a:p>
+            <a:pPr lvl="2"/>
+            <a:r>
+              <a:rPr lang="zh-CN" altLang="en-US"/>
+              <a:t>能让</a:t>
+            </a:r>
+            <a:r>
+              <a:rPr lang="zh-CN" altLang="en-US" smtClean="0"/>
+              <a:t>用户安装，是很关键的一大步。</a:t>
+            </a:r>
+            <a:endParaRPr lang="en-US" altLang="zh-CN" smtClean="0"/>
+          </a:p>
+          <a:p>
+            <a:pPr lvl="1"/>
+            <a:r>
+              <a:rPr lang="zh-CN" altLang="en-US" smtClean="0"/>
+              <a:t>更新：是持续维护与客户联系的关键。（</a:t>
+            </a:r>
+            <a:r>
+              <a:rPr lang="zh-CN" altLang="en-US" smtClean="0">
+                <a:solidFill>
+                  <a:srgbClr val="FF0000"/>
+                </a:solidFill>
+              </a:rPr>
+              <a:t>未支持</a:t>
+            </a:r>
+            <a:r>
+              <a:rPr lang="zh-CN" altLang="en-US" smtClean="0"/>
+              <a:t>）</a:t>
+            </a:r>
+            <a:endParaRPr lang="en-US" altLang="zh-CN" smtClean="0"/>
+          </a:p>
+          <a:p>
+            <a:pPr lvl="2"/>
+            <a:r>
+              <a:rPr lang="zh-CN" altLang="en-US" smtClean="0"/>
+              <a:t>自动更新：</a:t>
+            </a:r>
+            <a:endParaRPr lang="en-US" altLang="zh-CN" smtClean="0"/>
+          </a:p>
+          <a:p>
+            <a:pPr lvl="3"/>
+            <a:r>
+              <a:rPr lang="zh-CN" altLang="en-US" smtClean="0"/>
+              <a:t>自动安装下个发布版本，预告近期功能。</a:t>
+            </a:r>
+            <a:endParaRPr lang="en-US" altLang="zh-CN" smtClean="0"/>
+          </a:p>
+          <a:p>
+            <a:pPr lvl="2"/>
+            <a:r>
+              <a:rPr lang="zh-CN" altLang="en-US"/>
+              <a:t>内置</a:t>
+            </a:r>
+            <a:r>
+              <a:rPr lang="zh-CN" altLang="en-US" smtClean="0"/>
+              <a:t>论坛：提供快速分享机制。</a:t>
+            </a:r>
+            <a:endParaRPr lang="en-US" altLang="zh-CN" smtClean="0"/>
+          </a:p>
+          <a:p>
+            <a:pPr lvl="3"/>
+            <a:r>
+              <a:rPr lang="zh-CN" altLang="en-US" smtClean="0"/>
+              <a:t>让客户感觉是在一个群体中，而不是就自己一个人在用。</a:t>
+            </a:r>
+            <a:endParaRPr lang="en-US" altLang="zh-CN" smtClean="0"/>
+          </a:p>
+          <a:p>
+            <a:pPr lvl="3"/>
+            <a:r>
+              <a:rPr lang="zh-CN" altLang="en-US" smtClean="0"/>
+              <a:t>帮助解决一些相关技术问题。</a:t>
+            </a:r>
+            <a:endParaRPr lang="en-US" altLang="zh-CN" smtClean="0"/>
+          </a:p>
+          <a:p>
+            <a:pPr marL="0" indent="0">
+              <a:buNone/>
+            </a:pPr>
+            <a:endParaRPr lang="en-US" altLang="zh-CN" smtClean="0"/>
+          </a:p>
+        </p:txBody>
+      </p:sp>
+      <p:sp>
+        <p:nvSpPr>
+          <p:cNvPr id="13" name="圆角矩形 12"/>
+          <p:cNvSpPr/>
+          <p:nvPr/>
+        </p:nvSpPr>
+        <p:spPr>
+          <a:xfrm>
+            <a:off x="6399212" y="4569612"/>
+            <a:ext cx="1440160" cy="432048"/>
+          </a:xfrm>
+          <a:prstGeom prst="roundRect">
+            <a:avLst/>
+          </a:prstGeom>
+        </p:spPr>
+        <p:style>
+          <a:lnRef idx="1">
+            <a:schemeClr val="accent1"/>
+          </a:lnRef>
+          <a:fillRef idx="2">
+            <a:schemeClr val="accent1"/>
+          </a:fillRef>
+          <a:effectRef idx="1">
+            <a:schemeClr val="accent1"/>
+          </a:effectRef>
+          <a:fontRef idx="minor">
+            <a:schemeClr val="dk1"/>
+          </a:fontRef>
+        </p:style>
+        <p:txBody>
+          <a:bodyPr rtlCol="0" anchor="ctr"/>
+          <a:lstStyle/>
+          <a:p>
+            <a:pPr algn="ctr"/>
+            <a:r>
+              <a:rPr lang="zh-CN" altLang="en-US"/>
+              <a:t>推广</a:t>
+            </a:r>
+          </a:p>
+        </p:txBody>
+      </p:sp>
+      <p:sp>
+        <p:nvSpPr>
+          <p:cNvPr id="14" name="圆角矩形 13"/>
+          <p:cNvSpPr/>
+          <p:nvPr/>
+        </p:nvSpPr>
+        <p:spPr>
+          <a:xfrm>
+            <a:off x="6399212" y="5333547"/>
+            <a:ext cx="1440160" cy="432048"/>
+          </a:xfrm>
+          <a:prstGeom prst="roundRect">
+            <a:avLst/>
+          </a:prstGeom>
+        </p:spPr>
+        <p:style>
+          <a:lnRef idx="1">
+            <a:schemeClr val="accent1"/>
+          </a:lnRef>
+          <a:fillRef idx="2">
+            <a:schemeClr val="accent1"/>
+          </a:fillRef>
+          <a:effectRef idx="1">
+            <a:schemeClr val="accent1"/>
+          </a:effectRef>
+          <a:fontRef idx="minor">
+            <a:schemeClr val="dk1"/>
+          </a:fontRef>
+        </p:style>
+        <p:txBody>
+          <a:bodyPr rtlCol="0" anchor="ctr"/>
+          <a:lstStyle/>
+          <a:p>
+            <a:pPr algn="ctr"/>
+            <a:r>
+              <a:rPr lang="zh-CN" altLang="en-US"/>
+              <a:t>兴趣</a:t>
+            </a:r>
+          </a:p>
+        </p:txBody>
+      </p:sp>
+      <p:sp>
+        <p:nvSpPr>
+          <p:cNvPr id="15" name="圆角矩形 14"/>
+          <p:cNvSpPr/>
+          <p:nvPr/>
+        </p:nvSpPr>
+        <p:spPr>
+          <a:xfrm>
+            <a:off x="6399212" y="6126826"/>
+            <a:ext cx="1440160" cy="432048"/>
+          </a:xfrm>
+          <a:prstGeom prst="roundRect">
+            <a:avLst/>
+          </a:prstGeom>
+        </p:spPr>
+        <p:style>
+          <a:lnRef idx="1">
+            <a:schemeClr val="accent1"/>
+          </a:lnRef>
+          <a:fillRef idx="2">
+            <a:schemeClr val="accent1"/>
+          </a:fillRef>
+          <a:effectRef idx="1">
+            <a:schemeClr val="accent1"/>
+          </a:effectRef>
+          <a:fontRef idx="minor">
+            <a:schemeClr val="dk1"/>
+          </a:fontRef>
+        </p:style>
+        <p:txBody>
+          <a:bodyPr rtlCol="0" anchor="ctr"/>
+          <a:lstStyle/>
+          <a:p>
+            <a:pPr algn="ctr"/>
+            <a:r>
+              <a:rPr lang="zh-CN" altLang="en-US" smtClean="0"/>
+              <a:t>教育</a:t>
+            </a:r>
+            <a:endParaRPr lang="zh-CN" altLang="en-US"/>
+          </a:p>
+        </p:txBody>
+      </p:sp>
+      <p:cxnSp>
+        <p:nvCxnSpPr>
+          <p:cNvPr id="16" name="直接箭头连接符 15"/>
+          <p:cNvCxnSpPr>
+            <a:stCxn id="13" idx="1"/>
+          </p:cNvCxnSpPr>
+          <p:nvPr/>
+        </p:nvCxnSpPr>
+        <p:spPr>
+          <a:xfrm flipH="1">
+            <a:off x="4932040" y="4785636"/>
+            <a:ext cx="1467172" cy="547911"/>
+          </a:xfrm>
+          <a:prstGeom prst="straightConnector1">
+            <a:avLst/>
+          </a:prstGeom>
+          <a:ln w="38100">
+            <a:solidFill>
+              <a:schemeClr val="accent3">
+                <a:lumMod val="60000"/>
+                <a:lumOff val="40000"/>
+              </a:schemeClr>
+            </a:solidFill>
+            <a:tailEnd type="triangle" w="med" len="lg"/>
+          </a:ln>
+        </p:spPr>
+        <p:style>
+          <a:lnRef idx="1">
+            <a:schemeClr val="accent1"/>
+          </a:lnRef>
+          <a:fillRef idx="0">
+            <a:schemeClr val="accent1"/>
+          </a:fillRef>
+          <a:effectRef idx="0">
+            <a:schemeClr val="accent1"/>
+          </a:effectRef>
+          <a:fontRef idx="minor">
+            <a:schemeClr val="tx1"/>
+          </a:fontRef>
+        </p:style>
+      </p:cxnSp>
+      <p:cxnSp>
+        <p:nvCxnSpPr>
+          <p:cNvPr id="19" name="直接箭头连接符 18"/>
+          <p:cNvCxnSpPr>
+            <a:stCxn id="14" idx="1"/>
+          </p:cNvCxnSpPr>
+          <p:nvPr/>
+        </p:nvCxnSpPr>
+        <p:spPr>
+          <a:xfrm flipH="1">
+            <a:off x="4932040" y="5549571"/>
+            <a:ext cx="1467172" cy="0"/>
+          </a:xfrm>
+          <a:prstGeom prst="straightConnector1">
+            <a:avLst/>
+          </a:prstGeom>
+          <a:ln w="38100">
+            <a:solidFill>
+              <a:schemeClr val="accent3">
+                <a:lumMod val="60000"/>
+                <a:lumOff val="40000"/>
+              </a:schemeClr>
+            </a:solidFill>
+            <a:tailEnd type="triangle" w="med" len="lg"/>
+          </a:ln>
+        </p:spPr>
+        <p:style>
+          <a:lnRef idx="1">
+            <a:schemeClr val="accent1"/>
+          </a:lnRef>
+          <a:fillRef idx="0">
+            <a:schemeClr val="accent1"/>
+          </a:fillRef>
+          <a:effectRef idx="0">
+            <a:schemeClr val="accent1"/>
+          </a:effectRef>
+          <a:fontRef idx="minor">
+            <a:schemeClr val="tx1"/>
+          </a:fontRef>
+        </p:style>
+      </p:cxnSp>
+      <p:cxnSp>
+        <p:nvCxnSpPr>
+          <p:cNvPr id="22" name="直接箭头连接符 21"/>
+          <p:cNvCxnSpPr>
+            <a:stCxn id="15" idx="1"/>
+          </p:cNvCxnSpPr>
+          <p:nvPr/>
+        </p:nvCxnSpPr>
+        <p:spPr>
+          <a:xfrm flipH="1" flipV="1">
+            <a:off x="4932040" y="5765595"/>
+            <a:ext cx="1467172" cy="577255"/>
+          </a:xfrm>
+          <a:prstGeom prst="straightConnector1">
+            <a:avLst/>
+          </a:prstGeom>
+          <a:ln w="38100">
+            <a:solidFill>
+              <a:schemeClr val="accent3">
+                <a:lumMod val="60000"/>
+                <a:lumOff val="40000"/>
+              </a:schemeClr>
+            </a:solidFill>
+            <a:tailEnd type="triangle" w="med" len="lg"/>
+          </a:ln>
+        </p:spPr>
+        <p:style>
+          <a:lnRef idx="1">
+            <a:schemeClr val="accent1"/>
+          </a:lnRef>
+          <a:fillRef idx="0">
+            <a:schemeClr val="accent1"/>
+          </a:fillRef>
+          <a:effectRef idx="0">
+            <a:schemeClr val="accent1"/>
+          </a:effectRef>
+          <a:fontRef idx="minor">
+            <a:schemeClr val="tx1"/>
+          </a:fontRef>
+        </p:style>
+      </p:cxnSp>
+      <p:sp>
+        <p:nvSpPr>
+          <p:cNvPr id="17" name="TextBox 16"/>
+          <p:cNvSpPr txBox="1"/>
+          <p:nvPr/>
+        </p:nvSpPr>
+        <p:spPr>
+          <a:xfrm>
+            <a:off x="5652120" y="5148881"/>
+            <a:ext cx="646331" cy="369332"/>
+          </a:xfrm>
+          <a:prstGeom prst="rect">
+            <a:avLst/>
+          </a:prstGeom>
+          <a:noFill/>
+        </p:spPr>
+        <p:txBody>
+          <a:bodyPr wrap="none" rtlCol="0">
+            <a:spAutoFit/>
+          </a:bodyPr>
+          <a:lstStyle/>
+          <a:p>
+            <a:r>
+              <a:rPr lang="zh-CN" altLang="en-US" smtClean="0"/>
+              <a:t>安装</a:t>
+            </a:r>
+            <a:endParaRPr lang="zh-CN" altLang="en-US"/>
+          </a:p>
+        </p:txBody>
+      </p:sp>
+      <p:sp>
+        <p:nvSpPr>
+          <p:cNvPr id="27" name="圆角矩形 26"/>
+          <p:cNvSpPr/>
+          <p:nvPr/>
+        </p:nvSpPr>
+        <p:spPr>
+          <a:xfrm>
+            <a:off x="640432" y="5422353"/>
+            <a:ext cx="1440160" cy="432048"/>
+          </a:xfrm>
+          <a:prstGeom prst="roundRect">
+            <a:avLst/>
+          </a:prstGeom>
+        </p:spPr>
+        <p:style>
+          <a:lnRef idx="1">
+            <a:schemeClr val="accent1"/>
+          </a:lnRef>
+          <a:fillRef idx="2">
+            <a:schemeClr val="accent1"/>
+          </a:fillRef>
+          <a:effectRef idx="1">
+            <a:schemeClr val="accent1"/>
+          </a:effectRef>
+          <a:fontRef idx="minor">
+            <a:schemeClr val="dk1"/>
+          </a:fontRef>
+        </p:style>
+        <p:txBody>
+          <a:bodyPr rtlCol="0" anchor="ctr"/>
+          <a:lstStyle/>
+          <a:p>
+            <a:pPr algn="ctr"/>
+            <a:r>
+              <a:rPr lang="zh-CN" altLang="en-US"/>
+              <a:t>更新</a:t>
+            </a:r>
+          </a:p>
+        </p:txBody>
+      </p:sp>
+      <p:cxnSp>
+        <p:nvCxnSpPr>
+          <p:cNvPr id="28" name="直接箭头连接符 27"/>
+          <p:cNvCxnSpPr>
+            <a:stCxn id="27" idx="3"/>
+          </p:cNvCxnSpPr>
+          <p:nvPr/>
+        </p:nvCxnSpPr>
+        <p:spPr>
+          <a:xfrm>
+            <a:off x="2080592" y="5638377"/>
+            <a:ext cx="1411288" cy="0"/>
+          </a:xfrm>
+          <a:prstGeom prst="straightConnector1">
+            <a:avLst/>
+          </a:prstGeom>
+          <a:ln w="38100">
+            <a:solidFill>
+              <a:schemeClr val="accent3">
+                <a:lumMod val="60000"/>
+                <a:lumOff val="40000"/>
+              </a:schemeClr>
+            </a:solidFill>
+            <a:tailEnd type="triangle" w="med" len="lg"/>
+          </a:ln>
+        </p:spPr>
+        <p:style>
+          <a:lnRef idx="1">
+            <a:schemeClr val="accent1"/>
+          </a:lnRef>
+          <a:fillRef idx="0">
+            <a:schemeClr val="accent1"/>
+          </a:fillRef>
+          <a:effectRef idx="0">
+            <a:schemeClr val="accent1"/>
+          </a:effectRef>
+          <a:fontRef idx="minor">
+            <a:schemeClr val="tx1"/>
+          </a:fontRef>
+        </p:style>
+      </p:cxnSp>
+      <p:sp>
+        <p:nvSpPr>
+          <p:cNvPr id="32" name="TextBox 31"/>
+          <p:cNvSpPr txBox="1"/>
+          <p:nvPr/>
+        </p:nvSpPr>
+        <p:spPr>
+          <a:xfrm>
+            <a:off x="2162080" y="5148881"/>
+            <a:ext cx="1107996" cy="369332"/>
+          </a:xfrm>
+          <a:prstGeom prst="rect">
+            <a:avLst/>
+          </a:prstGeom>
+          <a:noFill/>
+        </p:spPr>
+        <p:txBody>
+          <a:bodyPr wrap="none" rtlCol="0">
+            <a:spAutoFit/>
+          </a:bodyPr>
+          <a:lstStyle/>
+          <a:p>
+            <a:r>
+              <a:rPr lang="zh-CN" altLang="en-US"/>
+              <a:t>维护联系</a:t>
+            </a:r>
+          </a:p>
+        </p:txBody>
+      </p:sp>
+      <p:pic>
+        <p:nvPicPr>
+          <p:cNvPr id="2055" name="Picture 7" descr="C:\Users\maochunyang\AppData\Local\Microsoft\Windows\Temporary Internet Files\Content.IE5\6AJX1CLY\MC900434601[1].wmf"/>
+          <p:cNvPicPr>
+            <a:picLocks noChangeAspect="1" noChangeArrowheads="1"/>
+          </p:cNvPicPr>
+          <p:nvPr/>
+        </p:nvPicPr>
+        <p:blipFill>
+          <a:blip r:embed="rId2" cstate="print">
+            <a:extLst>
+              <a:ext uri="{28A0092B-C50C-407E-A947-70E740481C1C}">
+                <a14:useLocalDpi xmlns:a14="http://schemas.microsoft.com/office/drawing/2010/main" val="0"/>
+              </a:ext>
+            </a:extLst>
+          </a:blip>
+          <a:srcRect/>
+          <a:stretch>
+            <a:fillRect/>
+          </a:stretch>
+        </p:blipFill>
+        <p:spPr bwMode="auto">
+          <a:xfrm>
+            <a:off x="3591434" y="4797672"/>
+            <a:ext cx="1274588" cy="1733773"/>
+          </a:xfrm>
+          <a:prstGeom prst="rect">
+            <a:avLst/>
+          </a:prstGeom>
+          <a:noFill/>
+          <a:extLst>
+            <a:ext uri="{909E8E84-426E-40DD-AFC4-6F175D3DCCD1}">
+              <a14:hiddenFill xmlns:a14="http://schemas.microsoft.com/office/drawing/2010/main">
+                <a:solidFill>
+                  <a:srgbClr val="FFFFFF"/>
+                </a:solidFill>
+              </a14:hiddenFill>
+            </a:ext>
+          </a:extLst>
+        </p:spPr>
+      </p:pic>
+    </p:spTree>
+    <p:extLst>
+      <p:ext uri="{BB962C8B-B14F-4D97-AF65-F5344CB8AC3E}">
+        <p14:creationId xmlns:p14="http://schemas.microsoft.com/office/powerpoint/2010/main" val="3201538388"/>
+      </p:ext>
+    </p:extLst>
+  </p:cSld>
+  <p:clrMapOvr>
+    <a:masterClrMapping/>
+  </p:clrMapOvr>
+  <p:timing>
+    <p:tnLst>
+      <p:par>
+        <p:cTn id="1" dur="indefinite" restart="never" nodeType="tmRoot"/>
+      </p:par>
+    </p:tnLst>
+  </p:timing>
+</p:sld>
+</file>
+
+<file path=ppt/slides/slide6.xml><?xml version="1.0" encoding="utf-8"?>
+<p:sld xmlns:a="http://schemas.openxmlformats.org/drawingml/2006/main" xmlns:r="http://schemas.openxmlformats.org/officeDocument/2006/relationships" xmlns:p="http://schemas.openxmlformats.org/presentationml/2006/main">
+  <p:cSld>
+    <p:spTree>
+      <p:nvGrpSpPr>
+        <p:cNvPr id="1" name=""/>
+        <p:cNvGrpSpPr/>
+        <p:nvPr/>
+      </p:nvGrpSpPr>
+      <p:grpSpPr>
+        <a:xfrm>
+          <a:off x="0" y="0"/>
+          <a:ext cx="0" cy="0"/>
+          <a:chOff x="0" y="0"/>
+          <a:chExt cx="0" cy="0"/>
+        </a:xfrm>
+      </p:grpSpPr>
+      <p:sp>
+        <p:nvSpPr>
+          <p:cNvPr id="2" name="标题 1"/>
+          <p:cNvSpPr>
+            <a:spLocks noGrp="1"/>
+          </p:cNvSpPr>
+          <p:nvPr>
+            <p:ph type="title"/>
+          </p:nvPr>
+        </p:nvSpPr>
+        <p:spPr/>
+        <p:txBody>
+          <a:bodyPr/>
+          <a:lstStyle/>
+          <a:p>
+            <a:r>
+              <a:rPr lang="zh-CN" altLang="en-US" smtClean="0"/>
+              <a:t>客户行为 </a:t>
+            </a:r>
+            <a:r>
+              <a:rPr lang="en-US" altLang="zh-CN" smtClean="0"/>
+              <a:t>– </a:t>
+            </a:r>
+            <a:r>
+              <a:rPr lang="zh-CN" altLang="en-US" smtClean="0"/>
+              <a:t>运行</a:t>
+            </a:r>
+            <a:endParaRPr lang="zh-CN" altLang="en-US"/>
+          </a:p>
+        </p:txBody>
+      </p:sp>
+      <p:sp>
+        <p:nvSpPr>
+          <p:cNvPr id="3" name="内容占位符 2"/>
+          <p:cNvSpPr>
+            <a:spLocks noGrp="1"/>
+          </p:cNvSpPr>
+          <p:nvPr>
+            <p:ph sz="quarter" idx="1"/>
+          </p:nvPr>
+        </p:nvSpPr>
+        <p:spPr>
+          <a:xfrm>
+            <a:off x="457200" y="1600200"/>
+            <a:ext cx="7859216" cy="4997152"/>
+          </a:xfrm>
+        </p:spPr>
+        <p:txBody>
+          <a:bodyPr>
+            <a:normAutofit/>
+          </a:bodyPr>
+          <a:lstStyle/>
+          <a:p>
+            <a:r>
+              <a:rPr lang="zh-CN" altLang="en-US" smtClean="0"/>
+              <a:t>运行软件期望：</a:t>
+            </a:r>
+            <a:endParaRPr lang="en-US" altLang="zh-CN" smtClean="0"/>
+          </a:p>
+          <a:p>
+            <a:pPr lvl="1"/>
+            <a:r>
+              <a:rPr lang="zh-CN" altLang="en-US" smtClean="0"/>
+              <a:t>非熟悉者：打开现有一个或多个项目，快速查看运行效果，看是否能够引起自己兴趣，然后决定是否继续使用。</a:t>
+            </a:r>
+            <a:endParaRPr lang="en-US" altLang="zh-CN" smtClean="0"/>
+          </a:p>
+          <a:p>
+            <a:pPr lvl="2"/>
+            <a:r>
+              <a:rPr lang="zh-CN" altLang="en-US">
+                <a:solidFill>
+                  <a:srgbClr val="FF0000"/>
+                </a:solidFill>
+              </a:rPr>
+              <a:t>关注</a:t>
+            </a:r>
+            <a:r>
+              <a:rPr lang="zh-CN" altLang="en-US" smtClean="0">
+                <a:solidFill>
+                  <a:srgbClr val="FF0000"/>
+                </a:solidFill>
+              </a:rPr>
+              <a:t>点：调查放弃原因。</a:t>
+            </a:r>
+            <a:r>
+              <a:rPr lang="en-US" altLang="zh-CN" smtClean="0"/>
+              <a:t/>
+            </a:r>
+            <a:br>
+              <a:rPr lang="en-US" altLang="zh-CN" smtClean="0"/>
+            </a:br>
+            <a:r>
+              <a:rPr lang="zh-CN" altLang="en-US" smtClean="0"/>
+              <a:t>（卸载等操作填写调查报告，很多软件都会有这个调查）</a:t>
+            </a:r>
+            <a:endParaRPr lang="en-US" altLang="zh-CN"/>
+          </a:p>
+          <a:p>
+            <a:pPr lvl="1"/>
+            <a:r>
+              <a:rPr lang="zh-CN" altLang="en-US"/>
+              <a:t>如果想继续使用</a:t>
+            </a:r>
+            <a:r>
+              <a:rPr lang="zh-CN" altLang="en-US" smtClean="0"/>
+              <a:t>：创建空项目或修改范例，自己动手</a:t>
+            </a:r>
+            <a:r>
+              <a:rPr lang="zh-CN" altLang="en-US"/>
+              <a:t>实践</a:t>
+            </a:r>
+            <a:r>
+              <a:rPr lang="zh-CN" altLang="en-US" smtClean="0"/>
+              <a:t>。</a:t>
+            </a:r>
+            <a:endParaRPr lang="en-US" altLang="zh-CN" smtClean="0"/>
+          </a:p>
+          <a:p>
+            <a:pPr lvl="2"/>
+            <a:r>
+              <a:rPr lang="zh-CN" altLang="en-US" smtClean="0">
+                <a:solidFill>
+                  <a:srgbClr val="FF0000"/>
+                </a:solidFill>
+              </a:rPr>
+              <a:t>关注点：如何能方便的获得相关</a:t>
+            </a:r>
+            <a:r>
+              <a:rPr lang="zh-CN" altLang="en-US">
+                <a:solidFill>
+                  <a:srgbClr val="FF0000"/>
+                </a:solidFill>
+              </a:rPr>
+              <a:t>资料</a:t>
+            </a:r>
+            <a:r>
+              <a:rPr lang="zh-CN" altLang="en-US" smtClean="0">
+                <a:solidFill>
+                  <a:srgbClr val="FF0000"/>
+                </a:solidFill>
+              </a:rPr>
+              <a:t>。</a:t>
+            </a:r>
+            <a:r>
+              <a:rPr lang="en-US" altLang="zh-CN" smtClean="0">
+                <a:solidFill>
+                  <a:srgbClr val="FF0000"/>
+                </a:solidFill>
+              </a:rPr>
+              <a:t/>
+            </a:r>
+            <a:br>
+              <a:rPr lang="en-US" altLang="zh-CN" smtClean="0">
+                <a:solidFill>
+                  <a:srgbClr val="FF0000"/>
+                </a:solidFill>
+              </a:rPr>
+            </a:br>
+            <a:r>
+              <a:rPr lang="zh-CN" altLang="en-US" smtClean="0"/>
+              <a:t>（怎样提供快速的帮助界面，如何快速获得教材是关键）</a:t>
+            </a:r>
+            <a:endParaRPr lang="en-US" altLang="zh-CN" smtClean="0"/>
+          </a:p>
+          <a:p>
+            <a:pPr lvl="1"/>
+            <a:r>
+              <a:rPr lang="zh-CN" altLang="en-US" smtClean="0"/>
+              <a:t>制作者：打开自己的历史项目，继续</a:t>
+            </a:r>
+            <a:r>
+              <a:rPr lang="zh-CN" altLang="en-US"/>
+              <a:t>未</a:t>
+            </a:r>
+            <a:r>
+              <a:rPr lang="zh-CN" altLang="en-US" smtClean="0"/>
+              <a:t>完成的操作。</a:t>
+            </a:r>
+            <a:endParaRPr lang="en-US" altLang="zh-CN" smtClean="0"/>
+          </a:p>
+          <a:p>
+            <a:pPr lvl="2"/>
+            <a:r>
+              <a:rPr lang="zh-CN" altLang="en-US" smtClean="0">
+                <a:solidFill>
+                  <a:srgbClr val="FF0000"/>
+                </a:solidFill>
+              </a:rPr>
+              <a:t>关注点：如何展现项目布局和工具集合，方便修改。</a:t>
+            </a:r>
+            <a:r>
+              <a:rPr lang="en-US" altLang="zh-CN" smtClean="0">
+                <a:solidFill>
+                  <a:srgbClr val="FF0000"/>
+                </a:solidFill>
+              </a:rPr>
+              <a:t/>
+            </a:r>
+            <a:br>
+              <a:rPr lang="en-US" altLang="zh-CN" smtClean="0">
+                <a:solidFill>
+                  <a:srgbClr val="FF0000"/>
+                </a:solidFill>
+              </a:rPr>
+            </a:br>
+            <a:r>
+              <a:rPr lang="zh-CN" altLang="en-US" smtClean="0"/>
+              <a:t>（界面设计，需要的工具能够马上显示）</a:t>
+            </a:r>
+            <a:endParaRPr lang="en-US" altLang="zh-CN" smtClean="0"/>
+          </a:p>
+          <a:p>
+            <a:pPr lvl="1"/>
+            <a:r>
+              <a:rPr lang="zh-CN" altLang="en-US" smtClean="0"/>
+              <a:t>发布者：发布自己的项目。</a:t>
+            </a:r>
+            <a:endParaRPr lang="en-US" altLang="zh-CN" smtClean="0"/>
+          </a:p>
+          <a:p>
+            <a:pPr lvl="2"/>
+            <a:r>
+              <a:rPr lang="zh-CN" altLang="en-US">
+                <a:solidFill>
+                  <a:srgbClr val="FF0000"/>
+                </a:solidFill>
+              </a:rPr>
+              <a:t>关注</a:t>
+            </a:r>
+            <a:r>
+              <a:rPr lang="zh-CN" altLang="en-US" smtClean="0">
+                <a:solidFill>
+                  <a:srgbClr val="FF0000"/>
+                </a:solidFill>
+              </a:rPr>
+              <a:t>点：</a:t>
+            </a:r>
+            <a:r>
+              <a:rPr lang="zh-CN" altLang="en-US">
+                <a:solidFill>
+                  <a:srgbClr val="FF0000"/>
+                </a:solidFill>
+              </a:rPr>
+              <a:t>如何快速发布，能和别人</a:t>
+            </a:r>
+            <a:r>
+              <a:rPr lang="zh-CN" altLang="en-US" smtClean="0">
+                <a:solidFill>
+                  <a:srgbClr val="FF0000"/>
+                </a:solidFill>
+              </a:rPr>
+              <a:t>共享</a:t>
+            </a:r>
+            <a:r>
+              <a:rPr lang="zh-CN" altLang="en-US">
+                <a:solidFill>
+                  <a:srgbClr val="FF0000"/>
+                </a:solidFill>
+              </a:rPr>
+              <a:t>成果</a:t>
+            </a:r>
+            <a:r>
+              <a:rPr lang="zh-CN" altLang="en-US" smtClean="0">
+                <a:solidFill>
+                  <a:srgbClr val="FF0000"/>
+                </a:solidFill>
+              </a:rPr>
+              <a:t>。</a:t>
+            </a:r>
+            <a:r>
+              <a:rPr lang="en-US" altLang="zh-CN">
+                <a:solidFill>
+                  <a:srgbClr val="FF0000"/>
+                </a:solidFill>
+              </a:rPr>
+              <a:t/>
+            </a:r>
+            <a:br>
+              <a:rPr lang="en-US" altLang="zh-CN">
+                <a:solidFill>
+                  <a:srgbClr val="FF0000"/>
+                </a:solidFill>
+              </a:rPr>
+            </a:br>
+            <a:r>
+              <a:rPr lang="zh-CN" altLang="en-US" smtClean="0"/>
+              <a:t>（并非所有项目都是为了盈利，有些只是分享目的）</a:t>
+            </a:r>
+            <a:endParaRPr lang="en-US" altLang="zh-CN" smtClean="0"/>
+          </a:p>
+          <a:p>
+            <a:pPr marL="0" indent="0">
+              <a:buNone/>
+            </a:pPr>
+            <a:endParaRPr lang="en-US" altLang="zh-CN" smtClean="0"/>
+          </a:p>
+        </p:txBody>
+      </p:sp>
+    </p:spTree>
+    <p:extLst>
+      <p:ext uri="{BB962C8B-B14F-4D97-AF65-F5344CB8AC3E}">
+        <p14:creationId xmlns:p14="http://schemas.microsoft.com/office/powerpoint/2010/main" val="1821234753"/>
       </p:ext>
     </p:extLst>
   </p:cSld>
@@ -10411,9 +10955,10 @@
               <a:t>– </a:t>
             </a:r>
             <a:r>
-              <a:rPr lang="zh-CN" altLang="en-US"/>
-              <a:t>编辑</a:t>
-            </a:r>
+              <a:rPr lang="zh-CN" altLang="en-US" smtClean="0"/>
+              <a:t>运行</a:t>
+            </a:r>
+            <a:endParaRPr lang="zh-CN" altLang="en-US"/>
           </a:p>
         </p:txBody>
       </p:sp>
@@ -10440,89 +10985,60 @@
           <a:lstStyle/>
           <a:p>
             <a:r>
-              <a:rPr lang="zh-CN" altLang="en-US" smtClean="0"/>
-              <a:t>编辑分很多子项构成</a:t>
-            </a:r>
-            <a:endParaRPr lang="en-US" altLang="zh-CN"/>
-          </a:p>
-          <a:p>
-            <a:pPr lvl="1"/>
-            <a:r>
-              <a:rPr lang="zh-CN" altLang="en-US" smtClean="0"/>
-              <a:t>是一个需要学习的过程</a:t>
+              <a:rPr lang="zh-CN" altLang="en-US"/>
+              <a:t>快捷</a:t>
+            </a:r>
+            <a:r>
+              <a:rPr lang="zh-CN" altLang="en-US" smtClean="0"/>
+              <a:t>，漂亮的展现</a:t>
+            </a:r>
+            <a:r>
+              <a:rPr lang="zh-CN" altLang="en-US"/>
+              <a:t>本地</a:t>
+            </a:r>
+            <a:r>
+              <a:rPr lang="en-US" altLang="zh-CN"/>
+              <a:t>/</a:t>
+            </a:r>
+            <a:r>
+              <a:rPr lang="zh-CN" altLang="en-US"/>
+              <a:t>在线</a:t>
+            </a:r>
+            <a:r>
+              <a:rPr lang="zh-CN" altLang="en-US" smtClean="0"/>
+              <a:t>项目是界面的关键。</a:t>
             </a:r>
             <a:endParaRPr lang="en-US" altLang="zh-CN" smtClean="0"/>
           </a:p>
           <a:p>
-            <a:pPr lvl="1"/>
-            <a:r>
-              <a:rPr lang="zh-CN" altLang="en-US" smtClean="0"/>
-              <a:t>也是一个享受创作</a:t>
-            </a:r>
             <a:r>
               <a:rPr lang="zh-CN" altLang="en-US"/>
-              <a:t>的</a:t>
-            </a:r>
-            <a:r>
-              <a:rPr lang="zh-CN" altLang="en-US" smtClean="0"/>
-              <a:t>过程。</a:t>
+              <a:t>界面能够</a:t>
+            </a:r>
+            <a:r>
+              <a:rPr lang="zh-CN" altLang="en-US" smtClean="0"/>
+              <a:t>吸引人，找到自己需要的是关键。</a:t>
             </a:r>
             <a:endParaRPr lang="en-US" altLang="zh-CN" smtClean="0"/>
           </a:p>
-        </p:txBody>
-      </p:sp>
-      <p:sp>
-        <p:nvSpPr>
-          <p:cNvPr id="5" name="圆角矩形 4"/>
-          <p:cNvSpPr/>
-          <p:nvPr/>
-        </p:nvSpPr>
-        <p:spPr>
-          <a:xfrm>
-            <a:off x="4499992" y="2899809"/>
-            <a:ext cx="1440160" cy="432048"/>
-          </a:xfrm>
-          <a:prstGeom prst="roundRect">
-            <a:avLst/>
-          </a:prstGeom>
-        </p:spPr>
-        <p:style>
-          <a:lnRef idx="1">
-            <a:schemeClr val="accent1"/>
-          </a:lnRef>
-          <a:fillRef idx="2">
-            <a:schemeClr val="accent1"/>
-          </a:fillRef>
-          <a:effectRef idx="1">
-            <a:schemeClr val="accent1"/>
-          </a:effectRef>
-          <a:fontRef idx="minor">
-            <a:schemeClr val="dk1"/>
-          </a:fontRef>
-        </p:style>
-        <p:txBody>
-          <a:bodyPr rtlCol="0" anchor="ctr"/>
-          <a:lstStyle/>
-          <a:p>
-            <a:pPr algn="ctr"/>
-            <a:r>
-              <a:rPr lang="zh-CN" altLang="en-US" smtClean="0"/>
-              <a:t>资源准备</a:t>
-            </a:r>
-            <a:endParaRPr lang="zh-CN" altLang="en-US"/>
+          <a:p>
+            <a:pPr marL="0" indent="0">
+              <a:buNone/>
+            </a:pPr>
+            <a:endParaRPr lang="en-US" altLang="zh-CN" smtClean="0"/>
           </a:p>
         </p:txBody>
       </p:sp>
       <p:pic>
         <p:nvPicPr>
-          <p:cNvPr id="3074" name="Picture 2" descr="C:\Users\maochunyang\AppData\Local\Microsoft\Windows\Temporary Internet Files\Content.IE5\TAWJKKR7\MC900251197[1].wmf"/>
+          <p:cNvPr id="4" name="Picture 2"/>
           <p:cNvPicPr>
             <a:picLocks noChangeAspect="1" noChangeArrowheads="1"/>
           </p:cNvPicPr>
           <p:nvPr/>
         </p:nvPicPr>
         <p:blipFill>
-          <a:blip r:embed="rId2" cstate="print">
+          <a:blip r:embed="rId2">
             <a:extLst>
               <a:ext uri="{28A0092B-C50C-407E-A947-70E740481C1C}">
                 <a14:useLocalDpi xmlns:a14="http://schemas.microsoft.com/office/drawing/2010/main" val="0"/>
@@ -10536,466 +11052,51 @@
         </p:blipFill>
         <p:spPr bwMode="auto">
           <a:xfrm>
-            <a:off x="1115616" y="3068960"/>
-            <a:ext cx="2088232" cy="2207113"/>
+            <a:off x="1619672" y="2492896"/>
+            <a:ext cx="7074363" cy="4244618"/>
           </a:xfrm>
           <a:prstGeom prst="rect">
             <a:avLst/>
           </a:prstGeom>
           <a:noFill/>
+          <a:ln>
+            <a:noFill/>
+          </a:ln>
+          <a:effectLst/>
           <a:extLst>
             <a:ext uri="{909E8E84-426E-40DD-AFC4-6F175D3DCCD1}">
               <a14:hiddenFill xmlns:a14="http://schemas.microsoft.com/office/drawing/2010/main">
                 <a:solidFill>
-                  <a:srgbClr val="FFFFFF"/>
+                  <a:schemeClr val="accent1"/>
                 </a:solidFill>
               </a14:hiddenFill>
             </a:ext>
+            <a:ext uri="{91240B29-F687-4F45-9708-019B960494DF}">
+              <a14:hiddenLine xmlns:a14="http://schemas.microsoft.com/office/drawing/2010/main" w="9525">
+                <a:solidFill>
+                  <a:schemeClr val="tx1"/>
+                </a:solidFill>
+                <a:miter lim="800000"/>
+                <a:headEnd/>
+                <a:tailEnd/>
+              </a14:hiddenLine>
+            </a:ext>
+            <a:ext uri="{AF507438-7753-43E0-B8FC-AC1667EBCBE1}">
+              <a14:hiddenEffects xmlns:a14="http://schemas.microsoft.com/office/drawing/2010/main">
+                <a:effectLst>
+                  <a:outerShdw dist="35921" dir="2700000" algn="ctr" rotWithShape="0">
+                    <a:schemeClr val="bg2"/>
+                  </a:outerShdw>
+                </a:effectLst>
+              </a14:hiddenEffects>
+            </a:ext>
           </a:extLst>
         </p:spPr>
       </p:pic>
-      <p:sp>
-        <p:nvSpPr>
-          <p:cNvPr id="6" name="TextBox 5"/>
-          <p:cNvSpPr txBox="1"/>
-          <p:nvPr/>
-        </p:nvSpPr>
-        <p:spPr>
-          <a:xfrm>
-            <a:off x="1832298" y="5291916"/>
-            <a:ext cx="646331" cy="369332"/>
-          </a:xfrm>
-          <a:prstGeom prst="rect">
-            <a:avLst/>
-          </a:prstGeom>
-          <a:noFill/>
-        </p:spPr>
-        <p:txBody>
-          <a:bodyPr wrap="none" rtlCol="0">
-            <a:spAutoFit/>
-          </a:bodyPr>
-          <a:lstStyle/>
-          <a:p>
-            <a:r>
-              <a:rPr lang="zh-CN" altLang="en-US"/>
-              <a:t>游戏</a:t>
-            </a:r>
-          </a:p>
-        </p:txBody>
-      </p:sp>
-      <p:sp>
-        <p:nvSpPr>
-          <p:cNvPr id="8" name="圆角矩形 7"/>
-          <p:cNvSpPr/>
-          <p:nvPr/>
-        </p:nvSpPr>
-        <p:spPr>
-          <a:xfrm>
-            <a:off x="4499992" y="3908487"/>
-            <a:ext cx="1440160" cy="432048"/>
-          </a:xfrm>
-          <a:prstGeom prst="roundRect">
-            <a:avLst/>
-          </a:prstGeom>
-        </p:spPr>
-        <p:style>
-          <a:lnRef idx="1">
-            <a:schemeClr val="accent1"/>
-          </a:lnRef>
-          <a:fillRef idx="2">
-            <a:schemeClr val="accent1"/>
-          </a:fillRef>
-          <a:effectRef idx="1">
-            <a:schemeClr val="accent1"/>
-          </a:effectRef>
-          <a:fontRef idx="minor">
-            <a:schemeClr val="dk1"/>
-          </a:fontRef>
-        </p:style>
-        <p:txBody>
-          <a:bodyPr rtlCol="0" anchor="ctr"/>
-          <a:lstStyle/>
-          <a:p>
-            <a:pPr algn="ctr"/>
-            <a:r>
-              <a:rPr lang="zh-CN" altLang="en-US" smtClean="0"/>
-              <a:t>逻辑控制</a:t>
-            </a:r>
-            <a:endParaRPr lang="zh-CN" altLang="en-US"/>
-          </a:p>
-        </p:txBody>
-      </p:sp>
-      <p:sp>
-        <p:nvSpPr>
-          <p:cNvPr id="9" name="圆角矩形 8"/>
-          <p:cNvSpPr/>
-          <p:nvPr/>
-        </p:nvSpPr>
-        <p:spPr>
-          <a:xfrm>
-            <a:off x="4499992" y="5017144"/>
-            <a:ext cx="1440160" cy="432048"/>
-          </a:xfrm>
-          <a:prstGeom prst="roundRect">
-            <a:avLst/>
-          </a:prstGeom>
-        </p:spPr>
-        <p:style>
-          <a:lnRef idx="1">
-            <a:schemeClr val="accent1"/>
-          </a:lnRef>
-          <a:fillRef idx="2">
-            <a:schemeClr val="accent1"/>
-          </a:fillRef>
-          <a:effectRef idx="1">
-            <a:schemeClr val="accent1"/>
-          </a:effectRef>
-          <a:fontRef idx="minor">
-            <a:schemeClr val="dk1"/>
-          </a:fontRef>
-        </p:style>
-        <p:txBody>
-          <a:bodyPr rtlCol="0" anchor="ctr"/>
-          <a:lstStyle/>
-          <a:p>
-            <a:pPr algn="ctr"/>
-            <a:r>
-              <a:rPr lang="zh-CN" altLang="en-US" smtClean="0"/>
-              <a:t>测试结果</a:t>
-            </a:r>
-            <a:endParaRPr lang="zh-CN" altLang="en-US"/>
-          </a:p>
-        </p:txBody>
-      </p:sp>
-      <p:cxnSp>
-        <p:nvCxnSpPr>
-          <p:cNvPr id="10" name="直接箭头连接符 9"/>
-          <p:cNvCxnSpPr>
-            <a:stCxn id="3074" idx="3"/>
-            <a:endCxn id="5" idx="1"/>
-          </p:cNvCxnSpPr>
-          <p:nvPr/>
-        </p:nvCxnSpPr>
-        <p:spPr>
-          <a:xfrm flipV="1">
-            <a:off x="3203848" y="3115833"/>
-            <a:ext cx="1296144" cy="1056684"/>
-          </a:xfrm>
-          <a:prstGeom prst="straightConnector1">
-            <a:avLst/>
-          </a:prstGeom>
-          <a:ln w="38100">
-            <a:solidFill>
-              <a:schemeClr val="accent3">
-                <a:lumMod val="60000"/>
-                <a:lumOff val="40000"/>
-              </a:schemeClr>
-            </a:solidFill>
-            <a:tailEnd type="triangle" w="med" len="lg"/>
-          </a:ln>
-        </p:spPr>
-        <p:style>
-          <a:lnRef idx="1">
-            <a:schemeClr val="accent1"/>
-          </a:lnRef>
-          <a:fillRef idx="0">
-            <a:schemeClr val="accent1"/>
-          </a:fillRef>
-          <a:effectRef idx="0">
-            <a:schemeClr val="accent1"/>
-          </a:effectRef>
-          <a:fontRef idx="minor">
-            <a:schemeClr val="tx1"/>
-          </a:fontRef>
-        </p:style>
-      </p:cxnSp>
-      <p:cxnSp>
-        <p:nvCxnSpPr>
-          <p:cNvPr id="13" name="直接箭头连接符 12"/>
-          <p:cNvCxnSpPr>
-            <a:stCxn id="3074" idx="3"/>
-            <a:endCxn id="8" idx="1"/>
-          </p:cNvCxnSpPr>
-          <p:nvPr/>
-        </p:nvCxnSpPr>
-        <p:spPr>
-          <a:xfrm flipV="1">
-            <a:off x="3203848" y="4124511"/>
-            <a:ext cx="1296144" cy="48006"/>
-          </a:xfrm>
-          <a:prstGeom prst="straightConnector1">
-            <a:avLst/>
-          </a:prstGeom>
-          <a:ln w="38100">
-            <a:solidFill>
-              <a:schemeClr val="accent3">
-                <a:lumMod val="60000"/>
-                <a:lumOff val="40000"/>
-              </a:schemeClr>
-            </a:solidFill>
-            <a:tailEnd type="triangle" w="med" len="lg"/>
-          </a:ln>
-        </p:spPr>
-        <p:style>
-          <a:lnRef idx="1">
-            <a:schemeClr val="accent1"/>
-          </a:lnRef>
-          <a:fillRef idx="0">
-            <a:schemeClr val="accent1"/>
-          </a:fillRef>
-          <a:effectRef idx="0">
-            <a:schemeClr val="accent1"/>
-          </a:effectRef>
-          <a:fontRef idx="minor">
-            <a:schemeClr val="tx1"/>
-          </a:fontRef>
-        </p:style>
-      </p:cxnSp>
-      <p:cxnSp>
-        <p:nvCxnSpPr>
-          <p:cNvPr id="17" name="直接箭头连接符 16"/>
-          <p:cNvCxnSpPr>
-            <a:stCxn id="3074" idx="3"/>
-            <a:endCxn id="9" idx="1"/>
-          </p:cNvCxnSpPr>
-          <p:nvPr/>
-        </p:nvCxnSpPr>
-        <p:spPr>
-          <a:xfrm>
-            <a:off x="3203848" y="4172517"/>
-            <a:ext cx="1296144" cy="1060651"/>
-          </a:xfrm>
-          <a:prstGeom prst="straightConnector1">
-            <a:avLst/>
-          </a:prstGeom>
-          <a:ln w="38100">
-            <a:solidFill>
-              <a:schemeClr val="accent3">
-                <a:lumMod val="60000"/>
-                <a:lumOff val="40000"/>
-              </a:schemeClr>
-            </a:solidFill>
-            <a:tailEnd type="triangle" w="med" len="lg"/>
-          </a:ln>
-        </p:spPr>
-        <p:style>
-          <a:lnRef idx="1">
-            <a:schemeClr val="accent1"/>
-          </a:lnRef>
-          <a:fillRef idx="0">
-            <a:schemeClr val="accent1"/>
-          </a:fillRef>
-          <a:effectRef idx="0">
-            <a:schemeClr val="accent1"/>
-          </a:effectRef>
-          <a:fontRef idx="minor">
-            <a:schemeClr val="tx1"/>
-          </a:fontRef>
-        </p:style>
-      </p:cxnSp>
-      <p:sp>
-        <p:nvSpPr>
-          <p:cNvPr id="24" name="TextBox 23"/>
-          <p:cNvSpPr txBox="1"/>
-          <p:nvPr/>
-        </p:nvSpPr>
-        <p:spPr>
-          <a:xfrm>
-            <a:off x="6012159" y="2653461"/>
-            <a:ext cx="2508895" cy="830997"/>
-          </a:xfrm>
-          <a:prstGeom prst="rect">
-            <a:avLst/>
-          </a:prstGeom>
-          <a:noFill/>
-        </p:spPr>
-        <p:txBody>
-          <a:bodyPr wrap="square" rtlCol="0">
-            <a:spAutoFit/>
-          </a:bodyPr>
-          <a:lstStyle/>
-          <a:p>
-            <a:r>
-              <a:rPr lang="zh-CN" altLang="en-US" sz="1600" b="1" smtClean="0">
-                <a:solidFill>
-                  <a:srgbClr val="FF0000"/>
-                </a:solidFill>
-              </a:rPr>
-              <a:t>如何快速准备资源？</a:t>
-            </a:r>
-            <a:endParaRPr lang="en-US" altLang="zh-CN" sz="1600" b="1" smtClean="0">
-              <a:solidFill>
-                <a:srgbClr val="FF0000"/>
-              </a:solidFill>
-            </a:endParaRPr>
-          </a:p>
-          <a:p>
-            <a:pPr marL="285750" indent="-285750">
-              <a:buFont typeface="Arial" pitchFamily="34" charset="0"/>
-              <a:buChar char="•"/>
-            </a:pPr>
-            <a:r>
-              <a:rPr lang="zh-CN" altLang="en-US" sz="1600" smtClean="0"/>
-              <a:t>自己如何准备和操作。</a:t>
-            </a:r>
-            <a:endParaRPr lang="en-US" altLang="zh-CN" sz="1600" smtClean="0"/>
-          </a:p>
-          <a:p>
-            <a:pPr marL="285750" indent="-285750">
-              <a:buFont typeface="Arial" pitchFamily="34" charset="0"/>
-              <a:buChar char="•"/>
-            </a:pPr>
-            <a:r>
-              <a:rPr lang="zh-CN" altLang="en-US" sz="1600" smtClean="0"/>
-              <a:t>网络直接浏览获得</a:t>
-            </a:r>
-            <a:r>
-              <a:rPr lang="zh-CN" altLang="en-US" sz="1600"/>
-              <a:t>。</a:t>
-            </a:r>
-          </a:p>
-        </p:txBody>
-      </p:sp>
-      <p:sp>
-        <p:nvSpPr>
-          <p:cNvPr id="25" name="TextBox 24"/>
-          <p:cNvSpPr txBox="1"/>
-          <p:nvPr/>
-        </p:nvSpPr>
-        <p:spPr>
-          <a:xfrm>
-            <a:off x="6023544" y="3735529"/>
-            <a:ext cx="2508895" cy="830997"/>
-          </a:xfrm>
-          <a:prstGeom prst="rect">
-            <a:avLst/>
-          </a:prstGeom>
-          <a:noFill/>
-        </p:spPr>
-        <p:txBody>
-          <a:bodyPr wrap="square" rtlCol="0">
-            <a:spAutoFit/>
-          </a:bodyPr>
-          <a:lstStyle/>
-          <a:p>
-            <a:r>
-              <a:rPr lang="zh-CN" altLang="en-US" sz="1600" b="1" smtClean="0">
-                <a:solidFill>
-                  <a:srgbClr val="FF0000"/>
-                </a:solidFill>
-              </a:rPr>
-              <a:t>如何简化逻辑？</a:t>
-            </a:r>
-            <a:endParaRPr lang="en-US" altLang="zh-CN" sz="1600" b="1" smtClean="0">
-              <a:solidFill>
-                <a:srgbClr val="FF0000"/>
-              </a:solidFill>
-            </a:endParaRPr>
-          </a:p>
-          <a:p>
-            <a:pPr marL="285750" indent="-285750">
-              <a:buFont typeface="Arial" pitchFamily="34" charset="0"/>
-              <a:buChar char="•"/>
-            </a:pPr>
-            <a:r>
-              <a:rPr lang="zh-CN" altLang="en-US" sz="1600" smtClean="0"/>
-              <a:t>逻辑配置化</a:t>
-            </a:r>
-            <a:r>
-              <a:rPr lang="en-US" altLang="zh-CN" sz="1600" smtClean="0"/>
-              <a:t>/</a:t>
-            </a:r>
-            <a:r>
-              <a:rPr lang="zh-CN" altLang="en-US" sz="1600" smtClean="0"/>
-              <a:t>图形化</a:t>
-            </a:r>
-            <a:r>
-              <a:rPr lang="zh-CN" altLang="en-US" sz="1600"/>
-              <a:t>。</a:t>
-            </a:r>
-            <a:endParaRPr lang="en-US" altLang="zh-CN" sz="1600" smtClean="0"/>
-          </a:p>
-          <a:p>
-            <a:pPr marL="285750" indent="-285750">
-              <a:buFont typeface="Arial" pitchFamily="34" charset="0"/>
-              <a:buChar char="•"/>
-            </a:pPr>
-            <a:r>
-              <a:rPr lang="zh-CN" altLang="en-US" sz="1600"/>
-              <a:t>网络</a:t>
-            </a:r>
-            <a:r>
-              <a:rPr lang="zh-CN" altLang="en-US" sz="1600" smtClean="0"/>
-              <a:t>获得现成逻辑模块。</a:t>
-            </a:r>
-            <a:endParaRPr lang="zh-CN" altLang="en-US" sz="1600"/>
-          </a:p>
-        </p:txBody>
-      </p:sp>
-      <p:sp>
-        <p:nvSpPr>
-          <p:cNvPr id="29" name="TextBox 28"/>
-          <p:cNvSpPr txBox="1"/>
-          <p:nvPr/>
-        </p:nvSpPr>
-        <p:spPr>
-          <a:xfrm>
-            <a:off x="6012160" y="4860574"/>
-            <a:ext cx="2508895" cy="830997"/>
-          </a:xfrm>
-          <a:prstGeom prst="rect">
-            <a:avLst/>
-          </a:prstGeom>
-          <a:noFill/>
-        </p:spPr>
-        <p:txBody>
-          <a:bodyPr wrap="square" rtlCol="0">
-            <a:spAutoFit/>
-          </a:bodyPr>
-          <a:lstStyle/>
-          <a:p>
-            <a:r>
-              <a:rPr lang="zh-CN" altLang="en-US" sz="1600" b="1" smtClean="0">
-                <a:solidFill>
-                  <a:srgbClr val="FF0000"/>
-                </a:solidFill>
-              </a:rPr>
-              <a:t>如何快速查看结果？</a:t>
-            </a:r>
-            <a:endParaRPr lang="en-US" altLang="zh-CN" sz="1600" b="1" smtClean="0">
-              <a:solidFill>
-                <a:srgbClr val="FF0000"/>
-              </a:solidFill>
-            </a:endParaRPr>
-          </a:p>
-          <a:p>
-            <a:pPr marL="285750" indent="-285750">
-              <a:buFont typeface="Arial" pitchFamily="34" charset="0"/>
-              <a:buChar char="•"/>
-            </a:pPr>
-            <a:r>
-              <a:rPr lang="zh-CN" altLang="en-US" sz="1600" smtClean="0"/>
-              <a:t>设备选择和要求。</a:t>
-            </a:r>
-            <a:endParaRPr lang="en-US" altLang="zh-CN" sz="1600" smtClean="0"/>
-          </a:p>
-          <a:p>
-            <a:pPr marL="285750" indent="-285750">
-              <a:buFont typeface="Arial" pitchFamily="34" charset="0"/>
-              <a:buChar char="•"/>
-            </a:pPr>
-            <a:r>
-              <a:rPr lang="zh-CN" altLang="en-US" sz="1600" smtClean="0"/>
-              <a:t>快速运行。</a:t>
-            </a:r>
-            <a:endParaRPr lang="zh-CN" altLang="en-US" sz="1600"/>
-          </a:p>
-        </p:txBody>
-      </p:sp>
     </p:spTree>
     <p:extLst>
       <p:ext uri="{BB962C8B-B14F-4D97-AF65-F5344CB8AC3E}">
-        <p14:creationId xmlns:p14="http://schemas.microsoft.com/office/powerpoint/2010/main" val="1023721056"/>
+        <p14:creationId xmlns:p14="http://schemas.microsoft.com/office/powerpoint/2010/main" val="2291188887"/>
       </p:ext>
     </p:extLst>
   </p:cSld>
@@ -11039,22 +11140,83 @@
           <a:p>
             <a:r>
               <a:rPr lang="zh-CN" altLang="en-US" smtClean="0"/>
-              <a:t>编辑分解</a:t>
-            </a:r>
-            <a:endParaRPr lang="zh-CN" altLang="en-US"/>
-          </a:p>
-        </p:txBody>
-      </p:sp>
-      <p:sp>
-        <p:nvSpPr>
-          <p:cNvPr id="4" name="圆角矩形 3"/>
+              <a:t>客户行为 </a:t>
+            </a:r>
+            <a:r>
+              <a:rPr lang="en-US" altLang="zh-CN" smtClean="0"/>
+              <a:t>– </a:t>
+            </a:r>
+            <a:r>
+              <a:rPr lang="zh-CN" altLang="en-US"/>
+              <a:t>编辑</a:t>
+            </a:r>
+          </a:p>
+        </p:txBody>
+      </p:sp>
+      <p:sp>
+        <p:nvSpPr>
+          <p:cNvPr id="3" name="内容占位符 2"/>
+          <p:cNvSpPr>
+            <a:spLocks noGrp="1"/>
+          </p:cNvSpPr>
+          <p:nvPr>
+            <p:ph sz="quarter" idx="1"/>
+          </p:nvPr>
+        </p:nvSpPr>
+        <p:spPr>
+          <a:xfrm>
+            <a:off x="457200" y="1600200"/>
+            <a:ext cx="7859216" cy="4997152"/>
+          </a:xfrm>
+        </p:spPr>
+        <p:txBody>
+          <a:bodyPr>
+            <a:normAutofit/>
+          </a:bodyPr>
+          <a:lstStyle/>
+          <a:p>
+            <a:r>
+              <a:rPr lang="zh-CN" altLang="en-US" smtClean="0"/>
+              <a:t>编辑分很多子项构成</a:t>
+            </a:r>
+            <a:endParaRPr lang="en-US" altLang="zh-CN"/>
+          </a:p>
+          <a:p>
+            <a:pPr lvl="1"/>
+            <a:r>
+              <a:rPr lang="zh-CN" altLang="en-US" smtClean="0"/>
+              <a:t>是一个需要学习的过程</a:t>
+            </a:r>
+            <a:endParaRPr lang="en-US" altLang="zh-CN" smtClean="0"/>
+          </a:p>
+          <a:p>
+            <a:pPr lvl="1"/>
+            <a:r>
+              <a:rPr lang="zh-CN" altLang="en-US" smtClean="0"/>
+              <a:t>也是一个享受创作</a:t>
+            </a:r>
+            <a:r>
+              <a:rPr lang="zh-CN" altLang="en-US"/>
+              <a:t>的</a:t>
+            </a:r>
+            <a:r>
+              <a:rPr lang="zh-CN" altLang="en-US" smtClean="0"/>
+              <a:t>过程。</a:t>
+            </a:r>
+            <a:endParaRPr lang="en-US" altLang="zh-CN" smtClean="0"/>
+          </a:p>
+        </p:txBody>
+      </p:sp>
+      <p:sp>
+        <p:nvSpPr>
+          <p:cNvPr id="5" name="圆角矩形 4"/>
           <p:cNvSpPr/>
           <p:nvPr/>
         </p:nvSpPr>
         <p:spPr>
           <a:xfrm>
-            <a:off x="187698" y="3296819"/>
-            <a:ext cx="1152128" cy="331027"/>
+            <a:off x="4499992" y="2899809"/>
+            <a:ext cx="1440160" cy="432048"/>
           </a:xfrm>
           <a:prstGeom prst="roundRect">
             <a:avLst/>
@@ -11080,23 +11242,93 @@
           <a:p>
             <a:pPr algn="ctr"/>
             <a:r>
-              <a:rPr lang="zh-CN" altLang="en-US" sz="1200" smtClean="0"/>
-              <a:t>选择项目</a:t>
-            </a:r>
-            <a:endParaRPr lang="zh-CN" altLang="en-US" sz="1200"/>
-          </a:p>
-        </p:txBody>
-      </p:sp>
-      <p:sp>
-        <p:nvSpPr>
-          <p:cNvPr id="5" name="圆角矩形 4"/>
+              <a:rPr lang="zh-CN" altLang="en-US" smtClean="0"/>
+              <a:t>资源准备</a:t>
+            </a:r>
+            <a:endParaRPr lang="zh-CN" altLang="en-US"/>
+          </a:p>
+        </p:txBody>
+      </p:sp>
+      <p:pic>
+        <p:nvPicPr>
+          <p:cNvPr id="3074" name="Picture 2" descr="C:\Users\maochunyang\AppData\Local\Microsoft\Windows\Temporary Internet Files\Content.IE5\TAWJKKR7\MC900251197[1].wmf"/>
+          <p:cNvPicPr>
+            <a:picLocks noChangeAspect="1" noChangeArrowheads="1"/>
+          </p:cNvPicPr>
+          <p:nvPr/>
+        </p:nvPicPr>
+        <p:blipFill>
+          <a:blip r:embed="rId2" cstate="print">
+            <a:extLst>
+              <a:ext uri="{28A0092B-C50C-407E-A947-70E740481C1C}">
+                <a14:useLocalDpi xmlns:a14="http://schemas.microsoft.com/office/drawing/2010/main" val="0"/>
+              </a:ext>
+            </a:extLst>
+          </a:blip>
+          <a:srcRect/>
+          <a:stretch>
+            <a:fillRect/>
+          </a:stretch>
+        </p:blipFill>
+        <p:spPr bwMode="auto">
+          <a:xfrm>
+            <a:off x="1115616" y="3068960"/>
+            <a:ext cx="2088232" cy="2207113"/>
+          </a:xfrm>
+          <a:prstGeom prst="rect">
+            <a:avLst/>
+          </a:prstGeom>
+          <a:noFill/>
+          <a:extLst>
+            <a:ext uri="{909E8E84-426E-40DD-AFC4-6F175D3DCCD1}">
+              <a14:hiddenFill xmlns:a14="http://schemas.microsoft.com/office/drawing/2010/main">
+                <a:solidFill>
+                  <a:srgbClr val="FFFFFF"/>
+                </a:solidFill>
+              </a14:hiddenFill>
+            </a:ext>
+          </a:extLst>
+        </p:spPr>
+      </p:pic>
+      <p:sp>
+        <p:nvSpPr>
+          <p:cNvPr id="6" name="TextBox 5"/>
+          <p:cNvSpPr txBox="1"/>
+          <p:nvPr/>
+        </p:nvSpPr>
+        <p:spPr>
+          <a:xfrm>
+            <a:off x="1832298" y="5291916"/>
+            <a:ext cx="646331" cy="369332"/>
+          </a:xfrm>
+          <a:prstGeom prst="rect">
+            <a:avLst/>
+          </a:prstGeom>
+          <a:noFill/>
+        </p:spPr>
+        <p:txBody>
+          <a:bodyPr wrap="none" rtlCol="0">
+            <a:spAutoFit/>
+          </a:bodyPr>
+          <a:lstStyle/>
+          <a:p>
+            <a:r>
+              <a:rPr lang="zh-CN" altLang="en-US"/>
+              <a:t>游戏</a:t>
+            </a:r>
+          </a:p>
+        </p:txBody>
+      </p:sp>
+      <p:sp>
+        <p:nvSpPr>
+          <p:cNvPr id="8" name="圆角矩形 7"/>
           <p:cNvSpPr/>
           <p:nvPr/>
         </p:nvSpPr>
         <p:spPr>
           <a:xfrm>
-            <a:off x="1051794" y="3754516"/>
-            <a:ext cx="1080120" cy="288032"/>
+            <a:off x="4499992" y="3908487"/>
+            <a:ext cx="1440160" cy="432048"/>
           </a:xfrm>
           <a:prstGeom prst="roundRect">
             <a:avLst/>
@@ -11104,13 +11336,13 @@
         </p:spPr>
         <p:style>
           <a:lnRef idx="1">
-            <a:schemeClr val="accent4"/>
+            <a:schemeClr val="accent1"/>
           </a:lnRef>
           <a:fillRef idx="2">
-            <a:schemeClr val="accent4"/>
+            <a:schemeClr val="accent1"/>
           </a:fillRef>
           <a:effectRef idx="1">
-            <a:schemeClr val="accent4"/>
+            <a:schemeClr val="accent1"/>
           </a:effectRef>
           <a:fontRef idx="minor">
             <a:schemeClr val="dk1"/>
@@ -11122,73 +11354,37 @@
           <a:p>
             <a:pPr algn="ctr"/>
             <a:r>
-              <a:rPr lang="zh-CN" altLang="en-US" sz="1050" smtClean="0"/>
-              <a:t>建立空项目</a:t>
-            </a:r>
-            <a:endParaRPr lang="zh-CN" altLang="en-US" sz="1050"/>
-          </a:p>
-        </p:txBody>
-      </p:sp>
-      <p:cxnSp>
-        <p:nvCxnSpPr>
-          <p:cNvPr id="7" name="肘形连接符 6"/>
-          <p:cNvCxnSpPr>
-            <a:stCxn id="4" idx="2"/>
-            <a:endCxn id="5" idx="1"/>
-          </p:cNvCxnSpPr>
-          <p:nvPr/>
-        </p:nvCxnSpPr>
-        <p:spPr>
-          <a:xfrm rot="16200000" flipH="1">
-            <a:off x="772435" y="3619173"/>
-            <a:ext cx="270686" cy="288032"/>
-          </a:xfrm>
-          <a:prstGeom prst="bentConnector2">
-            <a:avLst/>
-          </a:prstGeom>
-          <a:ln>
-            <a:tailEnd type="triangle" w="med" len="lg"/>
-          </a:ln>
+              <a:rPr lang="zh-CN" altLang="en-US" smtClean="0"/>
+              <a:t>逻辑控制</a:t>
+            </a:r>
+            <a:endParaRPr lang="zh-CN" altLang="en-US"/>
+          </a:p>
+        </p:txBody>
+      </p:sp>
+      <p:sp>
+        <p:nvSpPr>
+          <p:cNvPr id="9" name="圆角矩形 8"/>
+          <p:cNvSpPr/>
+          <p:nvPr/>
+        </p:nvSpPr>
+        <p:spPr>
+          <a:xfrm>
+            <a:off x="4499992" y="5017144"/>
+            <a:ext cx="1440160" cy="432048"/>
+          </a:xfrm>
+          <a:prstGeom prst="roundRect">
+            <a:avLst/>
+          </a:prstGeom>
         </p:spPr>
         <p:style>
           <a:lnRef idx="1">
             <a:schemeClr val="accent1"/>
           </a:lnRef>
-          <a:fillRef idx="0">
-            <a:schemeClr val="accent1"/>
-          </a:fillRef>
-          <a:effectRef idx="0">
-            <a:schemeClr val="accent1"/>
-          </a:effectRef>
-          <a:fontRef idx="minor">
-            <a:schemeClr val="tx1"/>
-          </a:fontRef>
-        </p:style>
-      </p:cxnSp>
-      <p:sp>
-        <p:nvSpPr>
-          <p:cNvPr id="10" name="圆角矩形 9"/>
-          <p:cNvSpPr/>
-          <p:nvPr/>
-        </p:nvSpPr>
-        <p:spPr>
-          <a:xfrm>
-            <a:off x="1051794" y="4131903"/>
-            <a:ext cx="1080120" cy="288032"/>
-          </a:xfrm>
-          <a:prstGeom prst="roundRect">
-            <a:avLst/>
-          </a:prstGeom>
-        </p:spPr>
-        <p:style>
-          <a:lnRef idx="1">
-            <a:schemeClr val="accent4"/>
-          </a:lnRef>
           <a:fillRef idx="2">
-            <a:schemeClr val="accent4"/>
+            <a:schemeClr val="accent1"/>
           </a:fillRef>
           <a:effectRef idx="1">
-            <a:schemeClr val="accent4"/>
+            <a:schemeClr val="accent1"/>
           </a:effectRef>
           <a:fontRef idx="minor">
             <a:schemeClr val="dk1"/>
@@ -11200,234 +11396,35 @@
           <a:p>
             <a:pPr algn="ctr"/>
             <a:r>
-              <a:rPr lang="zh-CN" altLang="en-US" sz="1050" smtClean="0"/>
-              <a:t>打开本地项目</a:t>
-            </a:r>
-            <a:endParaRPr lang="zh-CN" altLang="en-US" sz="1050"/>
+              <a:rPr lang="zh-CN" altLang="en-US" smtClean="0"/>
+              <a:t>测试结果</a:t>
+            </a:r>
+            <a:endParaRPr lang="zh-CN" altLang="en-US"/>
           </a:p>
         </p:txBody>
       </p:sp>
       <p:cxnSp>
         <p:nvCxnSpPr>
-          <p:cNvPr id="11" name="肘形连接符 10"/>
+          <p:cNvPr id="10" name="直接箭头连接符 9"/>
           <p:cNvCxnSpPr>
-            <a:stCxn id="4" idx="2"/>
-            <a:endCxn id="10" idx="1"/>
+            <a:stCxn id="3074" idx="3"/>
+            <a:endCxn id="5" idx="1"/>
           </p:cNvCxnSpPr>
           <p:nvPr/>
         </p:nvCxnSpPr>
         <p:spPr>
-          <a:xfrm rot="16200000" flipH="1">
-            <a:off x="583742" y="3807866"/>
-            <a:ext cx="648073" cy="288032"/>
-          </a:xfrm>
-          <a:prstGeom prst="bentConnector2">
-            <a:avLst/>
-          </a:prstGeom>
-          <a:ln>
-            <a:tailEnd type="triangle" w="med" len="lg"/>
-          </a:ln>
-        </p:spPr>
-        <p:style>
-          <a:lnRef idx="1">
-            <a:schemeClr val="accent1"/>
-          </a:lnRef>
-          <a:fillRef idx="0">
-            <a:schemeClr val="accent1"/>
-          </a:fillRef>
-          <a:effectRef idx="0">
-            <a:schemeClr val="accent1"/>
-          </a:effectRef>
-          <a:fontRef idx="minor">
-            <a:schemeClr val="tx1"/>
-          </a:fontRef>
-        </p:style>
-      </p:cxnSp>
-      <p:sp>
-        <p:nvSpPr>
-          <p:cNvPr id="15" name="圆角矩形 14"/>
-          <p:cNvSpPr/>
-          <p:nvPr/>
-        </p:nvSpPr>
-        <p:spPr>
-          <a:xfrm>
-            <a:off x="1051794" y="4491943"/>
-            <a:ext cx="1080120" cy="288032"/>
-          </a:xfrm>
-          <a:prstGeom prst="roundRect">
-            <a:avLst/>
-          </a:prstGeom>
-        </p:spPr>
-        <p:style>
-          <a:lnRef idx="1">
-            <a:schemeClr val="accent4"/>
-          </a:lnRef>
-          <a:fillRef idx="2">
-            <a:schemeClr val="accent4"/>
-          </a:fillRef>
-          <a:effectRef idx="1">
-            <a:schemeClr val="accent4"/>
-          </a:effectRef>
-          <a:fontRef idx="minor">
-            <a:schemeClr val="dk1"/>
-          </a:fontRef>
-        </p:style>
-        <p:txBody>
-          <a:bodyPr rtlCol="0" anchor="ctr"/>
-          <a:lstStyle/>
-          <a:p>
-            <a:pPr algn="ctr"/>
-            <a:r>
-              <a:rPr lang="zh-CN" altLang="en-US" sz="1050" smtClean="0"/>
-              <a:t>安装远程项目</a:t>
-            </a:r>
-            <a:endParaRPr lang="zh-CN" altLang="en-US" sz="1050"/>
-          </a:p>
-        </p:txBody>
-      </p:sp>
-      <p:cxnSp>
-        <p:nvCxnSpPr>
-          <p:cNvPr id="16" name="肘形连接符 15"/>
-          <p:cNvCxnSpPr>
-            <a:stCxn id="4" idx="2"/>
-            <a:endCxn id="15" idx="1"/>
-          </p:cNvCxnSpPr>
-          <p:nvPr/>
-        </p:nvCxnSpPr>
-        <p:spPr>
-          <a:xfrm rot="16200000" flipH="1">
-            <a:off x="403722" y="3987886"/>
-            <a:ext cx="1008113" cy="288032"/>
-          </a:xfrm>
-          <a:prstGeom prst="bentConnector2">
-            <a:avLst/>
-          </a:prstGeom>
-          <a:ln>
-            <a:tailEnd type="triangle" w="med" len="lg"/>
-          </a:ln>
-        </p:spPr>
-        <p:style>
-          <a:lnRef idx="1">
-            <a:schemeClr val="accent1"/>
-          </a:lnRef>
-          <a:fillRef idx="0">
-            <a:schemeClr val="accent1"/>
-          </a:fillRef>
-          <a:effectRef idx="0">
-            <a:schemeClr val="accent1"/>
-          </a:effectRef>
-          <a:fontRef idx="minor">
-            <a:schemeClr val="tx1"/>
-          </a:fontRef>
-        </p:style>
-      </p:cxnSp>
-      <p:sp>
-        <p:nvSpPr>
-          <p:cNvPr id="22" name="圆角矩形 21"/>
-          <p:cNvSpPr/>
-          <p:nvPr/>
-        </p:nvSpPr>
-        <p:spPr>
-          <a:xfrm>
-            <a:off x="3229913" y="2674947"/>
-            <a:ext cx="1152128" cy="331027"/>
-          </a:xfrm>
-          <a:prstGeom prst="roundRect">
-            <a:avLst/>
-          </a:prstGeom>
-        </p:spPr>
-        <p:style>
-          <a:lnRef idx="1">
-            <a:schemeClr val="accent1"/>
-          </a:lnRef>
-          <a:fillRef idx="2">
-            <a:schemeClr val="accent1"/>
-          </a:fillRef>
-          <a:effectRef idx="1">
-            <a:schemeClr val="accent1"/>
-          </a:effectRef>
-          <a:fontRef idx="minor">
-            <a:schemeClr val="dk1"/>
-          </a:fontRef>
-        </p:style>
-        <p:txBody>
-          <a:bodyPr rtlCol="0" anchor="ctr"/>
-          <a:lstStyle/>
-          <a:p>
-            <a:pPr algn="ctr"/>
-            <a:r>
-              <a:rPr lang="zh-CN" altLang="en-US" sz="1200" smtClean="0"/>
-              <a:t>创建场景</a:t>
-            </a:r>
-            <a:endParaRPr lang="zh-CN" altLang="en-US" sz="1200"/>
-          </a:p>
-        </p:txBody>
-      </p:sp>
-      <p:sp>
-        <p:nvSpPr>
-          <p:cNvPr id="23" name="圆角矩形 22"/>
-          <p:cNvSpPr/>
-          <p:nvPr/>
-        </p:nvSpPr>
-        <p:spPr>
-          <a:xfrm>
-            <a:off x="3229913" y="3917216"/>
-            <a:ext cx="1152128" cy="331027"/>
-          </a:xfrm>
-          <a:prstGeom prst="roundRect">
-            <a:avLst/>
-          </a:prstGeom>
-        </p:spPr>
-        <p:style>
-          <a:lnRef idx="1">
-            <a:schemeClr val="accent1"/>
-          </a:lnRef>
-          <a:fillRef idx="2">
-            <a:schemeClr val="accent1"/>
-          </a:fillRef>
-          <a:effectRef idx="1">
-            <a:schemeClr val="accent1"/>
-          </a:effectRef>
-          <a:fontRef idx="minor">
-            <a:schemeClr val="dk1"/>
-          </a:fontRef>
-        </p:style>
-        <p:txBody>
-          <a:bodyPr rtlCol="0" anchor="ctr"/>
-          <a:lstStyle/>
-          <a:p>
-            <a:pPr algn="ctr"/>
-            <a:r>
-              <a:rPr lang="zh-CN" altLang="en-US" sz="1200" smtClean="0"/>
-              <a:t>创建模板</a:t>
-            </a:r>
-            <a:endParaRPr lang="zh-CN" altLang="en-US" sz="1200"/>
-          </a:p>
-        </p:txBody>
-      </p:sp>
-      <p:cxnSp>
-        <p:nvCxnSpPr>
-          <p:cNvPr id="24" name="肘形连接符 23"/>
-          <p:cNvCxnSpPr>
-            <a:stCxn id="4" idx="3"/>
-            <a:endCxn id="22" idx="1"/>
-          </p:cNvCxnSpPr>
-          <p:nvPr/>
-        </p:nvCxnSpPr>
-        <p:spPr>
           <a:xfrm flipV="1">
-            <a:off x="1339826" y="2840461"/>
-            <a:ext cx="1890087" cy="621872"/>
-          </a:xfrm>
-          <a:prstGeom prst="bentConnector3">
-            <a:avLst>
-              <a:gd name="adj1" fmla="val 50000"/>
-            </a:avLst>
-          </a:prstGeom>
-          <a:ln>
+            <a:off x="3203848" y="3115833"/>
+            <a:ext cx="1296144" cy="1056684"/>
+          </a:xfrm>
+          <a:prstGeom prst="straightConnector1">
+            <a:avLst/>
+          </a:prstGeom>
+          <a:ln w="38100">
             <a:solidFill>
-              <a:schemeClr val="accent2">
-                <a:lumMod val="75000"/>
+              <a:schemeClr val="accent3">
+                <a:lumMod val="60000"/>
+                <a:lumOff val="40000"/>
               </a:schemeClr>
             </a:solidFill>
             <a:tailEnd type="triangle" w="med" len="lg"/>
@@ -11450,150 +11447,29 @@
       </p:cxnSp>
       <p:cxnSp>
         <p:nvCxnSpPr>
-          <p:cNvPr id="27" name="肘形连接符 26"/>
+          <p:cNvPr id="13" name="直接箭头连接符 12"/>
           <p:cNvCxnSpPr>
-            <a:stCxn id="4" idx="3"/>
-            <a:endCxn id="23" idx="1"/>
+            <a:stCxn id="3074" idx="3"/>
+            <a:endCxn id="8" idx="1"/>
           </p:cNvCxnSpPr>
           <p:nvPr/>
         </p:nvCxnSpPr>
         <p:spPr>
-          <a:xfrm>
-            <a:off x="1339826" y="3462333"/>
-            <a:ext cx="1890087" cy="620397"/>
-          </a:xfrm>
-          <a:prstGeom prst="bentConnector3">
-            <a:avLst>
-              <a:gd name="adj1" fmla="val 50000"/>
-            </a:avLst>
-          </a:prstGeom>
-          <a:ln>
+          <a:xfrm flipV="1">
+            <a:off x="3203848" y="4124511"/>
+            <a:ext cx="1296144" cy="48006"/>
+          </a:xfrm>
+          <a:prstGeom prst="straightConnector1">
+            <a:avLst/>
+          </a:prstGeom>
+          <a:ln w="38100">
             <a:solidFill>
-              <a:schemeClr val="accent2">
-                <a:lumMod val="75000"/>
+              <a:schemeClr val="accent3">
+                <a:lumMod val="60000"/>
+                <a:lumOff val="40000"/>
               </a:schemeClr>
             </a:solidFill>
             <a:tailEnd type="triangle" w="med" len="lg"/>
-          </a:ln>
-        </p:spPr>
-        <p:style>
-          <a:lnRef idx="1">
-            <a:schemeClr val="accent1"/>
-          </a:lnRef>
-          <a:fillRef idx="0">
-            <a:schemeClr val="accent1"/>
-          </a:fillRef>
-          <a:effectRef idx="0">
-            <a:schemeClr val="accent1"/>
-          </a:effectRef>
-          <a:fontRef idx="minor">
-            <a:schemeClr val="tx1"/>
-          </a:fontRef>
-        </p:style>
-      </p:cxnSp>
-      <p:sp>
-        <p:nvSpPr>
-          <p:cNvPr id="32" name="圆角矩形 31"/>
-          <p:cNvSpPr/>
-          <p:nvPr/>
-        </p:nvSpPr>
-        <p:spPr>
-          <a:xfrm>
-            <a:off x="3984232" y="4388109"/>
-            <a:ext cx="1268040" cy="288032"/>
-          </a:xfrm>
-          <a:prstGeom prst="roundRect">
-            <a:avLst/>
-          </a:prstGeom>
-        </p:spPr>
-        <p:style>
-          <a:lnRef idx="1">
-            <a:schemeClr val="accent4"/>
-          </a:lnRef>
-          <a:fillRef idx="2">
-            <a:schemeClr val="accent4"/>
-          </a:fillRef>
-          <a:effectRef idx="1">
-            <a:schemeClr val="accent4"/>
-          </a:effectRef>
-          <a:fontRef idx="minor">
-            <a:schemeClr val="dk1"/>
-          </a:fontRef>
-        </p:style>
-        <p:txBody>
-          <a:bodyPr rtlCol="0" anchor="ctr"/>
-          <a:lstStyle/>
-          <a:p>
-            <a:pPr algn="ctr"/>
-            <a:r>
-              <a:rPr lang="zh-CN" altLang="en-US" sz="1050" smtClean="0"/>
-              <a:t>本地模板</a:t>
-            </a:r>
-            <a:endParaRPr lang="zh-CN" altLang="en-US" sz="1050"/>
-          </a:p>
-        </p:txBody>
-      </p:sp>
-      <p:sp>
-        <p:nvSpPr>
-          <p:cNvPr id="33" name="圆角矩形 32"/>
-          <p:cNvSpPr/>
-          <p:nvPr/>
-        </p:nvSpPr>
-        <p:spPr>
-          <a:xfrm>
-            <a:off x="3992132" y="4765951"/>
-            <a:ext cx="1260140" cy="288032"/>
-          </a:xfrm>
-          <a:prstGeom prst="roundRect">
-            <a:avLst/>
-          </a:prstGeom>
-        </p:spPr>
-        <p:style>
-          <a:lnRef idx="1">
-            <a:schemeClr val="accent4"/>
-          </a:lnRef>
-          <a:fillRef idx="2">
-            <a:schemeClr val="accent4"/>
-          </a:fillRef>
-          <a:effectRef idx="1">
-            <a:schemeClr val="accent4"/>
-          </a:effectRef>
-          <a:fontRef idx="minor">
-            <a:schemeClr val="dk1"/>
-          </a:fontRef>
-        </p:style>
-        <p:txBody>
-          <a:bodyPr rtlCol="0" anchor="ctr"/>
-          <a:lstStyle/>
-          <a:p>
-            <a:pPr algn="ctr"/>
-            <a:r>
-              <a:rPr lang="zh-CN" altLang="en-US" sz="1050" smtClean="0"/>
-              <a:t>网络模板</a:t>
-            </a:r>
-            <a:endParaRPr lang="zh-CN" altLang="en-US" sz="1050"/>
-          </a:p>
-        </p:txBody>
-      </p:sp>
-      <p:cxnSp>
-        <p:nvCxnSpPr>
-          <p:cNvPr id="34" name="肘形连接符 33"/>
-          <p:cNvCxnSpPr>
-            <a:stCxn id="23" idx="2"/>
-            <a:endCxn id="32" idx="1"/>
-          </p:cNvCxnSpPr>
-          <p:nvPr/>
-        </p:nvCxnSpPr>
-        <p:spPr>
-          <a:xfrm rot="16200000" flipH="1">
-            <a:off x="3753163" y="4301056"/>
-            <a:ext cx="283882" cy="178255"/>
-          </a:xfrm>
-          <a:prstGeom prst="bentConnector2">
-            <a:avLst/>
-          </a:prstGeom>
-          <a:ln>
-            <a:headEnd type="triangle" w="med" len="lg"/>
           </a:ln>
         </p:spPr>
         <p:style>
@@ -11613,23 +11489,29 @@
       </p:cxnSp>
       <p:cxnSp>
         <p:nvCxnSpPr>
-          <p:cNvPr id="37" name="肘形连接符 36"/>
+          <p:cNvPr id="17" name="直接箭头连接符 16"/>
           <p:cNvCxnSpPr>
-            <a:stCxn id="23" idx="2"/>
-            <a:endCxn id="33" idx="1"/>
+            <a:stCxn id="3074" idx="3"/>
+            <a:endCxn id="9" idx="1"/>
           </p:cNvCxnSpPr>
           <p:nvPr/>
         </p:nvCxnSpPr>
         <p:spPr>
-          <a:xfrm rot="16200000" flipH="1">
-            <a:off x="3568192" y="4486027"/>
-            <a:ext cx="661724" cy="186155"/>
-          </a:xfrm>
-          <a:prstGeom prst="bentConnector2">
-            <a:avLst/>
-          </a:prstGeom>
-          <a:ln>
-            <a:headEnd type="triangle" w="med" len="lg"/>
+          <a:xfrm>
+            <a:off x="3203848" y="4172517"/>
+            <a:ext cx="1296144" cy="1060651"/>
+          </a:xfrm>
+          <a:prstGeom prst="straightConnector1">
+            <a:avLst/>
+          </a:prstGeom>
+          <a:ln w="38100">
+            <a:solidFill>
+              <a:schemeClr val="accent3">
+                <a:lumMod val="60000"/>
+                <a:lumOff val="40000"/>
+              </a:schemeClr>
+            </a:solidFill>
+            <a:tailEnd type="triangle" w="med" len="lg"/>
           </a:ln>
         </p:spPr>
         <p:style>
@@ -11649,939 +11531,207 @@
       </p:cxnSp>
       <p:sp>
         <p:nvSpPr>
-          <p:cNvPr id="45" name="圆角矩形 44"/>
-          <p:cNvSpPr/>
-          <p:nvPr/>
-        </p:nvSpPr>
-        <p:spPr>
-          <a:xfrm>
-            <a:off x="5169004" y="3355685"/>
-            <a:ext cx="1152128" cy="331027"/>
-          </a:xfrm>
-          <a:prstGeom prst="roundRect">
-            <a:avLst/>
-          </a:prstGeom>
-        </p:spPr>
-        <p:style>
-          <a:lnRef idx="1">
-            <a:schemeClr val="accent1"/>
-          </a:lnRef>
-          <a:fillRef idx="2">
-            <a:schemeClr val="accent1"/>
-          </a:fillRef>
-          <a:effectRef idx="1">
-            <a:schemeClr val="accent1"/>
-          </a:effectRef>
-          <a:fontRef idx="minor">
-            <a:schemeClr val="dk1"/>
-          </a:fontRef>
-        </p:style>
-        <p:txBody>
-          <a:bodyPr rtlCol="0" anchor="ctr"/>
-          <a:lstStyle/>
-          <a:p>
-            <a:pPr algn="ctr"/>
-            <a:r>
-              <a:rPr lang="zh-CN" altLang="en-US" sz="1200" smtClean="0"/>
-              <a:t>逻辑建立</a:t>
-            </a:r>
-            <a:endParaRPr lang="zh-CN" altLang="en-US" sz="1200"/>
-          </a:p>
-        </p:txBody>
-      </p:sp>
-      <p:cxnSp>
-        <p:nvCxnSpPr>
-          <p:cNvPr id="46" name="肘形连接符 45"/>
-          <p:cNvCxnSpPr>
-            <a:stCxn id="22" idx="3"/>
-            <a:endCxn id="45" idx="1"/>
-          </p:cNvCxnSpPr>
-          <p:nvPr/>
-        </p:nvCxnSpPr>
-        <p:spPr>
-          <a:xfrm>
-            <a:off x="4382041" y="2840461"/>
-            <a:ext cx="786963" cy="680738"/>
-          </a:xfrm>
-          <a:prstGeom prst="bentConnector3">
-            <a:avLst>
-              <a:gd name="adj1" fmla="val 50000"/>
-            </a:avLst>
-          </a:prstGeom>
-          <a:ln>
-            <a:solidFill>
-              <a:schemeClr val="accent2">
-                <a:lumMod val="75000"/>
-              </a:schemeClr>
-            </a:solidFill>
-            <a:tailEnd type="triangle" w="med" len="lg"/>
-          </a:ln>
-        </p:spPr>
-        <p:style>
-          <a:lnRef idx="1">
-            <a:schemeClr val="accent1"/>
-          </a:lnRef>
-          <a:fillRef idx="0">
-            <a:schemeClr val="accent1"/>
-          </a:fillRef>
-          <a:effectRef idx="0">
-            <a:schemeClr val="accent1"/>
-          </a:effectRef>
-          <a:fontRef idx="minor">
-            <a:schemeClr val="tx1"/>
-          </a:fontRef>
-        </p:style>
-      </p:cxnSp>
-      <p:cxnSp>
-        <p:nvCxnSpPr>
-          <p:cNvPr id="49" name="肘形连接符 48"/>
-          <p:cNvCxnSpPr>
-            <a:stCxn id="23" idx="3"/>
-            <a:endCxn id="45" idx="1"/>
-          </p:cNvCxnSpPr>
-          <p:nvPr/>
-        </p:nvCxnSpPr>
-        <p:spPr>
-          <a:xfrm flipV="1">
-            <a:off x="4382041" y="3521199"/>
-            <a:ext cx="786963" cy="561531"/>
-          </a:xfrm>
-          <a:prstGeom prst="bentConnector3">
-            <a:avLst>
-              <a:gd name="adj1" fmla="val 50000"/>
-            </a:avLst>
-          </a:prstGeom>
-          <a:ln>
-            <a:solidFill>
-              <a:schemeClr val="accent2">
-                <a:lumMod val="75000"/>
-              </a:schemeClr>
-            </a:solidFill>
-            <a:tailEnd type="triangle" w="med" len="lg"/>
-          </a:ln>
-        </p:spPr>
-        <p:style>
-          <a:lnRef idx="1">
-            <a:schemeClr val="accent1"/>
-          </a:lnRef>
-          <a:fillRef idx="0">
-            <a:schemeClr val="accent1"/>
-          </a:fillRef>
-          <a:effectRef idx="0">
-            <a:schemeClr val="accent1"/>
-          </a:effectRef>
-          <a:fontRef idx="minor">
-            <a:schemeClr val="tx1"/>
-          </a:fontRef>
-        </p:style>
-      </p:cxnSp>
-      <p:sp>
-        <p:nvSpPr>
-          <p:cNvPr id="55" name="圆角矩形 54"/>
-          <p:cNvSpPr/>
-          <p:nvPr/>
-        </p:nvSpPr>
-        <p:spPr>
-          <a:xfrm>
-            <a:off x="4053643" y="2166890"/>
-            <a:ext cx="1268040" cy="288032"/>
-          </a:xfrm>
-          <a:prstGeom prst="roundRect">
-            <a:avLst/>
-          </a:prstGeom>
-        </p:spPr>
-        <p:style>
-          <a:lnRef idx="1">
-            <a:schemeClr val="accent4"/>
-          </a:lnRef>
-          <a:fillRef idx="2">
-            <a:schemeClr val="accent4"/>
-          </a:fillRef>
-          <a:effectRef idx="1">
-            <a:schemeClr val="accent4"/>
-          </a:effectRef>
-          <a:fontRef idx="minor">
-            <a:schemeClr val="dk1"/>
-          </a:fontRef>
-        </p:style>
-        <p:txBody>
-          <a:bodyPr rtlCol="0" anchor="ctr"/>
-          <a:lstStyle/>
-          <a:p>
-            <a:pPr algn="ctr"/>
-            <a:r>
-              <a:rPr lang="zh-CN" altLang="en-US" sz="1050" smtClean="0"/>
-              <a:t>获得网络资源</a:t>
-            </a:r>
-            <a:endParaRPr lang="zh-CN" altLang="en-US" sz="1050"/>
-          </a:p>
-        </p:txBody>
-      </p:sp>
-      <p:cxnSp>
-        <p:nvCxnSpPr>
-          <p:cNvPr id="56" name="肘形连接符 55"/>
-          <p:cNvCxnSpPr>
-            <a:stCxn id="23" idx="0"/>
-            <a:endCxn id="22" idx="2"/>
-          </p:cNvCxnSpPr>
-          <p:nvPr/>
-        </p:nvCxnSpPr>
-        <p:spPr>
-          <a:xfrm flipV="1">
-            <a:off x="3805977" y="3005974"/>
-            <a:ext cx="0" cy="911242"/>
-          </a:xfrm>
-          <a:prstGeom prst="straightConnector1">
-            <a:avLst/>
-          </a:prstGeom>
-          <a:ln>
-            <a:tailEnd type="triangle" w="med" len="lg"/>
-          </a:ln>
-        </p:spPr>
-        <p:style>
-          <a:lnRef idx="1">
-            <a:schemeClr val="accent1"/>
-          </a:lnRef>
-          <a:fillRef idx="0">
-            <a:schemeClr val="accent1"/>
-          </a:fillRef>
-          <a:effectRef idx="0">
-            <a:schemeClr val="accent1"/>
-          </a:effectRef>
-          <a:fontRef idx="minor">
-            <a:schemeClr val="tx1"/>
-          </a:fontRef>
-        </p:style>
-      </p:cxnSp>
-      <p:sp>
-        <p:nvSpPr>
-          <p:cNvPr id="79" name="圆角矩形 78"/>
-          <p:cNvSpPr/>
-          <p:nvPr/>
-        </p:nvSpPr>
-        <p:spPr>
-          <a:xfrm>
-            <a:off x="3720116" y="3377183"/>
-            <a:ext cx="902086" cy="288032"/>
-          </a:xfrm>
-          <a:prstGeom prst="roundRect">
+          <p:cNvPr id="24" name="TextBox 23"/>
+          <p:cNvSpPr txBox="1"/>
+          <p:nvPr/>
+        </p:nvSpPr>
+        <p:spPr>
+          <a:xfrm>
+            <a:off x="6012159" y="2653461"/>
+            <a:ext cx="2508895" cy="830997"/>
+          </a:xfrm>
+          <a:prstGeom prst="rect">
             <a:avLst/>
           </a:prstGeom>
           <a:noFill/>
-          <a:ln>
-            <a:noFill/>
-          </a:ln>
-        </p:spPr>
-        <p:style>
-          <a:lnRef idx="1">
-            <a:schemeClr val="accent4"/>
-          </a:lnRef>
-          <a:fillRef idx="2">
-            <a:schemeClr val="accent4"/>
-          </a:fillRef>
-          <a:effectRef idx="1">
-            <a:schemeClr val="accent4"/>
-          </a:effectRef>
-          <a:fontRef idx="minor">
-            <a:schemeClr val="dk1"/>
-          </a:fontRef>
-        </p:style>
-        <p:txBody>
-          <a:bodyPr rtlCol="0" anchor="ctr"/>
-          <a:lstStyle/>
-          <a:p>
-            <a:pPr algn="ctr"/>
-            <a:r>
-              <a:rPr lang="zh-CN" altLang="en-US" sz="1050"/>
-              <a:t>放</a:t>
-            </a:r>
-            <a:r>
-              <a:rPr lang="zh-CN" altLang="en-US" sz="1050" smtClean="0"/>
-              <a:t>入场景</a:t>
-            </a:r>
-            <a:endParaRPr lang="zh-CN" altLang="en-US" sz="1050"/>
-          </a:p>
-        </p:txBody>
-      </p:sp>
-      <p:cxnSp>
-        <p:nvCxnSpPr>
-          <p:cNvPr id="82" name="肘形连接符 81"/>
-          <p:cNvCxnSpPr>
-            <a:stCxn id="55" idx="1"/>
-            <a:endCxn id="22" idx="0"/>
-          </p:cNvCxnSpPr>
-          <p:nvPr/>
-        </p:nvCxnSpPr>
-        <p:spPr>
-          <a:xfrm rot="10800000" flipV="1">
-            <a:off x="3805977" y="2310905"/>
-            <a:ext cx="247666" cy="364041"/>
-          </a:xfrm>
-          <a:prstGeom prst="bentConnector2">
-            <a:avLst/>
-          </a:prstGeom>
-          <a:ln>
-            <a:headEnd type="none"/>
-            <a:tailEnd type="triangle" w="med" len="lg"/>
-          </a:ln>
-        </p:spPr>
-        <p:style>
-          <a:lnRef idx="1">
-            <a:schemeClr val="accent1"/>
-          </a:lnRef>
-          <a:fillRef idx="0">
-            <a:schemeClr val="accent1"/>
-          </a:fillRef>
-          <a:effectRef idx="0">
-            <a:schemeClr val="accent1"/>
-          </a:effectRef>
-          <a:fontRef idx="minor">
-            <a:schemeClr val="tx1"/>
-          </a:fontRef>
-        </p:style>
-      </p:cxnSp>
-      <p:sp>
-        <p:nvSpPr>
-          <p:cNvPr id="86" name="圆角矩形 85"/>
-          <p:cNvSpPr/>
-          <p:nvPr/>
-        </p:nvSpPr>
-        <p:spPr>
-          <a:xfrm>
-            <a:off x="4053643" y="1734842"/>
-            <a:ext cx="1268040" cy="288032"/>
-          </a:xfrm>
-          <a:prstGeom prst="roundRect">
-            <a:avLst/>
-          </a:prstGeom>
-        </p:spPr>
-        <p:style>
-          <a:lnRef idx="1">
-            <a:schemeClr val="accent4"/>
-          </a:lnRef>
-          <a:fillRef idx="2">
-            <a:schemeClr val="accent4"/>
-          </a:fillRef>
-          <a:effectRef idx="1">
-            <a:schemeClr val="accent4"/>
-          </a:effectRef>
-          <a:fontRef idx="minor">
-            <a:schemeClr val="dk1"/>
-          </a:fontRef>
-        </p:style>
-        <p:txBody>
-          <a:bodyPr rtlCol="0" anchor="ctr"/>
-          <a:lstStyle/>
-          <a:p>
-            <a:pPr algn="ctr"/>
-            <a:r>
-              <a:rPr lang="zh-CN" altLang="en-US" sz="1050" smtClean="0"/>
-              <a:t>增加本地资源</a:t>
-            </a:r>
-            <a:endParaRPr lang="zh-CN" altLang="en-US" sz="1050"/>
-          </a:p>
-        </p:txBody>
-      </p:sp>
-      <p:cxnSp>
-        <p:nvCxnSpPr>
-          <p:cNvPr id="87" name="肘形连接符 86"/>
-          <p:cNvCxnSpPr>
-            <a:stCxn id="86" idx="1"/>
-            <a:endCxn id="22" idx="0"/>
-          </p:cNvCxnSpPr>
-          <p:nvPr/>
-        </p:nvCxnSpPr>
-        <p:spPr>
-          <a:xfrm rot="10800000" flipV="1">
-            <a:off x="3805977" y="1878857"/>
-            <a:ext cx="247666" cy="796089"/>
-          </a:xfrm>
-          <a:prstGeom prst="bentConnector2">
-            <a:avLst/>
-          </a:prstGeom>
-          <a:ln>
-            <a:headEnd type="none"/>
-            <a:tailEnd type="triangle" w="med" len="lg"/>
-          </a:ln>
-        </p:spPr>
-        <p:style>
-          <a:lnRef idx="1">
-            <a:schemeClr val="accent1"/>
-          </a:lnRef>
-          <a:fillRef idx="0">
-            <a:schemeClr val="accent1"/>
-          </a:fillRef>
-          <a:effectRef idx="0">
-            <a:schemeClr val="accent1"/>
-          </a:effectRef>
-          <a:fontRef idx="minor">
-            <a:schemeClr val="tx1"/>
-          </a:fontRef>
-        </p:style>
-      </p:cxnSp>
-      <p:sp>
-        <p:nvSpPr>
-          <p:cNvPr id="94" name="圆角矩形 93"/>
-          <p:cNvSpPr/>
-          <p:nvPr/>
-        </p:nvSpPr>
-        <p:spPr>
-          <a:xfrm>
-            <a:off x="6802863" y="3349794"/>
-            <a:ext cx="1152128" cy="331027"/>
-          </a:xfrm>
-          <a:prstGeom prst="roundRect">
-            <a:avLst/>
-          </a:prstGeom>
-        </p:spPr>
-        <p:style>
-          <a:lnRef idx="1">
-            <a:schemeClr val="accent1"/>
-          </a:lnRef>
-          <a:fillRef idx="2">
-            <a:schemeClr val="accent1"/>
-          </a:fillRef>
-          <a:effectRef idx="1">
-            <a:schemeClr val="accent1"/>
-          </a:effectRef>
-          <a:fontRef idx="minor">
-            <a:schemeClr val="dk1"/>
-          </a:fontRef>
-        </p:style>
-        <p:txBody>
-          <a:bodyPr rtlCol="0" anchor="ctr"/>
-          <a:lstStyle/>
-          <a:p>
-            <a:pPr algn="ctr"/>
-            <a:r>
-              <a:rPr lang="zh-CN" altLang="en-US" sz="1200" smtClean="0"/>
-              <a:t>运行项目</a:t>
-            </a:r>
-            <a:endParaRPr lang="zh-CN" altLang="en-US" sz="1200"/>
-          </a:p>
-        </p:txBody>
-      </p:sp>
-      <p:cxnSp>
-        <p:nvCxnSpPr>
-          <p:cNvPr id="95" name="肘形连接符 94"/>
-          <p:cNvCxnSpPr>
-            <a:stCxn id="45" idx="3"/>
-            <a:endCxn id="94" idx="1"/>
-          </p:cNvCxnSpPr>
-          <p:nvPr/>
-        </p:nvCxnSpPr>
-        <p:spPr>
-          <a:xfrm flipV="1">
-            <a:off x="6321132" y="3515308"/>
-            <a:ext cx="481731" cy="5891"/>
-          </a:xfrm>
-          <a:prstGeom prst="straightConnector1">
-            <a:avLst/>
-          </a:prstGeom>
-          <a:ln>
-            <a:solidFill>
-              <a:schemeClr val="accent2">
-                <a:lumMod val="75000"/>
-              </a:schemeClr>
-            </a:solidFill>
-            <a:tailEnd type="triangle" w="med" len="lg"/>
-          </a:ln>
-        </p:spPr>
-        <p:style>
-          <a:lnRef idx="1">
-            <a:schemeClr val="accent1"/>
-          </a:lnRef>
-          <a:fillRef idx="0">
-            <a:schemeClr val="accent1"/>
-          </a:fillRef>
-          <a:effectRef idx="0">
-            <a:schemeClr val="accent1"/>
-          </a:effectRef>
-          <a:fontRef idx="minor">
-            <a:schemeClr val="tx1"/>
-          </a:fontRef>
-        </p:style>
-      </p:cxnSp>
-      <p:sp>
-        <p:nvSpPr>
-          <p:cNvPr id="104" name="圆角矩形 103"/>
-          <p:cNvSpPr/>
-          <p:nvPr/>
-        </p:nvSpPr>
-        <p:spPr>
-          <a:xfrm>
-            <a:off x="7669101" y="3898532"/>
-            <a:ext cx="1080120" cy="288032"/>
-          </a:xfrm>
-          <a:prstGeom prst="roundRect">
-            <a:avLst/>
-          </a:prstGeom>
-        </p:spPr>
-        <p:style>
-          <a:lnRef idx="1">
-            <a:schemeClr val="accent4"/>
-          </a:lnRef>
-          <a:fillRef idx="2">
-            <a:schemeClr val="accent4"/>
-          </a:fillRef>
-          <a:effectRef idx="1">
-            <a:schemeClr val="accent4"/>
-          </a:effectRef>
-          <a:fontRef idx="minor">
-            <a:schemeClr val="dk1"/>
-          </a:fontRef>
-        </p:style>
-        <p:txBody>
-          <a:bodyPr rtlCol="0" anchor="ctr"/>
-          <a:lstStyle/>
-          <a:p>
-            <a:pPr algn="ctr"/>
-            <a:r>
-              <a:rPr lang="zh-CN" altLang="en-US" sz="1050"/>
-              <a:t>预览</a:t>
-            </a:r>
-            <a:r>
-              <a:rPr lang="zh-CN" altLang="en-US" sz="1050" smtClean="0"/>
-              <a:t>项目</a:t>
-            </a:r>
-            <a:endParaRPr lang="zh-CN" altLang="en-US" sz="1050"/>
-          </a:p>
-        </p:txBody>
-      </p:sp>
-      <p:cxnSp>
-        <p:nvCxnSpPr>
-          <p:cNvPr id="105" name="肘形连接符 104"/>
-          <p:cNvCxnSpPr>
-            <a:stCxn id="94" idx="2"/>
-            <a:endCxn id="104" idx="1"/>
-          </p:cNvCxnSpPr>
-          <p:nvPr/>
-        </p:nvCxnSpPr>
-        <p:spPr>
-          <a:xfrm rot="16200000" flipH="1">
-            <a:off x="7343151" y="3716597"/>
-            <a:ext cx="361727" cy="290174"/>
-          </a:xfrm>
-          <a:prstGeom prst="bentConnector2">
-            <a:avLst/>
-          </a:prstGeom>
-          <a:ln>
-            <a:tailEnd type="triangle" w="med" len="lg"/>
-          </a:ln>
-        </p:spPr>
-        <p:style>
-          <a:lnRef idx="1">
-            <a:schemeClr val="accent1"/>
-          </a:lnRef>
-          <a:fillRef idx="0">
-            <a:schemeClr val="accent1"/>
-          </a:fillRef>
-          <a:effectRef idx="0">
-            <a:schemeClr val="accent1"/>
-          </a:effectRef>
-          <a:fontRef idx="minor">
-            <a:schemeClr val="tx1"/>
-          </a:fontRef>
-        </p:style>
-      </p:cxnSp>
-      <p:sp>
-        <p:nvSpPr>
-          <p:cNvPr id="35" name="圆角矩形 34"/>
-          <p:cNvSpPr/>
-          <p:nvPr/>
-        </p:nvSpPr>
-        <p:spPr>
-          <a:xfrm>
-            <a:off x="5967628" y="4091685"/>
-            <a:ext cx="1268040" cy="288032"/>
-          </a:xfrm>
-          <a:prstGeom prst="roundRect">
-            <a:avLst/>
-          </a:prstGeom>
-        </p:spPr>
-        <p:style>
-          <a:lnRef idx="1">
-            <a:schemeClr val="accent4"/>
-          </a:lnRef>
-          <a:fillRef idx="2">
-            <a:schemeClr val="accent4"/>
-          </a:fillRef>
-          <a:effectRef idx="1">
-            <a:schemeClr val="accent4"/>
-          </a:effectRef>
-          <a:fontRef idx="minor">
-            <a:schemeClr val="dk1"/>
-          </a:fontRef>
-        </p:style>
-        <p:txBody>
-          <a:bodyPr rtlCol="0" anchor="ctr"/>
-          <a:lstStyle/>
-          <a:p>
-            <a:pPr algn="ctr"/>
-            <a:r>
-              <a:rPr lang="zh-CN" altLang="en-US" sz="1050" smtClean="0"/>
-              <a:t>配置编辑</a:t>
-            </a:r>
-            <a:endParaRPr lang="zh-CN" altLang="en-US" sz="1050"/>
-          </a:p>
-        </p:txBody>
-      </p:sp>
-      <p:cxnSp>
-        <p:nvCxnSpPr>
-          <p:cNvPr id="36" name="肘形连接符 35"/>
-          <p:cNvCxnSpPr>
-            <a:stCxn id="45" idx="2"/>
-            <a:endCxn id="35" idx="1"/>
-          </p:cNvCxnSpPr>
-          <p:nvPr/>
-        </p:nvCxnSpPr>
-        <p:spPr>
-          <a:xfrm rot="16200000" flipH="1">
-            <a:off x="5581854" y="3849926"/>
-            <a:ext cx="548989" cy="222560"/>
-          </a:xfrm>
-          <a:prstGeom prst="bentConnector2">
-            <a:avLst/>
-          </a:prstGeom>
-          <a:ln>
-            <a:headEnd type="triangle" w="med" len="lg"/>
-          </a:ln>
-        </p:spPr>
-        <p:style>
-          <a:lnRef idx="1">
-            <a:schemeClr val="accent1"/>
-          </a:lnRef>
-          <a:fillRef idx="0">
-            <a:schemeClr val="accent1"/>
-          </a:fillRef>
-          <a:effectRef idx="0">
-            <a:schemeClr val="accent1"/>
-          </a:effectRef>
-          <a:fontRef idx="minor">
-            <a:schemeClr val="tx1"/>
-          </a:fontRef>
-        </p:style>
-      </p:cxnSp>
-      <p:sp>
-        <p:nvSpPr>
-          <p:cNvPr id="38" name="圆角矩形 37"/>
-          <p:cNvSpPr/>
-          <p:nvPr/>
-        </p:nvSpPr>
-        <p:spPr>
-          <a:xfrm>
-            <a:off x="5967628" y="4491943"/>
-            <a:ext cx="1268040" cy="288032"/>
-          </a:xfrm>
-          <a:prstGeom prst="roundRect">
-            <a:avLst/>
-          </a:prstGeom>
-        </p:spPr>
-        <p:style>
-          <a:lnRef idx="1">
-            <a:schemeClr val="accent4"/>
-          </a:lnRef>
-          <a:fillRef idx="2">
-            <a:schemeClr val="accent4"/>
-          </a:fillRef>
-          <a:effectRef idx="1">
-            <a:schemeClr val="accent4"/>
-          </a:effectRef>
-          <a:fontRef idx="minor">
-            <a:schemeClr val="dk1"/>
-          </a:fontRef>
-        </p:style>
-        <p:txBody>
-          <a:bodyPr rtlCol="0" anchor="ctr"/>
-          <a:lstStyle/>
-          <a:p>
-            <a:pPr algn="ctr"/>
-            <a:r>
-              <a:rPr lang="zh-CN" altLang="en-US" sz="1050" smtClean="0"/>
-              <a:t>图形化编辑</a:t>
-            </a:r>
-            <a:endParaRPr lang="zh-CN" altLang="en-US" sz="1050"/>
-          </a:p>
-        </p:txBody>
-      </p:sp>
-      <p:cxnSp>
-        <p:nvCxnSpPr>
-          <p:cNvPr id="39" name="肘形连接符 38"/>
-          <p:cNvCxnSpPr>
-            <a:stCxn id="45" idx="2"/>
-            <a:endCxn id="38" idx="1"/>
-          </p:cNvCxnSpPr>
-          <p:nvPr/>
-        </p:nvCxnSpPr>
-        <p:spPr>
-          <a:xfrm rot="16200000" flipH="1">
-            <a:off x="5381725" y="4050055"/>
-            <a:ext cx="949247" cy="222560"/>
-          </a:xfrm>
-          <a:prstGeom prst="bentConnector2">
-            <a:avLst/>
-          </a:prstGeom>
-          <a:ln>
-            <a:headEnd type="triangle" w="med" len="lg"/>
-          </a:ln>
-        </p:spPr>
-        <p:style>
-          <a:lnRef idx="1">
-            <a:schemeClr val="accent1"/>
-          </a:lnRef>
-          <a:fillRef idx="0">
-            <a:schemeClr val="accent1"/>
-          </a:fillRef>
-          <a:effectRef idx="0">
-            <a:schemeClr val="accent1"/>
-          </a:effectRef>
-          <a:fontRef idx="minor">
-            <a:schemeClr val="tx1"/>
-          </a:fontRef>
-        </p:style>
-      </p:cxnSp>
-      <p:sp>
-        <p:nvSpPr>
-          <p:cNvPr id="43" name="圆角矩形 42"/>
-          <p:cNvSpPr/>
-          <p:nvPr/>
-        </p:nvSpPr>
-        <p:spPr>
-          <a:xfrm>
-            <a:off x="5967628" y="4909966"/>
-            <a:ext cx="1268040" cy="288032"/>
-          </a:xfrm>
-          <a:prstGeom prst="roundRect">
-            <a:avLst/>
-          </a:prstGeom>
-        </p:spPr>
-        <p:style>
-          <a:lnRef idx="1">
-            <a:schemeClr val="accent4"/>
-          </a:lnRef>
-          <a:fillRef idx="2">
-            <a:schemeClr val="accent4"/>
-          </a:fillRef>
-          <a:effectRef idx="1">
-            <a:schemeClr val="accent4"/>
-          </a:effectRef>
-          <a:fontRef idx="minor">
-            <a:schemeClr val="dk1"/>
-          </a:fontRef>
-        </p:style>
-        <p:txBody>
-          <a:bodyPr rtlCol="0" anchor="ctr"/>
-          <a:lstStyle/>
-          <a:p>
-            <a:pPr algn="ctr"/>
-            <a:r>
-              <a:rPr lang="zh-CN" altLang="en-US" sz="1050" smtClean="0"/>
-              <a:t>网络逻辑模块</a:t>
-            </a:r>
-            <a:endParaRPr lang="zh-CN" altLang="en-US" sz="1050"/>
-          </a:p>
-        </p:txBody>
-      </p:sp>
-      <p:cxnSp>
-        <p:nvCxnSpPr>
-          <p:cNvPr id="44" name="肘形连接符 43"/>
-          <p:cNvCxnSpPr>
-            <a:stCxn id="45" idx="2"/>
-            <a:endCxn id="43" idx="1"/>
-          </p:cNvCxnSpPr>
-          <p:nvPr/>
-        </p:nvCxnSpPr>
-        <p:spPr>
-          <a:xfrm rot="16200000" flipH="1">
-            <a:off x="5172713" y="4259067"/>
-            <a:ext cx="1367270" cy="222560"/>
-          </a:xfrm>
-          <a:prstGeom prst="bentConnector2">
-            <a:avLst/>
-          </a:prstGeom>
-          <a:ln>
-            <a:headEnd type="triangle" w="med" len="lg"/>
-          </a:ln>
-        </p:spPr>
-        <p:style>
-          <a:lnRef idx="1">
-            <a:schemeClr val="accent1"/>
-          </a:lnRef>
-          <a:fillRef idx="0">
-            <a:schemeClr val="accent1"/>
-          </a:fillRef>
-          <a:effectRef idx="0">
-            <a:schemeClr val="accent1"/>
-          </a:effectRef>
-          <a:fontRef idx="minor">
-            <a:schemeClr val="tx1"/>
-          </a:fontRef>
-        </p:style>
-      </p:cxnSp>
-      <p:sp>
-        <p:nvSpPr>
-          <p:cNvPr id="48" name="圆角矩形 47"/>
-          <p:cNvSpPr/>
-          <p:nvPr/>
-        </p:nvSpPr>
-        <p:spPr>
-          <a:xfrm>
-            <a:off x="5967629" y="5301208"/>
-            <a:ext cx="1268040" cy="360040"/>
-          </a:xfrm>
-          <a:prstGeom prst="roundRect">
-            <a:avLst/>
-          </a:prstGeom>
-        </p:spPr>
-        <p:style>
-          <a:lnRef idx="1">
-            <a:schemeClr val="accent4"/>
-          </a:lnRef>
-          <a:fillRef idx="2">
-            <a:schemeClr val="accent4"/>
-          </a:fillRef>
-          <a:effectRef idx="1">
-            <a:schemeClr val="accent4"/>
-          </a:effectRef>
-          <a:fontRef idx="minor">
-            <a:schemeClr val="dk1"/>
-          </a:fontRef>
-        </p:style>
-        <p:txBody>
-          <a:bodyPr rtlCol="0" anchor="ctr"/>
-          <a:lstStyle/>
-          <a:p>
-            <a:pPr algn="ctr"/>
-            <a:r>
-              <a:rPr lang="zh-CN" altLang="en-US" sz="1050" smtClean="0"/>
-              <a:t>编辑工具</a:t>
-            </a:r>
-            <a:r>
-              <a:rPr lang="en-US" altLang="zh-CN" sz="1050" smtClean="0"/>
-              <a:t>(Mono/VS IDE)</a:t>
-            </a:r>
-            <a:endParaRPr lang="zh-CN" altLang="en-US" sz="1050"/>
-          </a:p>
-        </p:txBody>
-      </p:sp>
-      <p:cxnSp>
-        <p:nvCxnSpPr>
-          <p:cNvPr id="50" name="肘形连接符 49"/>
-          <p:cNvCxnSpPr>
-            <a:stCxn id="45" idx="2"/>
-            <a:endCxn id="48" idx="1"/>
-          </p:cNvCxnSpPr>
-          <p:nvPr/>
-        </p:nvCxnSpPr>
-        <p:spPr>
-          <a:xfrm rot="16200000" flipH="1">
-            <a:off x="4959090" y="4472689"/>
-            <a:ext cx="1794516" cy="222561"/>
-          </a:xfrm>
-          <a:prstGeom prst="bentConnector2">
-            <a:avLst/>
-          </a:prstGeom>
-          <a:ln>
-            <a:headEnd type="triangle" w="med" len="lg"/>
-          </a:ln>
-        </p:spPr>
-        <p:style>
-          <a:lnRef idx="1">
-            <a:schemeClr val="accent1"/>
-          </a:lnRef>
-          <a:fillRef idx="0">
-            <a:schemeClr val="accent1"/>
-          </a:fillRef>
-          <a:effectRef idx="0">
-            <a:schemeClr val="accent1"/>
-          </a:effectRef>
-          <a:fontRef idx="minor">
-            <a:schemeClr val="tx1"/>
-          </a:fontRef>
-        </p:style>
-      </p:cxnSp>
-      <p:sp>
-        <p:nvSpPr>
-          <p:cNvPr id="57" name="圆角矩形 56"/>
-          <p:cNvSpPr/>
-          <p:nvPr/>
-        </p:nvSpPr>
-        <p:spPr>
-          <a:xfrm>
-            <a:off x="7669101" y="4275919"/>
-            <a:ext cx="1080120" cy="288032"/>
-          </a:xfrm>
-          <a:prstGeom prst="roundRect">
-            <a:avLst/>
-          </a:prstGeom>
-        </p:spPr>
-        <p:style>
-          <a:lnRef idx="1">
-            <a:schemeClr val="accent4"/>
-          </a:lnRef>
-          <a:fillRef idx="2">
-            <a:schemeClr val="accent4"/>
-          </a:fillRef>
-          <a:effectRef idx="1">
-            <a:schemeClr val="accent4"/>
-          </a:effectRef>
-          <a:fontRef idx="minor">
-            <a:schemeClr val="dk1"/>
-          </a:fontRef>
-        </p:style>
-        <p:txBody>
-          <a:bodyPr rtlCol="0" anchor="ctr"/>
-          <a:lstStyle/>
-          <a:p>
-            <a:pPr algn="ctr"/>
-            <a:r>
-              <a:rPr lang="zh-CN" altLang="en-US" sz="1050" smtClean="0"/>
-              <a:t>发布项目</a:t>
-            </a:r>
-            <a:endParaRPr lang="zh-CN" altLang="en-US" sz="1050"/>
-          </a:p>
-        </p:txBody>
-      </p:sp>
-      <p:cxnSp>
-        <p:nvCxnSpPr>
-          <p:cNvPr id="59" name="肘形连接符 58"/>
-          <p:cNvCxnSpPr>
-            <a:stCxn id="94" idx="2"/>
-            <a:endCxn id="57" idx="1"/>
-          </p:cNvCxnSpPr>
-          <p:nvPr/>
-        </p:nvCxnSpPr>
-        <p:spPr>
-          <a:xfrm rot="16200000" flipH="1">
-            <a:off x="7154457" y="3905291"/>
-            <a:ext cx="739114" cy="290174"/>
-          </a:xfrm>
-          <a:prstGeom prst="bentConnector2">
-            <a:avLst/>
-          </a:prstGeom>
-          <a:ln>
-            <a:tailEnd type="triangle" w="med" len="lg"/>
-          </a:ln>
-        </p:spPr>
-        <p:style>
-          <a:lnRef idx="1">
-            <a:schemeClr val="accent1"/>
-          </a:lnRef>
-          <a:fillRef idx="0">
-            <a:schemeClr val="accent1"/>
-          </a:fillRef>
-          <a:effectRef idx="0">
-            <a:schemeClr val="accent1"/>
-          </a:effectRef>
-          <a:fontRef idx="minor">
-            <a:schemeClr val="tx1"/>
-          </a:fontRef>
-        </p:style>
-      </p:cxnSp>
+        </p:spPr>
+        <p:txBody>
+          <a:bodyPr wrap="square" rtlCol="0">
+            <a:spAutoFit/>
+          </a:bodyPr>
+          <a:lstStyle/>
+          <a:p>
+            <a:r>
+              <a:rPr lang="zh-CN" altLang="en-US" sz="1600" b="1" smtClean="0">
+                <a:solidFill>
+                  <a:srgbClr val="FF0000"/>
+                </a:solidFill>
+              </a:rPr>
+              <a:t>如何快速准备资源？</a:t>
+            </a:r>
+            <a:endParaRPr lang="en-US" altLang="zh-CN" sz="1600" b="1" smtClean="0">
+              <a:solidFill>
+                <a:srgbClr val="FF0000"/>
+              </a:solidFill>
+            </a:endParaRPr>
+          </a:p>
+          <a:p>
+            <a:pPr marL="285750" indent="-285750">
+              <a:buFont typeface="Arial" pitchFamily="34" charset="0"/>
+              <a:buChar char="•"/>
+            </a:pPr>
+            <a:r>
+              <a:rPr lang="zh-CN" altLang="en-US" sz="1600" smtClean="0"/>
+              <a:t>自己如何准备和操作。</a:t>
+            </a:r>
+            <a:endParaRPr lang="en-US" altLang="zh-CN" sz="1600" smtClean="0"/>
+          </a:p>
+          <a:p>
+            <a:pPr marL="285750" indent="-285750">
+              <a:buFont typeface="Arial" pitchFamily="34" charset="0"/>
+              <a:buChar char="•"/>
+            </a:pPr>
+            <a:r>
+              <a:rPr lang="zh-CN" altLang="en-US" sz="1600" smtClean="0"/>
+              <a:t>网络直接浏览获得</a:t>
+            </a:r>
+            <a:r>
+              <a:rPr lang="zh-CN" altLang="en-US" sz="1600"/>
+              <a:t>。</a:t>
+            </a:r>
+          </a:p>
+        </p:txBody>
+      </p:sp>
+      <p:sp>
+        <p:nvSpPr>
+          <p:cNvPr id="25" name="TextBox 24"/>
+          <p:cNvSpPr txBox="1"/>
+          <p:nvPr/>
+        </p:nvSpPr>
+        <p:spPr>
+          <a:xfrm>
+            <a:off x="6023544" y="3735529"/>
+            <a:ext cx="2508895" cy="830997"/>
+          </a:xfrm>
+          <a:prstGeom prst="rect">
+            <a:avLst/>
+          </a:prstGeom>
+          <a:noFill/>
+        </p:spPr>
+        <p:txBody>
+          <a:bodyPr wrap="square" rtlCol="0">
+            <a:spAutoFit/>
+          </a:bodyPr>
+          <a:lstStyle/>
+          <a:p>
+            <a:r>
+              <a:rPr lang="zh-CN" altLang="en-US" sz="1600" b="1" smtClean="0">
+                <a:solidFill>
+                  <a:srgbClr val="FF0000"/>
+                </a:solidFill>
+              </a:rPr>
+              <a:t>如何简化逻辑？</a:t>
+            </a:r>
+            <a:endParaRPr lang="en-US" altLang="zh-CN" sz="1600" b="1" smtClean="0">
+              <a:solidFill>
+                <a:srgbClr val="FF0000"/>
+              </a:solidFill>
+            </a:endParaRPr>
+          </a:p>
+          <a:p>
+            <a:pPr marL="285750" indent="-285750">
+              <a:buFont typeface="Arial" pitchFamily="34" charset="0"/>
+              <a:buChar char="•"/>
+            </a:pPr>
+            <a:r>
+              <a:rPr lang="zh-CN" altLang="en-US" sz="1600" smtClean="0"/>
+              <a:t>逻辑配置化</a:t>
+            </a:r>
+            <a:r>
+              <a:rPr lang="en-US" altLang="zh-CN" sz="1600" smtClean="0"/>
+              <a:t>/</a:t>
+            </a:r>
+            <a:r>
+              <a:rPr lang="zh-CN" altLang="en-US" sz="1600" smtClean="0"/>
+              <a:t>图形化</a:t>
+            </a:r>
+            <a:r>
+              <a:rPr lang="zh-CN" altLang="en-US" sz="1600"/>
+              <a:t>。</a:t>
+            </a:r>
+            <a:endParaRPr lang="en-US" altLang="zh-CN" sz="1600" smtClean="0"/>
+          </a:p>
+          <a:p>
+            <a:pPr marL="285750" indent="-285750">
+              <a:buFont typeface="Arial" pitchFamily="34" charset="0"/>
+              <a:buChar char="•"/>
+            </a:pPr>
+            <a:r>
+              <a:rPr lang="zh-CN" altLang="en-US" sz="1600"/>
+              <a:t>网络</a:t>
+            </a:r>
+            <a:r>
+              <a:rPr lang="zh-CN" altLang="en-US" sz="1600" smtClean="0"/>
+              <a:t>获得现成逻辑模块。</a:t>
+            </a:r>
+            <a:endParaRPr lang="zh-CN" altLang="en-US" sz="1600"/>
+          </a:p>
+        </p:txBody>
+      </p:sp>
+      <p:sp>
+        <p:nvSpPr>
+          <p:cNvPr id="29" name="TextBox 28"/>
+          <p:cNvSpPr txBox="1"/>
+          <p:nvPr/>
+        </p:nvSpPr>
+        <p:spPr>
+          <a:xfrm>
+            <a:off x="6012160" y="4860574"/>
+            <a:ext cx="2508895" cy="830997"/>
+          </a:xfrm>
+          <a:prstGeom prst="rect">
+            <a:avLst/>
+          </a:prstGeom>
+          <a:noFill/>
+        </p:spPr>
+        <p:txBody>
+          <a:bodyPr wrap="square" rtlCol="0">
+            <a:spAutoFit/>
+          </a:bodyPr>
+          <a:lstStyle/>
+          <a:p>
+            <a:r>
+              <a:rPr lang="zh-CN" altLang="en-US" sz="1600" b="1" smtClean="0">
+                <a:solidFill>
+                  <a:srgbClr val="FF0000"/>
+                </a:solidFill>
+              </a:rPr>
+              <a:t>如何快速查看结果？</a:t>
+            </a:r>
+            <a:endParaRPr lang="en-US" altLang="zh-CN" sz="1600" b="1" smtClean="0">
+              <a:solidFill>
+                <a:srgbClr val="FF0000"/>
+              </a:solidFill>
+            </a:endParaRPr>
+          </a:p>
+          <a:p>
+            <a:pPr marL="285750" indent="-285750">
+              <a:buFont typeface="Arial" pitchFamily="34" charset="0"/>
+              <a:buChar char="•"/>
+            </a:pPr>
+            <a:r>
+              <a:rPr lang="zh-CN" altLang="en-US" sz="1600" smtClean="0"/>
+              <a:t>设备选择和要求。</a:t>
+            </a:r>
+            <a:endParaRPr lang="en-US" altLang="zh-CN" sz="1600" smtClean="0"/>
+          </a:p>
+          <a:p>
+            <a:pPr marL="285750" indent="-285750">
+              <a:buFont typeface="Arial" pitchFamily="34" charset="0"/>
+              <a:buChar char="•"/>
+            </a:pPr>
+            <a:r>
+              <a:rPr lang="zh-CN" altLang="en-US" sz="1600" smtClean="0"/>
+              <a:t>快速运行。</a:t>
+            </a:r>
+            <a:endParaRPr lang="zh-CN" altLang="en-US" sz="1600"/>
+          </a:p>
+        </p:txBody>
+      </p:sp>
     </p:spTree>
     <p:extLst>
       <p:ext uri="{BB962C8B-B14F-4D97-AF65-F5344CB8AC3E}">
-        <p14:creationId xmlns:p14="http://schemas.microsoft.com/office/powerpoint/2010/main" val="3212111891"/>
+        <p14:creationId xmlns:p14="http://schemas.microsoft.com/office/powerpoint/2010/main" val="1023721056"/>
       </p:ext>
     </p:extLst>
   </p:cSld>
@@ -12625,19 +11775,7 @@
           <a:p>
             <a:r>
               <a:rPr lang="zh-CN" altLang="en-US" smtClean="0"/>
-              <a:t>资源详细：</a:t>
-            </a:r>
-            <a:r>
-              <a:rPr lang="en-US" altLang="zh-CN" smtClean="0"/>
-              <a:t>Content</a:t>
-            </a:r>
-            <a:r>
-              <a:rPr lang="zh-CN" altLang="en-US"/>
-              <a:t> </a:t>
-            </a:r>
-            <a:r>
-              <a:rPr lang="en-US" altLang="zh-CN" smtClean="0"/>
-              <a:t>Detail</a:t>
+              <a:t>编辑分解</a:t>
             </a:r>
             <a:endParaRPr lang="zh-CN" altLang="en-US"/>
           </a:p>
@@ -12645,324 +11783,1541 @@
       </p:sp>
       <p:sp>
         <p:nvSpPr>
-          <p:cNvPr id="3" name="内容占位符 2"/>
-          <p:cNvSpPr>
-            <a:spLocks noGrp="1"/>
-          </p:cNvSpPr>
-          <p:nvPr>
-            <p:ph sz="quarter" idx="1"/>
-          </p:nvPr>
-        </p:nvSpPr>
-        <p:spPr>
-          <a:xfrm>
-            <a:off x="457200" y="1481328"/>
-            <a:ext cx="8229600" cy="4683976"/>
-          </a:xfrm>
-        </p:spPr>
-        <p:txBody>
-          <a:bodyPr>
-            <a:normAutofit fontScale="85000" lnSpcReduction="20000"/>
-          </a:bodyPr>
-          <a:lstStyle/>
-          <a:p>
-            <a:r>
-              <a:rPr lang="zh-CN" altLang="en-US"/>
-              <a:t>资源资源</a:t>
-            </a:r>
-            <a:r>
-              <a:rPr lang="zh-CN" altLang="en-US" smtClean="0"/>
-              <a:t>：（</a:t>
-            </a:r>
-            <a:r>
-              <a:rPr lang="zh-CN" altLang="en-US" smtClean="0">
-                <a:solidFill>
-                  <a:srgbClr val="FF0000"/>
-                </a:solidFill>
-              </a:rPr>
-              <a:t>现在</a:t>
-            </a:r>
-            <a:r>
-              <a:rPr lang="zh-CN" altLang="en-US">
-                <a:solidFill>
-                  <a:srgbClr val="FF0000"/>
-                </a:solidFill>
-              </a:rPr>
-              <a:t>引擎</a:t>
-            </a:r>
-            <a:r>
-              <a:rPr lang="zh-CN" altLang="en-US" smtClean="0">
-                <a:solidFill>
-                  <a:srgbClr val="FF0000"/>
-                </a:solidFill>
-              </a:rPr>
-              <a:t>已有的部分，如何增强展示效果是关键</a:t>
-            </a:r>
-            <a:r>
-              <a:rPr lang="zh-CN" altLang="en-US" smtClean="0"/>
-              <a:t>）</a:t>
-            </a:r>
-            <a:endParaRPr lang="en-US" altLang="zh-CN"/>
-          </a:p>
-          <a:p>
-            <a:pPr lvl="1"/>
-            <a:r>
-              <a:rPr lang="zh-CN" altLang="en-US" smtClean="0"/>
-              <a:t>纹理：各种图片，用来展示画面用</a:t>
-            </a:r>
-            <a:endParaRPr lang="zh-CN" altLang="en-US"/>
-          </a:p>
-          <a:p>
-            <a:pPr lvl="1"/>
-            <a:r>
-              <a:rPr lang="zh-CN" altLang="en-US" smtClean="0"/>
-              <a:t>材质</a:t>
-            </a:r>
-            <a:r>
-              <a:rPr lang="zh-CN" altLang="en-US"/>
-              <a:t>：</a:t>
-            </a:r>
-            <a:r>
-              <a:rPr lang="zh-CN" altLang="en-US" smtClean="0"/>
-              <a:t>物件</a:t>
-            </a:r>
-            <a:r>
-              <a:rPr lang="zh-CN" altLang="en-US"/>
-              <a:t>外表</a:t>
-            </a:r>
-            <a:r>
-              <a:rPr lang="zh-CN" altLang="en-US" smtClean="0"/>
-              <a:t>的效果</a:t>
-            </a:r>
-            <a:endParaRPr lang="en-US" altLang="zh-CN"/>
-          </a:p>
-          <a:p>
-            <a:pPr lvl="2"/>
-            <a:r>
-              <a:rPr lang="zh-CN" altLang="en-US" sz="1900" smtClean="0"/>
-              <a:t>光照的</a:t>
-            </a:r>
-            <a:r>
-              <a:rPr lang="zh-CN" altLang="en-US" sz="1900"/>
-              <a:t>信息，纹理</a:t>
-            </a:r>
-            <a:r>
-              <a:rPr lang="zh-CN" altLang="en-US" sz="1900" smtClean="0"/>
-              <a:t>构成信息。</a:t>
-            </a:r>
-            <a:endParaRPr lang="en-US" altLang="zh-CN" sz="1900" smtClean="0"/>
-          </a:p>
-          <a:p>
-            <a:pPr lvl="2"/>
-            <a:r>
-              <a:rPr lang="en-US" altLang="zh-CN" sz="1900" smtClean="0"/>
-              <a:t>2D</a:t>
-            </a:r>
-            <a:r>
-              <a:rPr lang="zh-CN" altLang="en-US" sz="1900"/>
-              <a:t>游戏没有这个部分。</a:t>
-            </a:r>
-          </a:p>
-          <a:p>
-            <a:pPr lvl="1"/>
-            <a:r>
-              <a:rPr lang="zh-CN" altLang="en-US" smtClean="0"/>
-              <a:t>模型：三维空间的呈现外观。</a:t>
-            </a:r>
-            <a:endParaRPr lang="en-US" altLang="zh-CN" smtClean="0"/>
-          </a:p>
-          <a:p>
-            <a:pPr lvl="2"/>
-            <a:r>
-              <a:rPr lang="zh-CN" altLang="en-US" sz="1900" smtClean="0"/>
-              <a:t>加上</a:t>
-            </a:r>
-            <a:r>
-              <a:rPr lang="zh-CN" altLang="en-US" sz="1900"/>
-              <a:t>材质后构成完整显示模型</a:t>
-            </a:r>
-          </a:p>
-          <a:p>
-            <a:pPr lvl="2"/>
-            <a:r>
-              <a:rPr lang="zh-CN" altLang="en-US" sz="1900" smtClean="0"/>
-              <a:t>蒙皮</a:t>
-            </a:r>
-            <a:r>
-              <a:rPr lang="zh-CN" altLang="en-US" sz="1900"/>
-              <a:t>：</a:t>
-            </a:r>
-            <a:r>
-              <a:rPr lang="zh-CN" altLang="en-US" sz="1900" smtClean="0"/>
-              <a:t>权重</a:t>
-            </a:r>
-            <a:r>
-              <a:rPr lang="zh-CN" altLang="en-US" sz="1900"/>
-              <a:t>的</a:t>
-            </a:r>
-            <a:r>
-              <a:rPr lang="zh-CN" altLang="en-US" sz="1900" smtClean="0"/>
-              <a:t>定义（不共用的话，可以省略配置）</a:t>
-            </a:r>
-            <a:endParaRPr lang="zh-CN" altLang="en-US" sz="1900"/>
-          </a:p>
-          <a:p>
-            <a:pPr lvl="2"/>
-            <a:r>
-              <a:rPr lang="zh-CN" altLang="en-US" sz="1900" smtClean="0"/>
-              <a:t>动画：物体</a:t>
-            </a:r>
-            <a:r>
-              <a:rPr lang="zh-CN" altLang="en-US" sz="1900"/>
-              <a:t>动画</a:t>
-            </a:r>
-            <a:r>
-              <a:rPr lang="zh-CN" altLang="en-US" sz="1900" smtClean="0"/>
-              <a:t>播放</a:t>
-            </a:r>
-            <a:endParaRPr lang="en-US" altLang="zh-CN" sz="1900" smtClean="0"/>
-          </a:p>
-          <a:p>
-            <a:pPr lvl="1"/>
-            <a:r>
-              <a:rPr lang="zh-CN" altLang="en-US"/>
-              <a:t>其他</a:t>
-            </a:r>
-            <a:r>
-              <a:rPr lang="zh-CN" altLang="en-US" smtClean="0"/>
-              <a:t>资源：声音</a:t>
-            </a:r>
-            <a:r>
-              <a:rPr lang="en-US" altLang="zh-CN" smtClean="0"/>
-              <a:t>/</a:t>
-            </a:r>
-            <a:r>
-              <a:rPr lang="zh-CN" altLang="en-US" smtClean="0"/>
-              <a:t>字体</a:t>
-            </a:r>
-            <a:r>
-              <a:rPr lang="en-US" altLang="zh-CN" smtClean="0"/>
-              <a:t>...</a:t>
-            </a:r>
-            <a:endParaRPr lang="zh-CN" altLang="en-US"/>
-          </a:p>
-          <a:p>
-            <a:r>
-              <a:rPr lang="zh-CN" altLang="en-US" smtClean="0"/>
-              <a:t>实体：模板（</a:t>
-            </a:r>
-            <a:r>
-              <a:rPr lang="en-US" altLang="zh-CN"/>
-              <a:t> Template </a:t>
-            </a:r>
-            <a:r>
-              <a:rPr lang="zh-CN" altLang="en-US" smtClean="0"/>
-              <a:t>），实例（</a:t>
-            </a:r>
-            <a:r>
-              <a:rPr lang="en-US" altLang="zh-CN"/>
-              <a:t> </a:t>
-            </a:r>
-            <a:r>
-              <a:rPr lang="en-US" altLang="zh-CN" smtClean="0"/>
-              <a:t>Instance </a:t>
-            </a:r>
-            <a:r>
-              <a:rPr lang="zh-CN" altLang="en-US" smtClean="0"/>
-              <a:t>）</a:t>
-            </a:r>
-            <a:endParaRPr lang="en-US" altLang="zh-CN"/>
-          </a:p>
-          <a:p>
-            <a:pPr lvl="1"/>
-            <a:r>
-              <a:rPr lang="zh-CN" altLang="en-US" smtClean="0"/>
-              <a:t>属性</a:t>
-            </a:r>
-            <a:r>
-              <a:rPr lang="zh-CN" altLang="en-US"/>
-              <a:t>（</a:t>
-            </a:r>
-            <a:r>
-              <a:rPr lang="en-US" altLang="zh-CN" smtClean="0"/>
-              <a:t>Property</a:t>
-            </a:r>
-            <a:r>
-              <a:rPr lang="zh-CN" altLang="en-US"/>
-              <a:t>）</a:t>
-            </a:r>
-            <a:r>
-              <a:rPr lang="zh-CN" altLang="en-US" smtClean="0"/>
-              <a:t>：属性集合的定义</a:t>
-            </a:r>
-            <a:endParaRPr lang="en-US" altLang="zh-CN"/>
-          </a:p>
-          <a:p>
-            <a:pPr lvl="1"/>
-            <a:r>
-              <a:rPr lang="zh-CN" altLang="en-US" smtClean="0"/>
-              <a:t>行为（</a:t>
-            </a:r>
-            <a:r>
-              <a:rPr lang="en-US" altLang="zh-CN"/>
-              <a:t> Behavior </a:t>
-            </a:r>
-            <a:r>
-              <a:rPr lang="zh-CN" altLang="en-US" smtClean="0"/>
-              <a:t>）：根据事件做出反应（移动，反弹</a:t>
-            </a:r>
-            <a:r>
-              <a:rPr lang="en-US" altLang="zh-CN" smtClean="0"/>
-              <a:t>...</a:t>
-            </a:r>
-            <a:r>
-              <a:rPr lang="zh-CN" altLang="en-US" smtClean="0"/>
-              <a:t>等等）</a:t>
-            </a:r>
-            <a:endParaRPr lang="en-US" altLang="zh-CN" smtClean="0"/>
-          </a:p>
-          <a:p>
-            <a:r>
-              <a:rPr lang="zh-CN" altLang="en-US" smtClean="0"/>
-              <a:t>项目：</a:t>
-            </a:r>
-            <a:r>
-              <a:rPr lang="en-US" altLang="zh-CN" smtClean="0"/>
-              <a:t>Project</a:t>
-            </a:r>
-          </a:p>
-          <a:p>
-            <a:pPr lvl="1"/>
-            <a:r>
-              <a:rPr lang="zh-CN" altLang="en-US" smtClean="0"/>
-              <a:t>场景：</a:t>
-            </a:r>
-            <a:r>
-              <a:rPr lang="en-US" altLang="zh-CN" smtClean="0"/>
-              <a:t>Scene</a:t>
-            </a:r>
-          </a:p>
-          <a:p>
-            <a:pPr lvl="1"/>
-            <a:r>
-              <a:rPr lang="zh-CN" altLang="en-US" smtClean="0"/>
-              <a:t>时间线：</a:t>
-            </a:r>
-            <a:r>
-              <a:rPr lang="en-US" altLang="zh-CN" smtClean="0"/>
-              <a:t>Timeline</a:t>
-            </a:r>
-            <a:r>
-              <a:rPr lang="zh-CN" altLang="en-US" smtClean="0"/>
-              <a:t>（时间序展现）</a:t>
-            </a:r>
-            <a:endParaRPr lang="en-US" altLang="zh-CN"/>
-          </a:p>
-        </p:txBody>
-      </p:sp>
+          <p:cNvPr id="4" name="圆角矩形 3"/>
+          <p:cNvSpPr/>
+          <p:nvPr/>
+        </p:nvSpPr>
+        <p:spPr>
+          <a:xfrm>
+            <a:off x="187698" y="3296819"/>
+            <a:ext cx="1152128" cy="331027"/>
+          </a:xfrm>
+          <a:prstGeom prst="roundRect">
+            <a:avLst/>
+          </a:prstGeom>
+        </p:spPr>
+        <p:style>
+          <a:lnRef idx="1">
+            <a:schemeClr val="accent1"/>
+          </a:lnRef>
+          <a:fillRef idx="2">
+            <a:schemeClr val="accent1"/>
+          </a:fillRef>
+          <a:effectRef idx="1">
+            <a:schemeClr val="accent1"/>
+          </a:effectRef>
+          <a:fontRef idx="minor">
+            <a:schemeClr val="dk1"/>
+          </a:fontRef>
+        </p:style>
+        <p:txBody>
+          <a:bodyPr rtlCol="0" anchor="ctr"/>
+          <a:lstStyle/>
+          <a:p>
+            <a:pPr algn="ctr"/>
+            <a:r>
+              <a:rPr lang="zh-CN" altLang="en-US" sz="1200" smtClean="0"/>
+              <a:t>选择项目</a:t>
+            </a:r>
+            <a:endParaRPr lang="zh-CN" altLang="en-US" sz="1200"/>
+          </a:p>
+        </p:txBody>
+      </p:sp>
+      <p:sp>
+        <p:nvSpPr>
+          <p:cNvPr id="5" name="圆角矩形 4"/>
+          <p:cNvSpPr/>
+          <p:nvPr/>
+        </p:nvSpPr>
+        <p:spPr>
+          <a:xfrm>
+            <a:off x="1051794" y="3754516"/>
+            <a:ext cx="1080120" cy="288032"/>
+          </a:xfrm>
+          <a:prstGeom prst="roundRect">
+            <a:avLst/>
+          </a:prstGeom>
+        </p:spPr>
+        <p:style>
+          <a:lnRef idx="1">
+            <a:schemeClr val="accent4"/>
+          </a:lnRef>
+          <a:fillRef idx="2">
+            <a:schemeClr val="accent4"/>
+          </a:fillRef>
+          <a:effectRef idx="1">
+            <a:schemeClr val="accent4"/>
+          </a:effectRef>
+          <a:fontRef idx="minor">
+            <a:schemeClr val="dk1"/>
+          </a:fontRef>
+        </p:style>
+        <p:txBody>
+          <a:bodyPr rtlCol="0" anchor="ctr"/>
+          <a:lstStyle/>
+          <a:p>
+            <a:pPr algn="ctr"/>
+            <a:r>
+              <a:rPr lang="zh-CN" altLang="en-US" sz="1050" smtClean="0"/>
+              <a:t>建立空项目</a:t>
+            </a:r>
+            <a:endParaRPr lang="zh-CN" altLang="en-US" sz="1050"/>
+          </a:p>
+        </p:txBody>
+      </p:sp>
+      <p:cxnSp>
+        <p:nvCxnSpPr>
+          <p:cNvPr id="7" name="肘形连接符 6"/>
+          <p:cNvCxnSpPr>
+            <a:stCxn id="4" idx="2"/>
+            <a:endCxn id="5" idx="1"/>
+          </p:cNvCxnSpPr>
+          <p:nvPr/>
+        </p:nvCxnSpPr>
+        <p:spPr>
+          <a:xfrm rot="16200000" flipH="1">
+            <a:off x="772435" y="3619173"/>
+            <a:ext cx="270686" cy="288032"/>
+          </a:xfrm>
+          <a:prstGeom prst="bentConnector2">
+            <a:avLst/>
+          </a:prstGeom>
+          <a:ln>
+            <a:tailEnd type="triangle" w="med" len="lg"/>
+          </a:ln>
+        </p:spPr>
+        <p:style>
+          <a:lnRef idx="1">
+            <a:schemeClr val="accent1"/>
+          </a:lnRef>
+          <a:fillRef idx="0">
+            <a:schemeClr val="accent1"/>
+          </a:fillRef>
+          <a:effectRef idx="0">
+            <a:schemeClr val="accent1"/>
+          </a:effectRef>
+          <a:fontRef idx="minor">
+            <a:schemeClr val="tx1"/>
+          </a:fontRef>
+        </p:style>
+      </p:cxnSp>
+      <p:sp>
+        <p:nvSpPr>
+          <p:cNvPr id="10" name="圆角矩形 9"/>
+          <p:cNvSpPr/>
+          <p:nvPr/>
+        </p:nvSpPr>
+        <p:spPr>
+          <a:xfrm>
+            <a:off x="1051794" y="4131903"/>
+            <a:ext cx="1080120" cy="288032"/>
+          </a:xfrm>
+          <a:prstGeom prst="roundRect">
+            <a:avLst/>
+          </a:prstGeom>
+        </p:spPr>
+        <p:style>
+          <a:lnRef idx="1">
+            <a:schemeClr val="accent4"/>
+          </a:lnRef>
+          <a:fillRef idx="2">
+            <a:schemeClr val="accent4"/>
+          </a:fillRef>
+          <a:effectRef idx="1">
+            <a:schemeClr val="accent4"/>
+          </a:effectRef>
+          <a:fontRef idx="minor">
+            <a:schemeClr val="dk1"/>
+          </a:fontRef>
+        </p:style>
+        <p:txBody>
+          <a:bodyPr rtlCol="0" anchor="ctr"/>
+          <a:lstStyle/>
+          <a:p>
+            <a:pPr algn="ctr"/>
+            <a:r>
+              <a:rPr lang="zh-CN" altLang="en-US" sz="1050" smtClean="0"/>
+              <a:t>打开本地项目</a:t>
+            </a:r>
+            <a:endParaRPr lang="zh-CN" altLang="en-US" sz="1050"/>
+          </a:p>
+        </p:txBody>
+      </p:sp>
+      <p:cxnSp>
+        <p:nvCxnSpPr>
+          <p:cNvPr id="11" name="肘形连接符 10"/>
+          <p:cNvCxnSpPr>
+            <a:stCxn id="4" idx="2"/>
+            <a:endCxn id="10" idx="1"/>
+          </p:cNvCxnSpPr>
+          <p:nvPr/>
+        </p:nvCxnSpPr>
+        <p:spPr>
+          <a:xfrm rot="16200000" flipH="1">
+            <a:off x="583742" y="3807866"/>
+            <a:ext cx="648073" cy="288032"/>
+          </a:xfrm>
+          <a:prstGeom prst="bentConnector2">
+            <a:avLst/>
+          </a:prstGeom>
+          <a:ln>
+            <a:tailEnd type="triangle" w="med" len="lg"/>
+          </a:ln>
+        </p:spPr>
+        <p:style>
+          <a:lnRef idx="1">
+            <a:schemeClr val="accent1"/>
+          </a:lnRef>
+          <a:fillRef idx="0">
+            <a:schemeClr val="accent1"/>
+          </a:fillRef>
+          <a:effectRef idx="0">
+            <a:schemeClr val="accent1"/>
+          </a:effectRef>
+          <a:fontRef idx="minor">
+            <a:schemeClr val="tx1"/>
+          </a:fontRef>
+        </p:style>
+      </p:cxnSp>
+      <p:sp>
+        <p:nvSpPr>
+          <p:cNvPr id="15" name="圆角矩形 14"/>
+          <p:cNvSpPr/>
+          <p:nvPr/>
+        </p:nvSpPr>
+        <p:spPr>
+          <a:xfrm>
+            <a:off x="1051794" y="4491943"/>
+            <a:ext cx="1080120" cy="288032"/>
+          </a:xfrm>
+          <a:prstGeom prst="roundRect">
+            <a:avLst/>
+          </a:prstGeom>
+        </p:spPr>
+        <p:style>
+          <a:lnRef idx="1">
+            <a:schemeClr val="accent4"/>
+          </a:lnRef>
+          <a:fillRef idx="2">
+            <a:schemeClr val="accent4"/>
+          </a:fillRef>
+          <a:effectRef idx="1">
+            <a:schemeClr val="accent4"/>
+          </a:effectRef>
+          <a:fontRef idx="minor">
+            <a:schemeClr val="dk1"/>
+          </a:fontRef>
+        </p:style>
+        <p:txBody>
+          <a:bodyPr rtlCol="0" anchor="ctr"/>
+          <a:lstStyle/>
+          <a:p>
+            <a:pPr algn="ctr"/>
+            <a:r>
+              <a:rPr lang="zh-CN" altLang="en-US" sz="1050" smtClean="0"/>
+              <a:t>安装远程项目</a:t>
+            </a:r>
+            <a:endParaRPr lang="zh-CN" altLang="en-US" sz="1050"/>
+          </a:p>
+        </p:txBody>
+      </p:sp>
+      <p:cxnSp>
+        <p:nvCxnSpPr>
+          <p:cNvPr id="16" name="肘形连接符 15"/>
+          <p:cNvCxnSpPr>
+            <a:stCxn id="4" idx="2"/>
+            <a:endCxn id="15" idx="1"/>
+          </p:cNvCxnSpPr>
+          <p:nvPr/>
+        </p:nvCxnSpPr>
+        <p:spPr>
+          <a:xfrm rot="16200000" flipH="1">
+            <a:off x="403722" y="3987886"/>
+            <a:ext cx="1008113" cy="288032"/>
+          </a:xfrm>
+          <a:prstGeom prst="bentConnector2">
+            <a:avLst/>
+          </a:prstGeom>
+          <a:ln>
+            <a:tailEnd type="triangle" w="med" len="lg"/>
+          </a:ln>
+        </p:spPr>
+        <p:style>
+          <a:lnRef idx="1">
+            <a:schemeClr val="accent1"/>
+          </a:lnRef>
+          <a:fillRef idx="0">
+            <a:schemeClr val="accent1"/>
+          </a:fillRef>
+          <a:effectRef idx="0">
+            <a:schemeClr val="accent1"/>
+          </a:effectRef>
+          <a:fontRef idx="minor">
+            <a:schemeClr val="tx1"/>
+          </a:fontRef>
+        </p:style>
+      </p:cxnSp>
+      <p:sp>
+        <p:nvSpPr>
+          <p:cNvPr id="22" name="圆角矩形 21"/>
+          <p:cNvSpPr/>
+          <p:nvPr/>
+        </p:nvSpPr>
+        <p:spPr>
+          <a:xfrm>
+            <a:off x="3229913" y="2674947"/>
+            <a:ext cx="1152128" cy="331027"/>
+          </a:xfrm>
+          <a:prstGeom prst="roundRect">
+            <a:avLst/>
+          </a:prstGeom>
+        </p:spPr>
+        <p:style>
+          <a:lnRef idx="1">
+            <a:schemeClr val="accent1"/>
+          </a:lnRef>
+          <a:fillRef idx="2">
+            <a:schemeClr val="accent1"/>
+          </a:fillRef>
+          <a:effectRef idx="1">
+            <a:schemeClr val="accent1"/>
+          </a:effectRef>
+          <a:fontRef idx="minor">
+            <a:schemeClr val="dk1"/>
+          </a:fontRef>
+        </p:style>
+        <p:txBody>
+          <a:bodyPr rtlCol="0" anchor="ctr"/>
+          <a:lstStyle/>
+          <a:p>
+            <a:pPr algn="ctr"/>
+            <a:r>
+              <a:rPr lang="zh-CN" altLang="en-US" sz="1200" smtClean="0"/>
+              <a:t>创建场景</a:t>
+            </a:r>
+            <a:endParaRPr lang="zh-CN" altLang="en-US" sz="1200"/>
+          </a:p>
+        </p:txBody>
+      </p:sp>
+      <p:sp>
+        <p:nvSpPr>
+          <p:cNvPr id="23" name="圆角矩形 22"/>
+          <p:cNvSpPr/>
+          <p:nvPr/>
+        </p:nvSpPr>
+        <p:spPr>
+          <a:xfrm>
+            <a:off x="3229913" y="3917216"/>
+            <a:ext cx="1152128" cy="331027"/>
+          </a:xfrm>
+          <a:prstGeom prst="roundRect">
+            <a:avLst/>
+          </a:prstGeom>
+        </p:spPr>
+        <p:style>
+          <a:lnRef idx="1">
+            <a:schemeClr val="accent1"/>
+          </a:lnRef>
+          <a:fillRef idx="2">
+            <a:schemeClr val="accent1"/>
+          </a:fillRef>
+          <a:effectRef idx="1">
+            <a:schemeClr val="accent1"/>
+          </a:effectRef>
+          <a:fontRef idx="minor">
+            <a:schemeClr val="dk1"/>
+          </a:fontRef>
+        </p:style>
+        <p:txBody>
+          <a:bodyPr rtlCol="0" anchor="ctr"/>
+          <a:lstStyle/>
+          <a:p>
+            <a:pPr algn="ctr"/>
+            <a:r>
+              <a:rPr lang="zh-CN" altLang="en-US" sz="1200" smtClean="0"/>
+              <a:t>创建模板</a:t>
+            </a:r>
+            <a:endParaRPr lang="zh-CN" altLang="en-US" sz="1200"/>
+          </a:p>
+        </p:txBody>
+      </p:sp>
+      <p:cxnSp>
+        <p:nvCxnSpPr>
+          <p:cNvPr id="24" name="肘形连接符 23"/>
+          <p:cNvCxnSpPr>
+            <a:stCxn id="4" idx="3"/>
+            <a:endCxn id="22" idx="1"/>
+          </p:cNvCxnSpPr>
+          <p:nvPr/>
+        </p:nvCxnSpPr>
+        <p:spPr>
+          <a:xfrm flipV="1">
+            <a:off x="1339826" y="2840461"/>
+            <a:ext cx="1890087" cy="621872"/>
+          </a:xfrm>
+          <a:prstGeom prst="bentConnector3">
+            <a:avLst>
+              <a:gd name="adj1" fmla="val 50000"/>
+            </a:avLst>
+          </a:prstGeom>
+          <a:ln>
+            <a:solidFill>
+              <a:schemeClr val="accent2">
+                <a:lumMod val="75000"/>
+              </a:schemeClr>
+            </a:solidFill>
+            <a:tailEnd type="triangle" w="med" len="lg"/>
+          </a:ln>
+        </p:spPr>
+        <p:style>
+          <a:lnRef idx="1">
+            <a:schemeClr val="accent1"/>
+          </a:lnRef>
+          <a:fillRef idx="0">
+            <a:schemeClr val="accent1"/>
+          </a:fillRef>
+          <a:effectRef idx="0">
+            <a:schemeClr val="accent1"/>
+          </a:effectRef>
+          <a:fontRef idx="minor">
+            <a:schemeClr val="tx1"/>
+          </a:fontRef>
+        </p:style>
+      </p:cxnSp>
+      <p:cxnSp>
+        <p:nvCxnSpPr>
+          <p:cNvPr id="27" name="肘形连接符 26"/>
+          <p:cNvCxnSpPr>
+            <a:stCxn id="4" idx="3"/>
+            <a:endCxn id="23" idx="1"/>
+          </p:cNvCxnSpPr>
+          <p:nvPr/>
+        </p:nvCxnSpPr>
+        <p:spPr>
+          <a:xfrm>
+            <a:off x="1339826" y="3462333"/>
+            <a:ext cx="1890087" cy="620397"/>
+          </a:xfrm>
+          <a:prstGeom prst="bentConnector3">
+            <a:avLst>
+              <a:gd name="adj1" fmla="val 50000"/>
+            </a:avLst>
+          </a:prstGeom>
+          <a:ln>
+            <a:solidFill>
+              <a:schemeClr val="accent2">
+                <a:lumMod val="75000"/>
+              </a:schemeClr>
+            </a:solidFill>
+            <a:tailEnd type="triangle" w="med" len="lg"/>
+          </a:ln>
+        </p:spPr>
+        <p:style>
+          <a:lnRef idx="1">
+            <a:schemeClr val="accent1"/>
+          </a:lnRef>
+          <a:fillRef idx="0">
+            <a:schemeClr val="accent1"/>
+          </a:fillRef>
+          <a:effectRef idx="0">
+            <a:schemeClr val="accent1"/>
+          </a:effectRef>
+          <a:fontRef idx="minor">
+            <a:schemeClr val="tx1"/>
+          </a:fontRef>
+        </p:style>
+      </p:cxnSp>
+      <p:sp>
+        <p:nvSpPr>
+          <p:cNvPr id="32" name="圆角矩形 31"/>
+          <p:cNvSpPr/>
+          <p:nvPr/>
+        </p:nvSpPr>
+        <p:spPr>
+          <a:xfrm>
+            <a:off x="3984232" y="4388109"/>
+            <a:ext cx="1268040" cy="288032"/>
+          </a:xfrm>
+          <a:prstGeom prst="roundRect">
+            <a:avLst/>
+          </a:prstGeom>
+        </p:spPr>
+        <p:style>
+          <a:lnRef idx="1">
+            <a:schemeClr val="accent4"/>
+          </a:lnRef>
+          <a:fillRef idx="2">
+            <a:schemeClr val="accent4"/>
+          </a:fillRef>
+          <a:effectRef idx="1">
+            <a:schemeClr val="accent4"/>
+          </a:effectRef>
+          <a:fontRef idx="minor">
+            <a:schemeClr val="dk1"/>
+          </a:fontRef>
+        </p:style>
+        <p:txBody>
+          <a:bodyPr rtlCol="0" anchor="ctr"/>
+          <a:lstStyle/>
+          <a:p>
+            <a:pPr algn="ctr"/>
+            <a:r>
+              <a:rPr lang="zh-CN" altLang="en-US" sz="1050" smtClean="0"/>
+              <a:t>本地模板</a:t>
+            </a:r>
+            <a:endParaRPr lang="zh-CN" altLang="en-US" sz="1050"/>
+          </a:p>
+        </p:txBody>
+      </p:sp>
+      <p:sp>
+        <p:nvSpPr>
+          <p:cNvPr id="33" name="圆角矩形 32"/>
+          <p:cNvSpPr/>
+          <p:nvPr/>
+        </p:nvSpPr>
+        <p:spPr>
+          <a:xfrm>
+            <a:off x="3992132" y="4765951"/>
+            <a:ext cx="1260140" cy="288032"/>
+          </a:xfrm>
+          <a:prstGeom prst="roundRect">
+            <a:avLst/>
+          </a:prstGeom>
+        </p:spPr>
+        <p:style>
+          <a:lnRef idx="1">
+            <a:schemeClr val="accent4"/>
+          </a:lnRef>
+          <a:fillRef idx="2">
+            <a:schemeClr val="accent4"/>
+          </a:fillRef>
+          <a:effectRef idx="1">
+            <a:schemeClr val="accent4"/>
+          </a:effectRef>
+          <a:fontRef idx="minor">
+            <a:schemeClr val="dk1"/>
+          </a:fontRef>
+        </p:style>
+        <p:txBody>
+          <a:bodyPr rtlCol="0" anchor="ctr"/>
+          <a:lstStyle/>
+          <a:p>
+            <a:pPr algn="ctr"/>
+            <a:r>
+              <a:rPr lang="zh-CN" altLang="en-US" sz="1050" smtClean="0"/>
+              <a:t>网络模板</a:t>
+            </a:r>
+            <a:endParaRPr lang="zh-CN" altLang="en-US" sz="1050"/>
+          </a:p>
+        </p:txBody>
+      </p:sp>
+      <p:cxnSp>
+        <p:nvCxnSpPr>
+          <p:cNvPr id="34" name="肘形连接符 33"/>
+          <p:cNvCxnSpPr>
+            <a:stCxn id="23" idx="2"/>
+            <a:endCxn id="32" idx="1"/>
+          </p:cNvCxnSpPr>
+          <p:nvPr/>
+        </p:nvCxnSpPr>
+        <p:spPr>
+          <a:xfrm rot="16200000" flipH="1">
+            <a:off x="3753163" y="4301056"/>
+            <a:ext cx="283882" cy="178255"/>
+          </a:xfrm>
+          <a:prstGeom prst="bentConnector2">
+            <a:avLst/>
+          </a:prstGeom>
+          <a:ln>
+            <a:headEnd type="triangle" w="med" len="lg"/>
+          </a:ln>
+        </p:spPr>
+        <p:style>
+          <a:lnRef idx="1">
+            <a:schemeClr val="accent1"/>
+          </a:lnRef>
+          <a:fillRef idx="0">
+            <a:schemeClr val="accent1"/>
+          </a:fillRef>
+          <a:effectRef idx="0">
+            <a:schemeClr val="accent1"/>
+          </a:effectRef>
+          <a:fontRef idx="minor">
+            <a:schemeClr val="tx1"/>
+          </a:fontRef>
+        </p:style>
+      </p:cxnSp>
+      <p:cxnSp>
+        <p:nvCxnSpPr>
+          <p:cNvPr id="37" name="肘形连接符 36"/>
+          <p:cNvCxnSpPr>
+            <a:stCxn id="23" idx="2"/>
+            <a:endCxn id="33" idx="1"/>
+          </p:cNvCxnSpPr>
+          <p:nvPr/>
+        </p:nvCxnSpPr>
+        <p:spPr>
+          <a:xfrm rot="16200000" flipH="1">
+            <a:off x="3568192" y="4486027"/>
+            <a:ext cx="661724" cy="186155"/>
+          </a:xfrm>
+          <a:prstGeom prst="bentConnector2">
+            <a:avLst/>
+          </a:prstGeom>
+          <a:ln>
+            <a:headEnd type="triangle" w="med" len="lg"/>
+          </a:ln>
+        </p:spPr>
+        <p:style>
+          <a:lnRef idx="1">
+            <a:schemeClr val="accent1"/>
+          </a:lnRef>
+          <a:fillRef idx="0">
+            <a:schemeClr val="accent1"/>
+          </a:fillRef>
+          <a:effectRef idx="0">
+            <a:schemeClr val="accent1"/>
+          </a:effectRef>
+          <a:fontRef idx="minor">
+            <a:schemeClr val="tx1"/>
+          </a:fontRef>
+        </p:style>
+      </p:cxnSp>
+      <p:sp>
+        <p:nvSpPr>
+          <p:cNvPr id="45" name="圆角矩形 44"/>
+          <p:cNvSpPr/>
+          <p:nvPr/>
+        </p:nvSpPr>
+        <p:spPr>
+          <a:xfrm>
+            <a:off x="5169004" y="3355685"/>
+            <a:ext cx="1152128" cy="331027"/>
+          </a:xfrm>
+          <a:prstGeom prst="roundRect">
+            <a:avLst/>
+          </a:prstGeom>
+        </p:spPr>
+        <p:style>
+          <a:lnRef idx="1">
+            <a:schemeClr val="accent1"/>
+          </a:lnRef>
+          <a:fillRef idx="2">
+            <a:schemeClr val="accent1"/>
+          </a:fillRef>
+          <a:effectRef idx="1">
+            <a:schemeClr val="accent1"/>
+          </a:effectRef>
+          <a:fontRef idx="minor">
+            <a:schemeClr val="dk1"/>
+          </a:fontRef>
+        </p:style>
+        <p:txBody>
+          <a:bodyPr rtlCol="0" anchor="ctr"/>
+          <a:lstStyle/>
+          <a:p>
+            <a:pPr algn="ctr"/>
+            <a:r>
+              <a:rPr lang="zh-CN" altLang="en-US" sz="1200" smtClean="0"/>
+              <a:t>逻辑建立</a:t>
+            </a:r>
+            <a:endParaRPr lang="zh-CN" altLang="en-US" sz="1200"/>
+          </a:p>
+        </p:txBody>
+      </p:sp>
+      <p:cxnSp>
+        <p:nvCxnSpPr>
+          <p:cNvPr id="46" name="肘形连接符 45"/>
+          <p:cNvCxnSpPr>
+            <a:stCxn id="22" idx="3"/>
+            <a:endCxn id="45" idx="1"/>
+          </p:cNvCxnSpPr>
+          <p:nvPr/>
+        </p:nvCxnSpPr>
+        <p:spPr>
+          <a:xfrm>
+            <a:off x="4382041" y="2840461"/>
+            <a:ext cx="786963" cy="680738"/>
+          </a:xfrm>
+          <a:prstGeom prst="bentConnector3">
+            <a:avLst>
+              <a:gd name="adj1" fmla="val 50000"/>
+            </a:avLst>
+          </a:prstGeom>
+          <a:ln>
+            <a:solidFill>
+              <a:schemeClr val="accent2">
+                <a:lumMod val="75000"/>
+              </a:schemeClr>
+            </a:solidFill>
+            <a:tailEnd type="triangle" w="med" len="lg"/>
+          </a:ln>
+        </p:spPr>
+        <p:style>
+          <a:lnRef idx="1">
+            <a:schemeClr val="accent1"/>
+          </a:lnRef>
+          <a:fillRef idx="0">
+            <a:schemeClr val="accent1"/>
+          </a:fillRef>
+          <a:effectRef idx="0">
+            <a:schemeClr val="accent1"/>
+          </a:effectRef>
+          <a:fontRef idx="minor">
+            <a:schemeClr val="tx1"/>
+          </a:fontRef>
+        </p:style>
+      </p:cxnSp>
+      <p:cxnSp>
+        <p:nvCxnSpPr>
+          <p:cNvPr id="49" name="肘形连接符 48"/>
+          <p:cNvCxnSpPr>
+            <a:stCxn id="23" idx="3"/>
+            <a:endCxn id="45" idx="1"/>
+          </p:cNvCxnSpPr>
+          <p:nvPr/>
+        </p:nvCxnSpPr>
+        <p:spPr>
+          <a:xfrm flipV="1">
+            <a:off x="4382041" y="3521199"/>
+            <a:ext cx="786963" cy="561531"/>
+          </a:xfrm>
+          <a:prstGeom prst="bentConnector3">
+            <a:avLst>
+              <a:gd name="adj1" fmla="val 50000"/>
+            </a:avLst>
+          </a:prstGeom>
+          <a:ln>
+            <a:solidFill>
+              <a:schemeClr val="accent2">
+                <a:lumMod val="75000"/>
+              </a:schemeClr>
+            </a:solidFill>
+            <a:tailEnd type="triangle" w="med" len="lg"/>
+          </a:ln>
+        </p:spPr>
+        <p:style>
+          <a:lnRef idx="1">
+            <a:schemeClr val="accent1"/>
+          </a:lnRef>
+          <a:fillRef idx="0">
+            <a:schemeClr val="accent1"/>
+          </a:fillRef>
+          <a:effectRef idx="0">
+            <a:schemeClr val="accent1"/>
+          </a:effectRef>
+          <a:fontRef idx="minor">
+            <a:schemeClr val="tx1"/>
+          </a:fontRef>
+        </p:style>
+      </p:cxnSp>
+      <p:sp>
+        <p:nvSpPr>
+          <p:cNvPr id="55" name="圆角矩形 54"/>
+          <p:cNvSpPr/>
+          <p:nvPr/>
+        </p:nvSpPr>
+        <p:spPr>
+          <a:xfrm>
+            <a:off x="4053643" y="2166890"/>
+            <a:ext cx="1268040" cy="288032"/>
+          </a:xfrm>
+          <a:prstGeom prst="roundRect">
+            <a:avLst/>
+          </a:prstGeom>
+        </p:spPr>
+        <p:style>
+          <a:lnRef idx="1">
+            <a:schemeClr val="accent4"/>
+          </a:lnRef>
+          <a:fillRef idx="2">
+            <a:schemeClr val="accent4"/>
+          </a:fillRef>
+          <a:effectRef idx="1">
+            <a:schemeClr val="accent4"/>
+          </a:effectRef>
+          <a:fontRef idx="minor">
+            <a:schemeClr val="dk1"/>
+          </a:fontRef>
+        </p:style>
+        <p:txBody>
+          <a:bodyPr rtlCol="0" anchor="ctr"/>
+          <a:lstStyle/>
+          <a:p>
+            <a:pPr algn="ctr"/>
+            <a:r>
+              <a:rPr lang="zh-CN" altLang="en-US" sz="1050" smtClean="0"/>
+              <a:t>获得网络资源</a:t>
+            </a:r>
+            <a:endParaRPr lang="zh-CN" altLang="en-US" sz="1050"/>
+          </a:p>
+        </p:txBody>
+      </p:sp>
+      <p:cxnSp>
+        <p:nvCxnSpPr>
+          <p:cNvPr id="56" name="肘形连接符 55"/>
+          <p:cNvCxnSpPr>
+            <a:stCxn id="23" idx="0"/>
+            <a:endCxn id="22" idx="2"/>
+          </p:cNvCxnSpPr>
+          <p:nvPr/>
+        </p:nvCxnSpPr>
+        <p:spPr>
+          <a:xfrm flipV="1">
+            <a:off x="3805977" y="3005974"/>
+            <a:ext cx="0" cy="911242"/>
+          </a:xfrm>
+          <a:prstGeom prst="straightConnector1">
+            <a:avLst/>
+          </a:prstGeom>
+          <a:ln>
+            <a:tailEnd type="triangle" w="med" len="lg"/>
+          </a:ln>
+        </p:spPr>
+        <p:style>
+          <a:lnRef idx="1">
+            <a:schemeClr val="accent1"/>
+          </a:lnRef>
+          <a:fillRef idx="0">
+            <a:schemeClr val="accent1"/>
+          </a:fillRef>
+          <a:effectRef idx="0">
+            <a:schemeClr val="accent1"/>
+          </a:effectRef>
+          <a:fontRef idx="minor">
+            <a:schemeClr val="tx1"/>
+          </a:fontRef>
+        </p:style>
+      </p:cxnSp>
+      <p:sp>
+        <p:nvSpPr>
+          <p:cNvPr id="79" name="圆角矩形 78"/>
+          <p:cNvSpPr/>
+          <p:nvPr/>
+        </p:nvSpPr>
+        <p:spPr>
+          <a:xfrm>
+            <a:off x="3720116" y="3377183"/>
+            <a:ext cx="902086" cy="288032"/>
+          </a:xfrm>
+          <a:prstGeom prst="roundRect">
+            <a:avLst/>
+          </a:prstGeom>
+          <a:noFill/>
+          <a:ln>
+            <a:noFill/>
+          </a:ln>
+        </p:spPr>
+        <p:style>
+          <a:lnRef idx="1">
+            <a:schemeClr val="accent4"/>
+          </a:lnRef>
+          <a:fillRef idx="2">
+            <a:schemeClr val="accent4"/>
+          </a:fillRef>
+          <a:effectRef idx="1">
+            <a:schemeClr val="accent4"/>
+          </a:effectRef>
+          <a:fontRef idx="minor">
+            <a:schemeClr val="dk1"/>
+          </a:fontRef>
+        </p:style>
+        <p:txBody>
+          <a:bodyPr rtlCol="0" anchor="ctr"/>
+          <a:lstStyle/>
+          <a:p>
+            <a:pPr algn="ctr"/>
+            <a:r>
+              <a:rPr lang="zh-CN" altLang="en-US" sz="1050"/>
+              <a:t>放</a:t>
+            </a:r>
+            <a:r>
+              <a:rPr lang="zh-CN" altLang="en-US" sz="1050" smtClean="0"/>
+              <a:t>入场景</a:t>
+            </a:r>
+            <a:endParaRPr lang="zh-CN" altLang="en-US" sz="1050"/>
+          </a:p>
+        </p:txBody>
+      </p:sp>
+      <p:cxnSp>
+        <p:nvCxnSpPr>
+          <p:cNvPr id="82" name="肘形连接符 81"/>
+          <p:cNvCxnSpPr>
+            <a:stCxn id="55" idx="1"/>
+            <a:endCxn id="22" idx="0"/>
+          </p:cNvCxnSpPr>
+          <p:nvPr/>
+        </p:nvCxnSpPr>
+        <p:spPr>
+          <a:xfrm rot="10800000" flipV="1">
+            <a:off x="3805977" y="2310905"/>
+            <a:ext cx="247666" cy="364041"/>
+          </a:xfrm>
+          <a:prstGeom prst="bentConnector2">
+            <a:avLst/>
+          </a:prstGeom>
+          <a:ln>
+            <a:headEnd type="none"/>
+            <a:tailEnd type="triangle" w="med" len="lg"/>
+          </a:ln>
+        </p:spPr>
+        <p:style>
+          <a:lnRef idx="1">
+            <a:schemeClr val="accent1"/>
+          </a:lnRef>
+          <a:fillRef idx="0">
+            <a:schemeClr val="accent1"/>
+          </a:fillRef>
+          <a:effectRef idx="0">
+            <a:schemeClr val="accent1"/>
+          </a:effectRef>
+          <a:fontRef idx="minor">
+            <a:schemeClr val="tx1"/>
+          </a:fontRef>
+        </p:style>
+      </p:cxnSp>
+      <p:sp>
+        <p:nvSpPr>
+          <p:cNvPr id="86" name="圆角矩形 85"/>
+          <p:cNvSpPr/>
+          <p:nvPr/>
+        </p:nvSpPr>
+        <p:spPr>
+          <a:xfrm>
+            <a:off x="4053643" y="1734842"/>
+            <a:ext cx="1268040" cy="288032"/>
+          </a:xfrm>
+          <a:prstGeom prst="roundRect">
+            <a:avLst/>
+          </a:prstGeom>
+        </p:spPr>
+        <p:style>
+          <a:lnRef idx="1">
+            <a:schemeClr val="accent4"/>
+          </a:lnRef>
+          <a:fillRef idx="2">
+            <a:schemeClr val="accent4"/>
+          </a:fillRef>
+          <a:effectRef idx="1">
+            <a:schemeClr val="accent4"/>
+          </a:effectRef>
+          <a:fontRef idx="minor">
+            <a:schemeClr val="dk1"/>
+          </a:fontRef>
+        </p:style>
+        <p:txBody>
+          <a:bodyPr rtlCol="0" anchor="ctr"/>
+          <a:lstStyle/>
+          <a:p>
+            <a:pPr algn="ctr"/>
+            <a:r>
+              <a:rPr lang="zh-CN" altLang="en-US" sz="1050" smtClean="0"/>
+              <a:t>增加本地资源</a:t>
+            </a:r>
+            <a:endParaRPr lang="zh-CN" altLang="en-US" sz="1050"/>
+          </a:p>
+        </p:txBody>
+      </p:sp>
+      <p:cxnSp>
+        <p:nvCxnSpPr>
+          <p:cNvPr id="87" name="肘形连接符 86"/>
+          <p:cNvCxnSpPr>
+            <a:stCxn id="86" idx="1"/>
+            <a:endCxn id="22" idx="0"/>
+          </p:cNvCxnSpPr>
+          <p:nvPr/>
+        </p:nvCxnSpPr>
+        <p:spPr>
+          <a:xfrm rot="10800000" flipV="1">
+            <a:off x="3805977" y="1878857"/>
+            <a:ext cx="247666" cy="796089"/>
+          </a:xfrm>
+          <a:prstGeom prst="bentConnector2">
+            <a:avLst/>
+          </a:prstGeom>
+          <a:ln>
+            <a:headEnd type="none"/>
+            <a:tailEnd type="triangle" w="med" len="lg"/>
+          </a:ln>
+        </p:spPr>
+        <p:style>
+          <a:lnRef idx="1">
+            <a:schemeClr val="accent1"/>
+          </a:lnRef>
+          <a:fillRef idx="0">
+            <a:schemeClr val="accent1"/>
+          </a:fillRef>
+          <a:effectRef idx="0">
+            <a:schemeClr val="accent1"/>
+          </a:effectRef>
+          <a:fontRef idx="minor">
+            <a:schemeClr val="tx1"/>
+          </a:fontRef>
+        </p:style>
+      </p:cxnSp>
+      <p:sp>
+        <p:nvSpPr>
+          <p:cNvPr id="94" name="圆角矩形 93"/>
+          <p:cNvSpPr/>
+          <p:nvPr/>
+        </p:nvSpPr>
+        <p:spPr>
+          <a:xfrm>
+            <a:off x="6802863" y="3349794"/>
+            <a:ext cx="1152128" cy="331027"/>
+          </a:xfrm>
+          <a:prstGeom prst="roundRect">
+            <a:avLst/>
+          </a:prstGeom>
+        </p:spPr>
+        <p:style>
+          <a:lnRef idx="1">
+            <a:schemeClr val="accent1"/>
+          </a:lnRef>
+          <a:fillRef idx="2">
+            <a:schemeClr val="accent1"/>
+          </a:fillRef>
+          <a:effectRef idx="1">
+            <a:schemeClr val="accent1"/>
+          </a:effectRef>
+          <a:fontRef idx="minor">
+            <a:schemeClr val="dk1"/>
+          </a:fontRef>
+        </p:style>
+        <p:txBody>
+          <a:bodyPr rtlCol="0" anchor="ctr"/>
+          <a:lstStyle/>
+          <a:p>
+            <a:pPr algn="ctr"/>
+            <a:r>
+              <a:rPr lang="zh-CN" altLang="en-US" sz="1200" smtClean="0"/>
+              <a:t>运行项目</a:t>
+            </a:r>
+            <a:endParaRPr lang="zh-CN" altLang="en-US" sz="1200"/>
+          </a:p>
+        </p:txBody>
+      </p:sp>
+      <p:cxnSp>
+        <p:nvCxnSpPr>
+          <p:cNvPr id="95" name="肘形连接符 94"/>
+          <p:cNvCxnSpPr>
+            <a:stCxn id="45" idx="3"/>
+            <a:endCxn id="94" idx="1"/>
+          </p:cNvCxnSpPr>
+          <p:nvPr/>
+        </p:nvCxnSpPr>
+        <p:spPr>
+          <a:xfrm flipV="1">
+            <a:off x="6321132" y="3515308"/>
+            <a:ext cx="481731" cy="5891"/>
+          </a:xfrm>
+          <a:prstGeom prst="straightConnector1">
+            <a:avLst/>
+          </a:prstGeom>
+          <a:ln>
+            <a:solidFill>
+              <a:schemeClr val="accent2">
+                <a:lumMod val="75000"/>
+              </a:schemeClr>
+            </a:solidFill>
+            <a:tailEnd type="triangle" w="med" len="lg"/>
+          </a:ln>
+        </p:spPr>
+        <p:style>
+          <a:lnRef idx="1">
+            <a:schemeClr val="accent1"/>
+          </a:lnRef>
+          <a:fillRef idx="0">
+            <a:schemeClr val="accent1"/>
+          </a:fillRef>
+          <a:effectRef idx="0">
+            <a:schemeClr val="accent1"/>
+          </a:effectRef>
+          <a:fontRef idx="minor">
+            <a:schemeClr val="tx1"/>
+          </a:fontRef>
+        </p:style>
+      </p:cxnSp>
+      <p:sp>
+        <p:nvSpPr>
+          <p:cNvPr id="104" name="圆角矩形 103"/>
+          <p:cNvSpPr/>
+          <p:nvPr/>
+        </p:nvSpPr>
+        <p:spPr>
+          <a:xfrm>
+            <a:off x="7669101" y="3898532"/>
+            <a:ext cx="1080120" cy="288032"/>
+          </a:xfrm>
+          <a:prstGeom prst="roundRect">
+            <a:avLst/>
+          </a:prstGeom>
+        </p:spPr>
+        <p:style>
+          <a:lnRef idx="1">
+            <a:schemeClr val="accent4"/>
+          </a:lnRef>
+          <a:fillRef idx="2">
+            <a:schemeClr val="accent4"/>
+          </a:fillRef>
+          <a:effectRef idx="1">
+            <a:schemeClr val="accent4"/>
+          </a:effectRef>
+          <a:fontRef idx="minor">
+            <a:schemeClr val="dk1"/>
+          </a:fontRef>
+        </p:style>
+        <p:txBody>
+          <a:bodyPr rtlCol="0" anchor="ctr"/>
+          <a:lstStyle/>
+          <a:p>
+            <a:pPr algn="ctr"/>
+            <a:r>
+              <a:rPr lang="zh-CN" altLang="en-US" sz="1050"/>
+              <a:t>预览</a:t>
+            </a:r>
+            <a:r>
+              <a:rPr lang="zh-CN" altLang="en-US" sz="1050" smtClean="0"/>
+              <a:t>项目</a:t>
+            </a:r>
+            <a:endParaRPr lang="zh-CN" altLang="en-US" sz="1050"/>
+          </a:p>
+        </p:txBody>
+      </p:sp>
+      <p:cxnSp>
+        <p:nvCxnSpPr>
+          <p:cNvPr id="105" name="肘形连接符 104"/>
+          <p:cNvCxnSpPr>
+            <a:stCxn id="94" idx="2"/>
+            <a:endCxn id="104" idx="1"/>
+          </p:cNvCxnSpPr>
+          <p:nvPr/>
+        </p:nvCxnSpPr>
+        <p:spPr>
+          <a:xfrm rot="16200000" flipH="1">
+            <a:off x="7343151" y="3716597"/>
+            <a:ext cx="361727" cy="290174"/>
+          </a:xfrm>
+          <a:prstGeom prst="bentConnector2">
+            <a:avLst/>
+          </a:prstGeom>
+          <a:ln>
+            <a:tailEnd type="triangle" w="med" len="lg"/>
+          </a:ln>
+        </p:spPr>
+        <p:style>
+          <a:lnRef idx="1">
+            <a:schemeClr val="accent1"/>
+          </a:lnRef>
+          <a:fillRef idx="0">
+            <a:schemeClr val="accent1"/>
+          </a:fillRef>
+          <a:effectRef idx="0">
+            <a:schemeClr val="accent1"/>
+          </a:effectRef>
+          <a:fontRef idx="minor">
+            <a:schemeClr val="tx1"/>
+          </a:fontRef>
+        </p:style>
+      </p:cxnSp>
+      <p:sp>
+        <p:nvSpPr>
+          <p:cNvPr id="35" name="圆角矩形 34"/>
+          <p:cNvSpPr/>
+          <p:nvPr/>
+        </p:nvSpPr>
+        <p:spPr>
+          <a:xfrm>
+            <a:off x="5967628" y="4091685"/>
+            <a:ext cx="1268040" cy="288032"/>
+          </a:xfrm>
+          <a:prstGeom prst="roundRect">
+            <a:avLst/>
+          </a:prstGeom>
+        </p:spPr>
+        <p:style>
+          <a:lnRef idx="1">
+            <a:schemeClr val="accent4"/>
+          </a:lnRef>
+          <a:fillRef idx="2">
+            <a:schemeClr val="accent4"/>
+          </a:fillRef>
+          <a:effectRef idx="1">
+            <a:schemeClr val="accent4"/>
+          </a:effectRef>
+          <a:fontRef idx="minor">
+            <a:schemeClr val="dk1"/>
+          </a:fontRef>
+        </p:style>
+        <p:txBody>
+          <a:bodyPr rtlCol="0" anchor="ctr"/>
+          <a:lstStyle/>
+          <a:p>
+            <a:pPr algn="ctr"/>
+            <a:r>
+              <a:rPr lang="zh-CN" altLang="en-US" sz="1050" smtClean="0"/>
+              <a:t>配置编辑</a:t>
+            </a:r>
+            <a:endParaRPr lang="zh-CN" altLang="en-US" sz="1050"/>
+          </a:p>
+        </p:txBody>
+      </p:sp>
+      <p:cxnSp>
+        <p:nvCxnSpPr>
+          <p:cNvPr id="36" name="肘形连接符 35"/>
+          <p:cNvCxnSpPr>
+            <a:stCxn id="45" idx="2"/>
+            <a:endCxn id="35" idx="1"/>
+          </p:cNvCxnSpPr>
+          <p:nvPr/>
+        </p:nvCxnSpPr>
+        <p:spPr>
+          <a:xfrm rot="16200000" flipH="1">
+            <a:off x="5581854" y="3849926"/>
+            <a:ext cx="548989" cy="222560"/>
+          </a:xfrm>
+          <a:prstGeom prst="bentConnector2">
+            <a:avLst/>
+          </a:prstGeom>
+          <a:ln>
+            <a:headEnd type="triangle" w="med" len="lg"/>
+          </a:ln>
+        </p:spPr>
+        <p:style>
+          <a:lnRef idx="1">
+            <a:schemeClr val="accent1"/>
+          </a:lnRef>
+          <a:fillRef idx="0">
+            <a:schemeClr val="accent1"/>
+          </a:fillRef>
+          <a:effectRef idx="0">
+            <a:schemeClr val="accent1"/>
+          </a:effectRef>
+          <a:fontRef idx="minor">
+            <a:schemeClr val="tx1"/>
+          </a:fontRef>
+        </p:style>
+      </p:cxnSp>
+      <p:sp>
+        <p:nvSpPr>
+          <p:cNvPr id="38" name="圆角矩形 37"/>
+          <p:cNvSpPr/>
+          <p:nvPr/>
+        </p:nvSpPr>
+        <p:spPr>
+          <a:xfrm>
+            <a:off x="5967628" y="4491943"/>
+            <a:ext cx="1268040" cy="288032"/>
+          </a:xfrm>
+          <a:prstGeom prst="roundRect">
+            <a:avLst/>
+          </a:prstGeom>
+        </p:spPr>
+        <p:style>
+          <a:lnRef idx="1">
+            <a:schemeClr val="accent4"/>
+          </a:lnRef>
+          <a:fillRef idx="2">
+            <a:schemeClr val="accent4"/>
+          </a:fillRef>
+          <a:effectRef idx="1">
+            <a:schemeClr val="accent4"/>
+          </a:effectRef>
+          <a:fontRef idx="minor">
+            <a:schemeClr val="dk1"/>
+          </a:fontRef>
+        </p:style>
+        <p:txBody>
+          <a:bodyPr rtlCol="0" anchor="ctr"/>
+          <a:lstStyle/>
+          <a:p>
+            <a:pPr algn="ctr"/>
+            <a:r>
+              <a:rPr lang="zh-CN" altLang="en-US" sz="1050" smtClean="0"/>
+              <a:t>图形化编辑</a:t>
+            </a:r>
+            <a:endParaRPr lang="zh-CN" altLang="en-US" sz="1050"/>
+          </a:p>
+        </p:txBody>
+      </p:sp>
+      <p:cxnSp>
+        <p:nvCxnSpPr>
+          <p:cNvPr id="39" name="肘形连接符 38"/>
+          <p:cNvCxnSpPr>
+            <a:stCxn id="45" idx="2"/>
+            <a:endCxn id="38" idx="1"/>
+          </p:cNvCxnSpPr>
+          <p:nvPr/>
+        </p:nvCxnSpPr>
+        <p:spPr>
+          <a:xfrm rot="16200000" flipH="1">
+            <a:off x="5381725" y="4050055"/>
+            <a:ext cx="949247" cy="222560"/>
+          </a:xfrm>
+          <a:prstGeom prst="bentConnector2">
+            <a:avLst/>
+          </a:prstGeom>
+          <a:ln>
+            <a:headEnd type="triangle" w="med" len="lg"/>
+          </a:ln>
+        </p:spPr>
+        <p:style>
+          <a:lnRef idx="1">
+            <a:schemeClr val="accent1"/>
+          </a:lnRef>
+          <a:fillRef idx="0">
+            <a:schemeClr val="accent1"/>
+          </a:fillRef>
+          <a:effectRef idx="0">
+            <a:schemeClr val="accent1"/>
+          </a:effectRef>
+          <a:fontRef idx="minor">
+            <a:schemeClr val="tx1"/>
+          </a:fontRef>
+        </p:style>
+      </p:cxnSp>
+      <p:sp>
+        <p:nvSpPr>
+          <p:cNvPr id="43" name="圆角矩形 42"/>
+          <p:cNvSpPr/>
+          <p:nvPr/>
+        </p:nvSpPr>
+        <p:spPr>
+          <a:xfrm>
+            <a:off x="5967628" y="4909966"/>
+            <a:ext cx="1268040" cy="288032"/>
+          </a:xfrm>
+          <a:prstGeom prst="roundRect">
+            <a:avLst/>
+          </a:prstGeom>
+        </p:spPr>
+        <p:style>
+          <a:lnRef idx="1">
+            <a:schemeClr val="accent4"/>
+          </a:lnRef>
+          <a:fillRef idx="2">
+            <a:schemeClr val="accent4"/>
+          </a:fillRef>
+          <a:effectRef idx="1">
+            <a:schemeClr val="accent4"/>
+          </a:effectRef>
+          <a:fontRef idx="minor">
+            <a:schemeClr val="dk1"/>
+          </a:fontRef>
+        </p:style>
+        <p:txBody>
+          <a:bodyPr rtlCol="0" anchor="ctr"/>
+          <a:lstStyle/>
+          <a:p>
+            <a:pPr algn="ctr"/>
+            <a:r>
+              <a:rPr lang="zh-CN" altLang="en-US" sz="1050" smtClean="0"/>
+              <a:t>网络逻辑模块</a:t>
+            </a:r>
+            <a:endParaRPr lang="zh-CN" altLang="en-US" sz="1050"/>
+          </a:p>
+        </p:txBody>
+      </p:sp>
+      <p:cxnSp>
+        <p:nvCxnSpPr>
+          <p:cNvPr id="44" name="肘形连接符 43"/>
+          <p:cNvCxnSpPr>
+            <a:stCxn id="45" idx="2"/>
+            <a:endCxn id="43" idx="1"/>
+          </p:cNvCxnSpPr>
+          <p:nvPr/>
+        </p:nvCxnSpPr>
+        <p:spPr>
+          <a:xfrm rot="16200000" flipH="1">
+            <a:off x="5172713" y="4259067"/>
+            <a:ext cx="1367270" cy="222560"/>
+          </a:xfrm>
+          <a:prstGeom prst="bentConnector2">
+            <a:avLst/>
+          </a:prstGeom>
+          <a:ln>
+            <a:headEnd type="triangle" w="med" len="lg"/>
+          </a:ln>
+        </p:spPr>
+        <p:style>
+          <a:lnRef idx="1">
+            <a:schemeClr val="accent1"/>
+          </a:lnRef>
+          <a:fillRef idx="0">
+            <a:schemeClr val="accent1"/>
+          </a:fillRef>
+          <a:effectRef idx="0">
+            <a:schemeClr val="accent1"/>
+          </a:effectRef>
+          <a:fontRef idx="minor">
+            <a:schemeClr val="tx1"/>
+          </a:fontRef>
+        </p:style>
+      </p:cxnSp>
+      <p:sp>
+        <p:nvSpPr>
+          <p:cNvPr id="48" name="圆角矩形 47"/>
+          <p:cNvSpPr/>
+          <p:nvPr/>
+        </p:nvSpPr>
+        <p:spPr>
+          <a:xfrm>
+            <a:off x="5967629" y="5301208"/>
+            <a:ext cx="1268040" cy="360040"/>
+          </a:xfrm>
+          <a:prstGeom prst="roundRect">
+            <a:avLst/>
+          </a:prstGeom>
+        </p:spPr>
+        <p:style>
+          <a:lnRef idx="1">
+            <a:schemeClr val="accent4"/>
+          </a:lnRef>
+          <a:fillRef idx="2">
+            <a:schemeClr val="accent4"/>
+          </a:fillRef>
+          <a:effectRef idx="1">
+            <a:schemeClr val="accent4"/>
+          </a:effectRef>
+          <a:fontRef idx="minor">
+            <a:schemeClr val="dk1"/>
+          </a:fontRef>
+        </p:style>
+        <p:txBody>
+          <a:bodyPr rtlCol="0" anchor="ctr"/>
+          <a:lstStyle/>
+          <a:p>
+            <a:pPr algn="ctr"/>
+            <a:r>
+              <a:rPr lang="zh-CN" altLang="en-US" sz="1050" smtClean="0"/>
+              <a:t>编辑工具</a:t>
+            </a:r>
+            <a:r>
+              <a:rPr lang="en-US" altLang="zh-CN" sz="1050" smtClean="0"/>
+              <a:t>(Mono/VS IDE)</a:t>
+            </a:r>
+            <a:endParaRPr lang="zh-CN" altLang="en-US" sz="1050"/>
+          </a:p>
+        </p:txBody>
+      </p:sp>
+      <p:cxnSp>
+        <p:nvCxnSpPr>
+          <p:cNvPr id="50" name="肘形连接符 49"/>
+          <p:cNvCxnSpPr>
+            <a:stCxn id="45" idx="2"/>
+            <a:endCxn id="48" idx="1"/>
+          </p:cNvCxnSpPr>
+          <p:nvPr/>
+        </p:nvCxnSpPr>
+        <p:spPr>
+          <a:xfrm rot="16200000" flipH="1">
+            <a:off x="4959090" y="4472689"/>
+            <a:ext cx="1794516" cy="222561"/>
+          </a:xfrm>
+          <a:prstGeom prst="bentConnector2">
+            <a:avLst/>
+          </a:prstGeom>
+          <a:ln>
+            <a:headEnd type="triangle" w="med" len="lg"/>
+          </a:ln>
+        </p:spPr>
+        <p:style>
+          <a:lnRef idx="1">
+            <a:schemeClr val="accent1"/>
+          </a:lnRef>
+          <a:fillRef idx="0">
+            <a:schemeClr val="accent1"/>
+          </a:fillRef>
+          <a:effectRef idx="0">
+            <a:schemeClr val="accent1"/>
+          </a:effectRef>
+          <a:fontRef idx="minor">
+            <a:schemeClr val="tx1"/>
+          </a:fontRef>
+        </p:style>
+      </p:cxnSp>
+      <p:sp>
+        <p:nvSpPr>
+          <p:cNvPr id="57" name="圆角矩形 56"/>
+          <p:cNvSpPr/>
+          <p:nvPr/>
+        </p:nvSpPr>
+        <p:spPr>
+          <a:xfrm>
+            <a:off x="7669101" y="4275919"/>
+            <a:ext cx="1080120" cy="288032"/>
+          </a:xfrm>
+          <a:prstGeom prst="roundRect">
+            <a:avLst/>
+          </a:prstGeom>
+        </p:spPr>
+        <p:style>
+          <a:lnRef idx="1">
+            <a:schemeClr val="accent4"/>
+          </a:lnRef>
+          <a:fillRef idx="2">
+            <a:schemeClr val="accent4"/>
+          </a:fillRef>
+          <a:effectRef idx="1">
+            <a:schemeClr val="accent4"/>
+          </a:effectRef>
+          <a:fontRef idx="minor">
+            <a:schemeClr val="dk1"/>
+          </a:fontRef>
+        </p:style>
+        <p:txBody>
+          <a:bodyPr rtlCol="0" anchor="ctr"/>
+          <a:lstStyle/>
+          <a:p>
+            <a:pPr algn="ctr"/>
+            <a:r>
+              <a:rPr lang="zh-CN" altLang="en-US" sz="1050" smtClean="0"/>
+              <a:t>发布项目</a:t>
+            </a:r>
+            <a:endParaRPr lang="zh-CN" altLang="en-US" sz="1050"/>
+          </a:p>
+        </p:txBody>
+      </p:sp>
+      <p:cxnSp>
+        <p:nvCxnSpPr>
+          <p:cNvPr id="59" name="肘形连接符 58"/>
+          <p:cNvCxnSpPr>
+            <a:stCxn id="94" idx="2"/>
+            <a:endCxn id="57" idx="1"/>
+          </p:cNvCxnSpPr>
+          <p:nvPr/>
+        </p:nvCxnSpPr>
+        <p:spPr>
+          <a:xfrm rot="16200000" flipH="1">
+            <a:off x="7154457" y="3905291"/>
+            <a:ext cx="739114" cy="290174"/>
+          </a:xfrm>
+          <a:prstGeom prst="bentConnector2">
+            <a:avLst/>
+          </a:prstGeom>
+          <a:ln>
+            <a:tailEnd type="triangle" w="med" len="lg"/>
+          </a:ln>
+        </p:spPr>
+        <p:style>
+          <a:lnRef idx="1">
+            <a:schemeClr val="accent1"/>
+          </a:lnRef>
+          <a:fillRef idx="0">
+            <a:schemeClr val="accent1"/>
+          </a:fillRef>
+          <a:effectRef idx="0">
+            <a:schemeClr val="accent1"/>
+          </a:effectRef>
+          <a:fontRef idx="minor">
+            <a:schemeClr val="tx1"/>
+          </a:fontRef>
+        </p:style>
+      </p:cxnSp>
     </p:spTree>
     <p:extLst>
       <p:ext uri="{BB962C8B-B14F-4D97-AF65-F5344CB8AC3E}">
-        <p14:creationId xmlns:p14="http://schemas.microsoft.com/office/powerpoint/2010/main" val="1867866557"/>
+        <p14:creationId xmlns:p14="http://schemas.microsoft.com/office/powerpoint/2010/main" val="3212111891"/>
       </p:ext>
     </p:extLst>
   </p:cSld>
